--- a/dotnet-fest-asyn-lifetime.pptx
+++ b/dotnet-fest-asyn-lifetime.pptx
@@ -5,30 +5,26 @@
     <p:sldMasterId id="2147483648" r:id="rId1"/>
   </p:sldMasterIdLst>
   <p:notesMasterIdLst>
-    <p:notesMasterId r:id="rId13"/>
+    <p:notesMasterId r:id="rId9"/>
   </p:notesMasterIdLst>
   <p:sldIdLst>
     <p:sldId id="256" r:id="rId2"/>
-    <p:sldId id="263" r:id="rId3"/>
-    <p:sldId id="264" r:id="rId4"/>
-    <p:sldId id="265" r:id="rId5"/>
-    <p:sldId id="266" r:id="rId6"/>
-    <p:sldId id="258" r:id="rId7"/>
-    <p:sldId id="259" r:id="rId8"/>
-    <p:sldId id="260" r:id="rId9"/>
-    <p:sldId id="257" r:id="rId10"/>
-    <p:sldId id="261" r:id="rId11"/>
-    <p:sldId id="262" r:id="rId12"/>
+    <p:sldId id="258" r:id="rId3"/>
+    <p:sldId id="259" r:id="rId4"/>
+    <p:sldId id="260" r:id="rId5"/>
+    <p:sldId id="257" r:id="rId6"/>
+    <p:sldId id="261" r:id="rId7"/>
+    <p:sldId id="262" r:id="rId8"/>
   </p:sldIdLst>
   <p:sldSz cx="9144000" cy="5143500" type="screen16x9"/>
   <p:notesSz cx="6858000" cy="9144000"/>
   <p:embeddedFontLst>
     <p:embeddedFont>
       <p:font typeface="Lato" panose="020B0604020202020204" charset="0"/>
-      <p:regular r:id="rId14"/>
-      <p:bold r:id="rId15"/>
-      <p:italic r:id="rId16"/>
-      <p:boldItalic r:id="rId17"/>
+      <p:regular r:id="rId10"/>
+      <p:bold r:id="rId11"/>
+      <p:italic r:id="rId12"/>
+      <p:boldItalic r:id="rId13"/>
     </p:embeddedFont>
   </p:embeddedFontLst>
   <p:defaultTextStyle>
@@ -268,7 +264,7 @@
       <p15:notesGuideLst xmlns:p15="http://schemas.microsoft.com/office/powerpoint/2012/main"/>
     </p:ext>
     <p:ext uri="http://customooxmlschemas.google.com/">
-      <go:slidesCustomData xmlns:go="http://customooxmlschemas.google.com/" xmlns:p15="http://schemas.microsoft.com/office/powerpoint/2012/main" xmlns:p14="http://schemas.microsoft.com/office/powerpoint/2010/main" xmlns:com="http://schemas.openxmlformats.org/drawingml/2006/compatibility" xmlns:pvml="urn:schemas-microsoft-com:office:powerpoint" xmlns:v="urn:schemas-microsoft-com:vml" xmlns:o="urn:schemas-microsoft-com:office:office" xmlns:dgm="http://schemas.openxmlformats.org/drawingml/2006/diagram" xmlns:c="http://schemas.openxmlformats.org/drawingml/2006/chart" xmlns:mv="urn:schemas-microsoft-com:mac:vml" xmlns:mc="http://schemas.openxmlformats.org/markup-compatibility/2006" xmlns="" r:id="rId18" roundtripDataSignature="AMtx7miKpTSjtseuKdrPLKRxyI8JLPryXw=="/>
+      <go:slidesCustomData xmlns="" xmlns:mc="http://schemas.openxmlformats.org/markup-compatibility/2006" xmlns:mv="urn:schemas-microsoft-com:mac:vml" xmlns:c="http://schemas.openxmlformats.org/drawingml/2006/chart" xmlns:dgm="http://schemas.openxmlformats.org/drawingml/2006/diagram" xmlns:o="urn:schemas-microsoft-com:office:office" xmlns:v="urn:schemas-microsoft-com:vml" xmlns:pvml="urn:schemas-microsoft-com:office:powerpoint" xmlns:com="http://schemas.openxmlformats.org/drawingml/2006/compatibility" xmlns:p14="http://schemas.microsoft.com/office/powerpoint/2010/main" xmlns:p15="http://schemas.microsoft.com/office/powerpoint/2012/main" xmlns:go="http://customooxmlschemas.google.com/" r:id="rId18" roundtripDataSignature="AMtx7miKpTSjtseuKdrPLKRxyI8JLPryXw=="/>
     </p:ext>
   </p:extLst>
 </p:presentation>
@@ -2210,539 +2206,6 @@
 </file>
 
 <file path=ppt/slideLayouts/slideLayout10.xml><?xml version="1.0" encoding="utf-8"?>
-<p:sldLayout xmlns:a="http://schemas.openxmlformats.org/drawingml/2006/main" xmlns:r="http://schemas.openxmlformats.org/officeDocument/2006/relationships" xmlns:p="http://schemas.openxmlformats.org/presentationml/2006/main" matchingName="Big number">
-  <p:cSld name="BIG_NUMBER">
-    <p:spTree>
-      <p:nvGrpSpPr>
-        <p:cNvPr id="1" name="Shape 44"/>
-        <p:cNvGrpSpPr/>
-        <p:nvPr/>
-      </p:nvGrpSpPr>
-      <p:grpSpPr>
-        <a:xfrm>
-          <a:off x="0" y="0"/>
-          <a:ext cx="0" cy="0"/>
-          <a:chOff x="0" y="0"/>
-          <a:chExt cx="0" cy="0"/>
-        </a:xfrm>
-      </p:grpSpPr>
-      <p:sp>
-        <p:nvSpPr>
-          <p:cNvPr id="45" name="Google Shape;45;p13"/>
-          <p:cNvSpPr txBox="1">
-            <a:spLocks noGrp="1"/>
-          </p:cNvSpPr>
-          <p:nvPr>
-            <p:ph type="title"/>
-          </p:nvPr>
-        </p:nvSpPr>
-        <p:spPr>
-          <a:xfrm>
-            <a:off x="311700" y="1106125"/>
-            <a:ext cx="8520600" cy="1963500"/>
-          </a:xfrm>
-          <a:prstGeom prst="rect">
-            <a:avLst/>
-          </a:prstGeom>
-          <a:noFill/>
-          <a:ln>
-            <a:noFill/>
-          </a:ln>
-        </p:spPr>
-        <p:txBody>
-          <a:bodyPr spcFirstLastPara="1" wrap="square" lIns="91425" tIns="91425" rIns="91425" bIns="91425" anchor="b" anchorCtr="0">
-            <a:noAutofit/>
-          </a:bodyPr>
-          <a:lstStyle>
-            <a:lvl1pPr lvl="0" algn="ctr">
-              <a:spcBef>
-                <a:spcPts val="0"/>
-              </a:spcBef>
-              <a:spcAft>
-                <a:spcPts val="0"/>
-              </a:spcAft>
-              <a:buSzPts val="12000"/>
-              <a:buNone/>
-              <a:defRPr sz="12000"/>
-            </a:lvl1pPr>
-            <a:lvl2pPr lvl="1" algn="ctr">
-              <a:spcBef>
-                <a:spcPts val="0"/>
-              </a:spcBef>
-              <a:spcAft>
-                <a:spcPts val="0"/>
-              </a:spcAft>
-              <a:buSzPts val="12000"/>
-              <a:buNone/>
-              <a:defRPr sz="12000"/>
-            </a:lvl2pPr>
-            <a:lvl3pPr lvl="2" algn="ctr">
-              <a:spcBef>
-                <a:spcPts val="0"/>
-              </a:spcBef>
-              <a:spcAft>
-                <a:spcPts val="0"/>
-              </a:spcAft>
-              <a:buSzPts val="12000"/>
-              <a:buNone/>
-              <a:defRPr sz="12000"/>
-            </a:lvl3pPr>
-            <a:lvl4pPr lvl="3" algn="ctr">
-              <a:spcBef>
-                <a:spcPts val="0"/>
-              </a:spcBef>
-              <a:spcAft>
-                <a:spcPts val="0"/>
-              </a:spcAft>
-              <a:buSzPts val="12000"/>
-              <a:buNone/>
-              <a:defRPr sz="12000"/>
-            </a:lvl4pPr>
-            <a:lvl5pPr lvl="4" algn="ctr">
-              <a:spcBef>
-                <a:spcPts val="0"/>
-              </a:spcBef>
-              <a:spcAft>
-                <a:spcPts val="0"/>
-              </a:spcAft>
-              <a:buSzPts val="12000"/>
-              <a:buNone/>
-              <a:defRPr sz="12000"/>
-            </a:lvl5pPr>
-            <a:lvl6pPr lvl="5" algn="ctr">
-              <a:lnSpc>
-                <a:spcPct val="100000"/>
-              </a:lnSpc>
-              <a:spcBef>
-                <a:spcPts val="0"/>
-              </a:spcBef>
-              <a:spcAft>
-                <a:spcPts val="0"/>
-              </a:spcAft>
-              <a:buSzPts val="12000"/>
-              <a:buNone/>
-              <a:defRPr sz="12000"/>
-            </a:lvl6pPr>
-            <a:lvl7pPr lvl="6" algn="ctr">
-              <a:lnSpc>
-                <a:spcPct val="100000"/>
-              </a:lnSpc>
-              <a:spcBef>
-                <a:spcPts val="0"/>
-              </a:spcBef>
-              <a:spcAft>
-                <a:spcPts val="0"/>
-              </a:spcAft>
-              <a:buSzPts val="12000"/>
-              <a:buNone/>
-              <a:defRPr sz="12000"/>
-            </a:lvl7pPr>
-            <a:lvl8pPr lvl="7" algn="ctr">
-              <a:lnSpc>
-                <a:spcPct val="100000"/>
-              </a:lnSpc>
-              <a:spcBef>
-                <a:spcPts val="0"/>
-              </a:spcBef>
-              <a:spcAft>
-                <a:spcPts val="0"/>
-              </a:spcAft>
-              <a:buSzPts val="12000"/>
-              <a:buNone/>
-              <a:defRPr sz="12000"/>
-            </a:lvl8pPr>
-            <a:lvl9pPr lvl="8" algn="ctr">
-              <a:lnSpc>
-                <a:spcPct val="100000"/>
-              </a:lnSpc>
-              <a:spcBef>
-                <a:spcPts val="0"/>
-              </a:spcBef>
-              <a:spcAft>
-                <a:spcPts val="0"/>
-              </a:spcAft>
-              <a:buSzPts val="12000"/>
-              <a:buNone/>
-              <a:defRPr sz="12000"/>
-            </a:lvl9pPr>
-          </a:lstStyle>
-          <a:p>
-            <a:endParaRPr/>
-          </a:p>
-        </p:txBody>
-      </p:sp>
-      <p:sp>
-        <p:nvSpPr>
-          <p:cNvPr id="46" name="Google Shape;46;p13"/>
-          <p:cNvSpPr txBox="1">
-            <a:spLocks noGrp="1"/>
-          </p:cNvSpPr>
-          <p:nvPr>
-            <p:ph type="body" idx="1"/>
-          </p:nvPr>
-        </p:nvSpPr>
-        <p:spPr>
-          <a:xfrm>
-            <a:off x="311700" y="3152225"/>
-            <a:ext cx="8520600" cy="1300800"/>
-          </a:xfrm>
-          <a:prstGeom prst="rect">
-            <a:avLst/>
-          </a:prstGeom>
-          <a:noFill/>
-          <a:ln>
-            <a:noFill/>
-          </a:ln>
-        </p:spPr>
-        <p:txBody>
-          <a:bodyPr spcFirstLastPara="1" wrap="square" lIns="91425" tIns="91425" rIns="91425" bIns="91425" anchor="t" anchorCtr="0">
-            <a:noAutofit/>
-          </a:bodyPr>
-          <a:lstStyle>
-            <a:lvl1pPr marL="457200" lvl="0" indent="-342900" algn="ctr">
-              <a:spcBef>
-                <a:spcPts val="0"/>
-              </a:spcBef>
-              <a:spcAft>
-                <a:spcPts val="0"/>
-              </a:spcAft>
-              <a:buSzPts val="1800"/>
-              <a:buChar char="●"/>
-              <a:defRPr/>
-            </a:lvl1pPr>
-            <a:lvl2pPr marL="914400" lvl="1" indent="-317500" algn="ctr">
-              <a:spcBef>
-                <a:spcPts val="1600"/>
-              </a:spcBef>
-              <a:spcAft>
-                <a:spcPts val="0"/>
-              </a:spcAft>
-              <a:buSzPts val="1400"/>
-              <a:buChar char="○"/>
-              <a:defRPr/>
-            </a:lvl2pPr>
-            <a:lvl3pPr marL="1371600" lvl="2" indent="-317500" algn="ctr">
-              <a:spcBef>
-                <a:spcPts val="1600"/>
-              </a:spcBef>
-              <a:spcAft>
-                <a:spcPts val="0"/>
-              </a:spcAft>
-              <a:buSzPts val="1400"/>
-              <a:buChar char="■"/>
-              <a:defRPr/>
-            </a:lvl3pPr>
-            <a:lvl4pPr marL="1828800" lvl="3" indent="-317500" algn="ctr">
-              <a:spcBef>
-                <a:spcPts val="1600"/>
-              </a:spcBef>
-              <a:spcAft>
-                <a:spcPts val="0"/>
-              </a:spcAft>
-              <a:buSzPts val="1400"/>
-              <a:buChar char="●"/>
-              <a:defRPr/>
-            </a:lvl4pPr>
-            <a:lvl5pPr marL="2286000" lvl="4" indent="-317500" algn="ctr">
-              <a:spcBef>
-                <a:spcPts val="1600"/>
-              </a:spcBef>
-              <a:spcAft>
-                <a:spcPts val="0"/>
-              </a:spcAft>
-              <a:buSzPts val="1400"/>
-              <a:buChar char="○"/>
-              <a:defRPr/>
-            </a:lvl5pPr>
-            <a:lvl6pPr marL="2743200" lvl="5" indent="-317500" algn="ctr">
-              <a:lnSpc>
-                <a:spcPct val="100000"/>
-              </a:lnSpc>
-              <a:spcBef>
-                <a:spcPts val="1600"/>
-              </a:spcBef>
-              <a:spcAft>
-                <a:spcPts val="0"/>
-              </a:spcAft>
-              <a:buSzPts val="1400"/>
-              <a:buChar char="■"/>
-              <a:defRPr/>
-            </a:lvl6pPr>
-            <a:lvl7pPr marL="3200400" lvl="6" indent="-317500" algn="ctr">
-              <a:lnSpc>
-                <a:spcPct val="100000"/>
-              </a:lnSpc>
-              <a:spcBef>
-                <a:spcPts val="1600"/>
-              </a:spcBef>
-              <a:spcAft>
-                <a:spcPts val="0"/>
-              </a:spcAft>
-              <a:buSzPts val="1400"/>
-              <a:buChar char="●"/>
-              <a:defRPr/>
-            </a:lvl7pPr>
-            <a:lvl8pPr marL="3657600" lvl="7" indent="-317500" algn="ctr">
-              <a:lnSpc>
-                <a:spcPct val="100000"/>
-              </a:lnSpc>
-              <a:spcBef>
-                <a:spcPts val="1600"/>
-              </a:spcBef>
-              <a:spcAft>
-                <a:spcPts val="0"/>
-              </a:spcAft>
-              <a:buSzPts val="1400"/>
-              <a:buChar char="○"/>
-              <a:defRPr/>
-            </a:lvl8pPr>
-            <a:lvl9pPr marL="4114800" lvl="8" indent="-317500" algn="ctr">
-              <a:lnSpc>
-                <a:spcPct val="100000"/>
-              </a:lnSpc>
-              <a:spcBef>
-                <a:spcPts val="1600"/>
-              </a:spcBef>
-              <a:spcAft>
-                <a:spcPts val="1600"/>
-              </a:spcAft>
-              <a:buSzPts val="1400"/>
-              <a:buChar char="■"/>
-              <a:defRPr/>
-            </a:lvl9pPr>
-          </a:lstStyle>
-          <a:p>
-            <a:endParaRPr/>
-          </a:p>
-        </p:txBody>
-      </p:sp>
-      <p:sp>
-        <p:nvSpPr>
-          <p:cNvPr id="47" name="Google Shape;47;p13"/>
-          <p:cNvSpPr txBox="1">
-            <a:spLocks noGrp="1"/>
-          </p:cNvSpPr>
-          <p:nvPr>
-            <p:ph type="sldNum" idx="12"/>
-          </p:nvPr>
-        </p:nvSpPr>
-        <p:spPr>
-          <a:xfrm>
-            <a:off x="8472488" y="4662488"/>
-            <a:ext cx="549275" cy="393700"/>
-          </a:xfrm>
-          <a:prstGeom prst="rect">
-            <a:avLst/>
-          </a:prstGeom>
-          <a:noFill/>
-          <a:ln>
-            <a:noFill/>
-          </a:ln>
-        </p:spPr>
-        <p:txBody>
-          <a:bodyPr spcFirstLastPara="1" wrap="square" lIns="91425" tIns="91425" rIns="91425" bIns="91425" anchor="ctr" anchorCtr="0">
-            <a:noAutofit/>
-          </a:bodyPr>
-          <a:lstStyle>
-            <a:lvl1pPr marL="0" lvl="0" indent="0" algn="r">
-              <a:spcBef>
-                <a:spcPts val="0"/>
-              </a:spcBef>
-              <a:spcAft>
-                <a:spcPts val="0"/>
-              </a:spcAft>
-              <a:buSzPts val="1000"/>
-              <a:buNone/>
-              <a:defRPr sz="1000" b="0" i="0" u="none" strike="noStrike" cap="none">
-                <a:solidFill>
-                  <a:srgbClr val="595959"/>
-                </a:solidFill>
-                <a:latin typeface="Arial"/>
-                <a:ea typeface="Arial"/>
-                <a:cs typeface="Arial"/>
-                <a:sym typeface="Arial"/>
-              </a:defRPr>
-            </a:lvl1pPr>
-            <a:lvl2pPr marL="0" lvl="1" indent="0" algn="r">
-              <a:spcBef>
-                <a:spcPts val="0"/>
-              </a:spcBef>
-              <a:spcAft>
-                <a:spcPts val="0"/>
-              </a:spcAft>
-              <a:buSzPts val="1000"/>
-              <a:buNone/>
-              <a:defRPr sz="1000" b="0" i="0" u="none" strike="noStrike" cap="none">
-                <a:solidFill>
-                  <a:srgbClr val="595959"/>
-                </a:solidFill>
-                <a:latin typeface="Arial"/>
-                <a:ea typeface="Arial"/>
-                <a:cs typeface="Arial"/>
-                <a:sym typeface="Arial"/>
-              </a:defRPr>
-            </a:lvl2pPr>
-            <a:lvl3pPr marL="0" lvl="2" indent="0" algn="r">
-              <a:spcBef>
-                <a:spcPts val="0"/>
-              </a:spcBef>
-              <a:spcAft>
-                <a:spcPts val="0"/>
-              </a:spcAft>
-              <a:buSzPts val="1000"/>
-              <a:buNone/>
-              <a:defRPr sz="1000" b="0" i="0" u="none" strike="noStrike" cap="none">
-                <a:solidFill>
-                  <a:srgbClr val="595959"/>
-                </a:solidFill>
-                <a:latin typeface="Arial"/>
-                <a:ea typeface="Arial"/>
-                <a:cs typeface="Arial"/>
-                <a:sym typeface="Arial"/>
-              </a:defRPr>
-            </a:lvl3pPr>
-            <a:lvl4pPr marL="0" lvl="3" indent="0" algn="r">
-              <a:spcBef>
-                <a:spcPts val="0"/>
-              </a:spcBef>
-              <a:spcAft>
-                <a:spcPts val="0"/>
-              </a:spcAft>
-              <a:buSzPts val="1000"/>
-              <a:buNone/>
-              <a:defRPr sz="1000" b="0" i="0" u="none" strike="noStrike" cap="none">
-                <a:solidFill>
-                  <a:srgbClr val="595959"/>
-                </a:solidFill>
-                <a:latin typeface="Arial"/>
-                <a:ea typeface="Arial"/>
-                <a:cs typeface="Arial"/>
-                <a:sym typeface="Arial"/>
-              </a:defRPr>
-            </a:lvl4pPr>
-            <a:lvl5pPr marL="0" lvl="4" indent="0" algn="r">
-              <a:spcBef>
-                <a:spcPts val="0"/>
-              </a:spcBef>
-              <a:spcAft>
-                <a:spcPts val="0"/>
-              </a:spcAft>
-              <a:buSzPts val="1000"/>
-              <a:buNone/>
-              <a:defRPr sz="1000" b="0" i="0" u="none" strike="noStrike" cap="none">
-                <a:solidFill>
-                  <a:srgbClr val="595959"/>
-                </a:solidFill>
-                <a:latin typeface="Arial"/>
-                <a:ea typeface="Arial"/>
-                <a:cs typeface="Arial"/>
-                <a:sym typeface="Arial"/>
-              </a:defRPr>
-            </a:lvl5pPr>
-            <a:lvl6pPr marL="0" lvl="5" indent="0" algn="r">
-              <a:spcBef>
-                <a:spcPts val="0"/>
-              </a:spcBef>
-              <a:spcAft>
-                <a:spcPts val="0"/>
-              </a:spcAft>
-              <a:buSzPts val="1000"/>
-              <a:buNone/>
-              <a:defRPr sz="1000" b="0" i="0" u="none" strike="noStrike" cap="none">
-                <a:solidFill>
-                  <a:srgbClr val="595959"/>
-                </a:solidFill>
-                <a:latin typeface="Arial"/>
-                <a:ea typeface="Arial"/>
-                <a:cs typeface="Arial"/>
-                <a:sym typeface="Arial"/>
-              </a:defRPr>
-            </a:lvl6pPr>
-            <a:lvl7pPr marL="0" lvl="6" indent="0" algn="r">
-              <a:spcBef>
-                <a:spcPts val="0"/>
-              </a:spcBef>
-              <a:spcAft>
-                <a:spcPts val="0"/>
-              </a:spcAft>
-              <a:buSzPts val="1000"/>
-              <a:buNone/>
-              <a:defRPr sz="1000" b="0" i="0" u="none" strike="noStrike" cap="none">
-                <a:solidFill>
-                  <a:srgbClr val="595959"/>
-                </a:solidFill>
-                <a:latin typeface="Arial"/>
-                <a:ea typeface="Arial"/>
-                <a:cs typeface="Arial"/>
-                <a:sym typeface="Arial"/>
-              </a:defRPr>
-            </a:lvl7pPr>
-            <a:lvl8pPr marL="0" lvl="7" indent="0" algn="r">
-              <a:spcBef>
-                <a:spcPts val="0"/>
-              </a:spcBef>
-              <a:spcAft>
-                <a:spcPts val="0"/>
-              </a:spcAft>
-              <a:buSzPts val="1000"/>
-              <a:buNone/>
-              <a:defRPr sz="1000" b="0" i="0" u="none" strike="noStrike" cap="none">
-                <a:solidFill>
-                  <a:srgbClr val="595959"/>
-                </a:solidFill>
-                <a:latin typeface="Arial"/>
-                <a:ea typeface="Arial"/>
-                <a:cs typeface="Arial"/>
-                <a:sym typeface="Arial"/>
-              </a:defRPr>
-            </a:lvl8pPr>
-            <a:lvl9pPr marL="0" lvl="8" indent="0" algn="r">
-              <a:spcBef>
-                <a:spcPts val="0"/>
-              </a:spcBef>
-              <a:spcAft>
-                <a:spcPts val="0"/>
-              </a:spcAft>
-              <a:buSzPts val="1000"/>
-              <a:buNone/>
-              <a:defRPr sz="1000" b="0" i="0" u="none" strike="noStrike" cap="none">
-                <a:solidFill>
-                  <a:srgbClr val="595959"/>
-                </a:solidFill>
-                <a:latin typeface="Arial"/>
-                <a:ea typeface="Arial"/>
-                <a:cs typeface="Arial"/>
-                <a:sym typeface="Arial"/>
-              </a:defRPr>
-            </a:lvl9pPr>
-          </a:lstStyle>
-          <a:p>
-            <a:pPr marL="0" lvl="0" indent="0" algn="r" rtl="0">
-              <a:spcBef>
-                <a:spcPts val="0"/>
-              </a:spcBef>
-              <a:spcAft>
-                <a:spcPts val="0"/>
-              </a:spcAft>
-              <a:buNone/>
-            </a:pPr>
-            <a:fld id="{00000000-1234-1234-1234-123412341234}" type="slidenum">
-              <a:rPr lang="en-GB"/>
-              <a:t>‹#›</a:t>
-            </a:fld>
-            <a:endParaRPr/>
-          </a:p>
-        </p:txBody>
-      </p:sp>
-    </p:spTree>
-  </p:cSld>
-  <p:clrMapOvr>
-    <a:masterClrMapping/>
-  </p:clrMapOvr>
-</p:sldLayout>
-</file>
-
-<file path=ppt/slideLayouts/slideLayout11.xml><?xml version="1.0" encoding="utf-8"?>
 <p:sldLayout xmlns:a="http://schemas.openxmlformats.org/drawingml/2006/main" xmlns:r="http://schemas.openxmlformats.org/officeDocument/2006/relationships" xmlns:p="http://schemas.openxmlformats.org/presentationml/2006/main" matchingName="Blank" type="blank">
   <p:cSld name="BLANK">
     <p:spTree>
@@ -2986,394 +2449,6 @@
 </file>
 
 <file path=ppt/slideLayouts/slideLayout2.xml><?xml version="1.0" encoding="utf-8"?>
-<p:sldLayout xmlns:a="http://schemas.openxmlformats.org/drawingml/2006/main" xmlns:r="http://schemas.openxmlformats.org/officeDocument/2006/relationships" xmlns:p="http://schemas.openxmlformats.org/presentationml/2006/main" matchingName="Section header" type="secHead">
-  <p:cSld name="SECTION_HEADER">
-    <p:spTree>
-      <p:nvGrpSpPr>
-        <p:cNvPr id="1" name="Shape 13"/>
-        <p:cNvGrpSpPr/>
-        <p:nvPr/>
-      </p:nvGrpSpPr>
-      <p:grpSpPr>
-        <a:xfrm>
-          <a:off x="0" y="0"/>
-          <a:ext cx="0" cy="0"/>
-          <a:chOff x="0" y="0"/>
-          <a:chExt cx="0" cy="0"/>
-        </a:xfrm>
-      </p:grpSpPr>
-      <p:sp>
-        <p:nvSpPr>
-          <p:cNvPr id="14" name="Google Shape;14;p5"/>
-          <p:cNvSpPr txBox="1">
-            <a:spLocks noGrp="1"/>
-          </p:cNvSpPr>
-          <p:nvPr>
-            <p:ph type="title"/>
-          </p:nvPr>
-        </p:nvSpPr>
-        <p:spPr>
-          <a:xfrm>
-            <a:off x="311700" y="2150850"/>
-            <a:ext cx="8520600" cy="841800"/>
-          </a:xfrm>
-          <a:prstGeom prst="rect">
-            <a:avLst/>
-          </a:prstGeom>
-          <a:noFill/>
-          <a:ln>
-            <a:noFill/>
-          </a:ln>
-        </p:spPr>
-        <p:txBody>
-          <a:bodyPr spcFirstLastPara="1" wrap="square" lIns="91425" tIns="91425" rIns="91425" bIns="91425" anchor="ctr" anchorCtr="0">
-            <a:noAutofit/>
-          </a:bodyPr>
-          <a:lstStyle>
-            <a:lvl1pPr lvl="0" algn="ctr">
-              <a:spcBef>
-                <a:spcPts val="0"/>
-              </a:spcBef>
-              <a:spcAft>
-                <a:spcPts val="0"/>
-              </a:spcAft>
-              <a:buSzPts val="3600"/>
-              <a:buNone/>
-              <a:defRPr sz="3600"/>
-            </a:lvl1pPr>
-            <a:lvl2pPr lvl="1" algn="ctr">
-              <a:spcBef>
-                <a:spcPts val="0"/>
-              </a:spcBef>
-              <a:spcAft>
-                <a:spcPts val="0"/>
-              </a:spcAft>
-              <a:buSzPts val="3600"/>
-              <a:buNone/>
-              <a:defRPr sz="3600"/>
-            </a:lvl2pPr>
-            <a:lvl3pPr lvl="2" algn="ctr">
-              <a:spcBef>
-                <a:spcPts val="0"/>
-              </a:spcBef>
-              <a:spcAft>
-                <a:spcPts val="0"/>
-              </a:spcAft>
-              <a:buSzPts val="3600"/>
-              <a:buNone/>
-              <a:defRPr sz="3600"/>
-            </a:lvl3pPr>
-            <a:lvl4pPr lvl="3" algn="ctr">
-              <a:spcBef>
-                <a:spcPts val="0"/>
-              </a:spcBef>
-              <a:spcAft>
-                <a:spcPts val="0"/>
-              </a:spcAft>
-              <a:buSzPts val="3600"/>
-              <a:buNone/>
-              <a:defRPr sz="3600"/>
-            </a:lvl4pPr>
-            <a:lvl5pPr lvl="4" algn="ctr">
-              <a:spcBef>
-                <a:spcPts val="0"/>
-              </a:spcBef>
-              <a:spcAft>
-                <a:spcPts val="0"/>
-              </a:spcAft>
-              <a:buSzPts val="3600"/>
-              <a:buNone/>
-              <a:defRPr sz="3600"/>
-            </a:lvl5pPr>
-            <a:lvl6pPr lvl="5" algn="ctr">
-              <a:lnSpc>
-                <a:spcPct val="100000"/>
-              </a:lnSpc>
-              <a:spcBef>
-                <a:spcPts val="0"/>
-              </a:spcBef>
-              <a:spcAft>
-                <a:spcPts val="0"/>
-              </a:spcAft>
-              <a:buSzPts val="3600"/>
-              <a:buNone/>
-              <a:defRPr sz="3600"/>
-            </a:lvl6pPr>
-            <a:lvl7pPr lvl="6" algn="ctr">
-              <a:lnSpc>
-                <a:spcPct val="100000"/>
-              </a:lnSpc>
-              <a:spcBef>
-                <a:spcPts val="0"/>
-              </a:spcBef>
-              <a:spcAft>
-                <a:spcPts val="0"/>
-              </a:spcAft>
-              <a:buSzPts val="3600"/>
-              <a:buNone/>
-              <a:defRPr sz="3600"/>
-            </a:lvl7pPr>
-            <a:lvl8pPr lvl="7" algn="ctr">
-              <a:lnSpc>
-                <a:spcPct val="100000"/>
-              </a:lnSpc>
-              <a:spcBef>
-                <a:spcPts val="0"/>
-              </a:spcBef>
-              <a:spcAft>
-                <a:spcPts val="0"/>
-              </a:spcAft>
-              <a:buSzPts val="3600"/>
-              <a:buNone/>
-              <a:defRPr sz="3600"/>
-            </a:lvl8pPr>
-            <a:lvl9pPr lvl="8" algn="ctr">
-              <a:lnSpc>
-                <a:spcPct val="100000"/>
-              </a:lnSpc>
-              <a:spcBef>
-                <a:spcPts val="0"/>
-              </a:spcBef>
-              <a:spcAft>
-                <a:spcPts val="0"/>
-              </a:spcAft>
-              <a:buSzPts val="3600"/>
-              <a:buNone/>
-              <a:defRPr sz="3600"/>
-            </a:lvl9pPr>
-          </a:lstStyle>
-          <a:p>
-            <a:endParaRPr/>
-          </a:p>
-        </p:txBody>
-      </p:sp>
-      <p:sp>
-        <p:nvSpPr>
-          <p:cNvPr id="15" name="Google Shape;15;p5"/>
-          <p:cNvSpPr txBox="1">
-            <a:spLocks noGrp="1"/>
-          </p:cNvSpPr>
-          <p:nvPr>
-            <p:ph type="sldNum" idx="12"/>
-          </p:nvPr>
-        </p:nvSpPr>
-        <p:spPr>
-          <a:xfrm>
-            <a:off x="8472488" y="4662488"/>
-            <a:ext cx="549275" cy="393700"/>
-          </a:xfrm>
-          <a:prstGeom prst="rect">
-            <a:avLst/>
-          </a:prstGeom>
-          <a:noFill/>
-          <a:ln>
-            <a:noFill/>
-          </a:ln>
-        </p:spPr>
-        <p:txBody>
-          <a:bodyPr spcFirstLastPara="1" wrap="square" lIns="91425" tIns="91425" rIns="91425" bIns="91425" anchor="ctr" anchorCtr="0">
-            <a:noAutofit/>
-          </a:bodyPr>
-          <a:lstStyle>
-            <a:lvl1pPr marL="0" lvl="0" indent="0" algn="r">
-              <a:spcBef>
-                <a:spcPts val="0"/>
-              </a:spcBef>
-              <a:spcAft>
-                <a:spcPts val="0"/>
-              </a:spcAft>
-              <a:buSzPts val="1000"/>
-              <a:buNone/>
-              <a:defRPr sz="1000" b="0" i="0" u="none" strike="noStrike" cap="none">
-                <a:solidFill>
-                  <a:srgbClr val="595959"/>
-                </a:solidFill>
-                <a:latin typeface="Arial"/>
-                <a:ea typeface="Arial"/>
-                <a:cs typeface="Arial"/>
-                <a:sym typeface="Arial"/>
-              </a:defRPr>
-            </a:lvl1pPr>
-            <a:lvl2pPr marL="0" lvl="1" indent="0" algn="r">
-              <a:spcBef>
-                <a:spcPts val="0"/>
-              </a:spcBef>
-              <a:spcAft>
-                <a:spcPts val="0"/>
-              </a:spcAft>
-              <a:buSzPts val="1000"/>
-              <a:buNone/>
-              <a:defRPr sz="1000" b="0" i="0" u="none" strike="noStrike" cap="none">
-                <a:solidFill>
-                  <a:srgbClr val="595959"/>
-                </a:solidFill>
-                <a:latin typeface="Arial"/>
-                <a:ea typeface="Arial"/>
-                <a:cs typeface="Arial"/>
-                <a:sym typeface="Arial"/>
-              </a:defRPr>
-            </a:lvl2pPr>
-            <a:lvl3pPr marL="0" lvl="2" indent="0" algn="r">
-              <a:spcBef>
-                <a:spcPts val="0"/>
-              </a:spcBef>
-              <a:spcAft>
-                <a:spcPts val="0"/>
-              </a:spcAft>
-              <a:buSzPts val="1000"/>
-              <a:buNone/>
-              <a:defRPr sz="1000" b="0" i="0" u="none" strike="noStrike" cap="none">
-                <a:solidFill>
-                  <a:srgbClr val="595959"/>
-                </a:solidFill>
-                <a:latin typeface="Arial"/>
-                <a:ea typeface="Arial"/>
-                <a:cs typeface="Arial"/>
-                <a:sym typeface="Arial"/>
-              </a:defRPr>
-            </a:lvl3pPr>
-            <a:lvl4pPr marL="0" lvl="3" indent="0" algn="r">
-              <a:spcBef>
-                <a:spcPts val="0"/>
-              </a:spcBef>
-              <a:spcAft>
-                <a:spcPts val="0"/>
-              </a:spcAft>
-              <a:buSzPts val="1000"/>
-              <a:buNone/>
-              <a:defRPr sz="1000" b="0" i="0" u="none" strike="noStrike" cap="none">
-                <a:solidFill>
-                  <a:srgbClr val="595959"/>
-                </a:solidFill>
-                <a:latin typeface="Arial"/>
-                <a:ea typeface="Arial"/>
-                <a:cs typeface="Arial"/>
-                <a:sym typeface="Arial"/>
-              </a:defRPr>
-            </a:lvl4pPr>
-            <a:lvl5pPr marL="0" lvl="4" indent="0" algn="r">
-              <a:spcBef>
-                <a:spcPts val="0"/>
-              </a:spcBef>
-              <a:spcAft>
-                <a:spcPts val="0"/>
-              </a:spcAft>
-              <a:buSzPts val="1000"/>
-              <a:buNone/>
-              <a:defRPr sz="1000" b="0" i="0" u="none" strike="noStrike" cap="none">
-                <a:solidFill>
-                  <a:srgbClr val="595959"/>
-                </a:solidFill>
-                <a:latin typeface="Arial"/>
-                <a:ea typeface="Arial"/>
-                <a:cs typeface="Arial"/>
-                <a:sym typeface="Arial"/>
-              </a:defRPr>
-            </a:lvl5pPr>
-            <a:lvl6pPr marL="0" lvl="5" indent="0" algn="r">
-              <a:spcBef>
-                <a:spcPts val="0"/>
-              </a:spcBef>
-              <a:spcAft>
-                <a:spcPts val="0"/>
-              </a:spcAft>
-              <a:buSzPts val="1000"/>
-              <a:buNone/>
-              <a:defRPr sz="1000" b="0" i="0" u="none" strike="noStrike" cap="none">
-                <a:solidFill>
-                  <a:srgbClr val="595959"/>
-                </a:solidFill>
-                <a:latin typeface="Arial"/>
-                <a:ea typeface="Arial"/>
-                <a:cs typeface="Arial"/>
-                <a:sym typeface="Arial"/>
-              </a:defRPr>
-            </a:lvl6pPr>
-            <a:lvl7pPr marL="0" lvl="6" indent="0" algn="r">
-              <a:spcBef>
-                <a:spcPts val="0"/>
-              </a:spcBef>
-              <a:spcAft>
-                <a:spcPts val="0"/>
-              </a:spcAft>
-              <a:buSzPts val="1000"/>
-              <a:buNone/>
-              <a:defRPr sz="1000" b="0" i="0" u="none" strike="noStrike" cap="none">
-                <a:solidFill>
-                  <a:srgbClr val="595959"/>
-                </a:solidFill>
-                <a:latin typeface="Arial"/>
-                <a:ea typeface="Arial"/>
-                <a:cs typeface="Arial"/>
-                <a:sym typeface="Arial"/>
-              </a:defRPr>
-            </a:lvl7pPr>
-            <a:lvl8pPr marL="0" lvl="7" indent="0" algn="r">
-              <a:spcBef>
-                <a:spcPts val="0"/>
-              </a:spcBef>
-              <a:spcAft>
-                <a:spcPts val="0"/>
-              </a:spcAft>
-              <a:buSzPts val="1000"/>
-              <a:buNone/>
-              <a:defRPr sz="1000" b="0" i="0" u="none" strike="noStrike" cap="none">
-                <a:solidFill>
-                  <a:srgbClr val="595959"/>
-                </a:solidFill>
-                <a:latin typeface="Arial"/>
-                <a:ea typeface="Arial"/>
-                <a:cs typeface="Arial"/>
-                <a:sym typeface="Arial"/>
-              </a:defRPr>
-            </a:lvl8pPr>
-            <a:lvl9pPr marL="0" lvl="8" indent="0" algn="r">
-              <a:spcBef>
-                <a:spcPts val="0"/>
-              </a:spcBef>
-              <a:spcAft>
-                <a:spcPts val="0"/>
-              </a:spcAft>
-              <a:buSzPts val="1000"/>
-              <a:buNone/>
-              <a:defRPr sz="1000" b="0" i="0" u="none" strike="noStrike" cap="none">
-                <a:solidFill>
-                  <a:srgbClr val="595959"/>
-                </a:solidFill>
-                <a:latin typeface="Arial"/>
-                <a:ea typeface="Arial"/>
-                <a:cs typeface="Arial"/>
-                <a:sym typeface="Arial"/>
-              </a:defRPr>
-            </a:lvl9pPr>
-          </a:lstStyle>
-          <a:p>
-            <a:pPr marL="0" lvl="0" indent="0" algn="r" rtl="0">
-              <a:spcBef>
-                <a:spcPts val="0"/>
-              </a:spcBef>
-              <a:spcAft>
-                <a:spcPts val="0"/>
-              </a:spcAft>
-              <a:buNone/>
-            </a:pPr>
-            <a:fld id="{00000000-1234-1234-1234-123412341234}" type="slidenum">
-              <a:rPr lang="en-GB"/>
-              <a:t>‹#›</a:t>
-            </a:fld>
-            <a:endParaRPr/>
-          </a:p>
-        </p:txBody>
-      </p:sp>
-    </p:spTree>
-  </p:cSld>
-  <p:clrMapOvr>
-    <a:masterClrMapping/>
-  </p:clrMapOvr>
-</p:sldLayout>
-</file>
-
-<file path=ppt/slideLayouts/slideLayout3.xml><?xml version="1.0" encoding="utf-8"?>
 <p:sldLayout xmlns:a="http://schemas.openxmlformats.org/drawingml/2006/main" xmlns:r="http://schemas.openxmlformats.org/officeDocument/2006/relationships" xmlns:p="http://schemas.openxmlformats.org/presentationml/2006/main" matchingName="Title and body" type="tx">
   <p:cSld name="TITLE_AND_BODY">
     <p:spTree>
@@ -3906,7 +2981,7 @@
 </p:sldLayout>
 </file>
 
-<file path=ppt/slideLayouts/slideLayout4.xml><?xml version="1.0" encoding="utf-8"?>
+<file path=ppt/slideLayouts/slideLayout3.xml><?xml version="1.0" encoding="utf-8"?>
 <p:sldLayout xmlns:a="http://schemas.openxmlformats.org/drawingml/2006/main" xmlns:r="http://schemas.openxmlformats.org/officeDocument/2006/relationships" xmlns:p="http://schemas.openxmlformats.org/presentationml/2006/main" matchingName="Title and two columns" type="twoColTx">
   <p:cSld name="TITLE_AND_TWO_COLUMNS">
     <p:spTree>
@@ -4584,7 +3659,7 @@
 </p:sldLayout>
 </file>
 
-<file path=ppt/slideLayouts/slideLayout5.xml><?xml version="1.0" encoding="utf-8"?>
+<file path=ppt/slideLayouts/slideLayout4.xml><?xml version="1.0" encoding="utf-8"?>
 <p:sldLayout xmlns:a="http://schemas.openxmlformats.org/drawingml/2006/main" xmlns:r="http://schemas.openxmlformats.org/officeDocument/2006/relationships" xmlns:p="http://schemas.openxmlformats.org/presentationml/2006/main" matchingName="Title only" type="titleOnly">
   <p:cSld name="TITLE_ONLY">
     <p:spTree>
@@ -4972,7 +4047,7 @@
 </p:sldLayout>
 </file>
 
-<file path=ppt/slideLayouts/slideLayout6.xml><?xml version="1.0" encoding="utf-8"?>
+<file path=ppt/slideLayouts/slideLayout5.xml><?xml version="1.0" encoding="utf-8"?>
 <p:sldLayout xmlns:a="http://schemas.openxmlformats.org/drawingml/2006/main" xmlns:r="http://schemas.openxmlformats.org/officeDocument/2006/relationships" xmlns:p="http://schemas.openxmlformats.org/presentationml/2006/main" matchingName="One column text">
   <p:cSld name="ONE_COLUMN_TEXT">
     <p:spTree>
@@ -5505,7 +4580,7 @@
 </p:sldLayout>
 </file>
 
-<file path=ppt/slideLayouts/slideLayout7.xml><?xml version="1.0" encoding="utf-8"?>
+<file path=ppt/slideLayouts/slideLayout6.xml><?xml version="1.0" encoding="utf-8"?>
 <p:sldLayout xmlns:a="http://schemas.openxmlformats.org/drawingml/2006/main" xmlns:r="http://schemas.openxmlformats.org/officeDocument/2006/relationships" xmlns:p="http://schemas.openxmlformats.org/presentationml/2006/main" matchingName="Main point">
   <p:cSld name="MAIN_POINT">
     <p:spTree>
@@ -5893,7 +4968,7 @@
 </p:sldLayout>
 </file>
 
-<file path=ppt/slideLayouts/slideLayout8.xml><?xml version="1.0" encoding="utf-8"?>
+<file path=ppt/slideLayouts/slideLayout7.xml><?xml version="1.0" encoding="utf-8"?>
 <p:sldLayout xmlns:a="http://schemas.openxmlformats.org/drawingml/2006/main" xmlns:r="http://schemas.openxmlformats.org/officeDocument/2006/relationships" xmlns:p="http://schemas.openxmlformats.org/presentationml/2006/main" matchingName="Section title and description">
   <p:cSld name="SECTION_TITLE_AND_DESCRIPTION">
     <p:spTree>
@@ -6634,7 +5709,7 @@
 </p:sldLayout>
 </file>
 
-<file path=ppt/slideLayouts/slideLayout9.xml><?xml version="1.0" encoding="utf-8"?>
+<file path=ppt/slideLayouts/slideLayout8.xml><?xml version="1.0" encoding="utf-8"?>
 <p:sldLayout xmlns:a="http://schemas.openxmlformats.org/drawingml/2006/main" xmlns:r="http://schemas.openxmlformats.org/officeDocument/2006/relationships" xmlns:p="http://schemas.openxmlformats.org/presentationml/2006/main" matchingName="Caption">
   <p:cSld name="CAPTION_ONLY">
     <p:spTree>
@@ -6702,6 +5777,539 @@
       <p:sp>
         <p:nvSpPr>
           <p:cNvPr id="43" name="Google Shape;43;p12"/>
+          <p:cNvSpPr txBox="1">
+            <a:spLocks noGrp="1"/>
+          </p:cNvSpPr>
+          <p:nvPr>
+            <p:ph type="sldNum" idx="12"/>
+          </p:nvPr>
+        </p:nvSpPr>
+        <p:spPr>
+          <a:xfrm>
+            <a:off x="8472488" y="4662488"/>
+            <a:ext cx="549275" cy="393700"/>
+          </a:xfrm>
+          <a:prstGeom prst="rect">
+            <a:avLst/>
+          </a:prstGeom>
+          <a:noFill/>
+          <a:ln>
+            <a:noFill/>
+          </a:ln>
+        </p:spPr>
+        <p:txBody>
+          <a:bodyPr spcFirstLastPara="1" wrap="square" lIns="91425" tIns="91425" rIns="91425" bIns="91425" anchor="ctr" anchorCtr="0">
+            <a:noAutofit/>
+          </a:bodyPr>
+          <a:lstStyle>
+            <a:lvl1pPr marL="0" lvl="0" indent="0" algn="r">
+              <a:spcBef>
+                <a:spcPts val="0"/>
+              </a:spcBef>
+              <a:spcAft>
+                <a:spcPts val="0"/>
+              </a:spcAft>
+              <a:buSzPts val="1000"/>
+              <a:buNone/>
+              <a:defRPr sz="1000" b="0" i="0" u="none" strike="noStrike" cap="none">
+                <a:solidFill>
+                  <a:srgbClr val="595959"/>
+                </a:solidFill>
+                <a:latin typeface="Arial"/>
+                <a:ea typeface="Arial"/>
+                <a:cs typeface="Arial"/>
+                <a:sym typeface="Arial"/>
+              </a:defRPr>
+            </a:lvl1pPr>
+            <a:lvl2pPr marL="0" lvl="1" indent="0" algn="r">
+              <a:spcBef>
+                <a:spcPts val="0"/>
+              </a:spcBef>
+              <a:spcAft>
+                <a:spcPts val="0"/>
+              </a:spcAft>
+              <a:buSzPts val="1000"/>
+              <a:buNone/>
+              <a:defRPr sz="1000" b="0" i="0" u="none" strike="noStrike" cap="none">
+                <a:solidFill>
+                  <a:srgbClr val="595959"/>
+                </a:solidFill>
+                <a:latin typeface="Arial"/>
+                <a:ea typeface="Arial"/>
+                <a:cs typeface="Arial"/>
+                <a:sym typeface="Arial"/>
+              </a:defRPr>
+            </a:lvl2pPr>
+            <a:lvl3pPr marL="0" lvl="2" indent="0" algn="r">
+              <a:spcBef>
+                <a:spcPts val="0"/>
+              </a:spcBef>
+              <a:spcAft>
+                <a:spcPts val="0"/>
+              </a:spcAft>
+              <a:buSzPts val="1000"/>
+              <a:buNone/>
+              <a:defRPr sz="1000" b="0" i="0" u="none" strike="noStrike" cap="none">
+                <a:solidFill>
+                  <a:srgbClr val="595959"/>
+                </a:solidFill>
+                <a:latin typeface="Arial"/>
+                <a:ea typeface="Arial"/>
+                <a:cs typeface="Arial"/>
+                <a:sym typeface="Arial"/>
+              </a:defRPr>
+            </a:lvl3pPr>
+            <a:lvl4pPr marL="0" lvl="3" indent="0" algn="r">
+              <a:spcBef>
+                <a:spcPts val="0"/>
+              </a:spcBef>
+              <a:spcAft>
+                <a:spcPts val="0"/>
+              </a:spcAft>
+              <a:buSzPts val="1000"/>
+              <a:buNone/>
+              <a:defRPr sz="1000" b="0" i="0" u="none" strike="noStrike" cap="none">
+                <a:solidFill>
+                  <a:srgbClr val="595959"/>
+                </a:solidFill>
+                <a:latin typeface="Arial"/>
+                <a:ea typeface="Arial"/>
+                <a:cs typeface="Arial"/>
+                <a:sym typeface="Arial"/>
+              </a:defRPr>
+            </a:lvl4pPr>
+            <a:lvl5pPr marL="0" lvl="4" indent="0" algn="r">
+              <a:spcBef>
+                <a:spcPts val="0"/>
+              </a:spcBef>
+              <a:spcAft>
+                <a:spcPts val="0"/>
+              </a:spcAft>
+              <a:buSzPts val="1000"/>
+              <a:buNone/>
+              <a:defRPr sz="1000" b="0" i="0" u="none" strike="noStrike" cap="none">
+                <a:solidFill>
+                  <a:srgbClr val="595959"/>
+                </a:solidFill>
+                <a:latin typeface="Arial"/>
+                <a:ea typeface="Arial"/>
+                <a:cs typeface="Arial"/>
+                <a:sym typeface="Arial"/>
+              </a:defRPr>
+            </a:lvl5pPr>
+            <a:lvl6pPr marL="0" lvl="5" indent="0" algn="r">
+              <a:spcBef>
+                <a:spcPts val="0"/>
+              </a:spcBef>
+              <a:spcAft>
+                <a:spcPts val="0"/>
+              </a:spcAft>
+              <a:buSzPts val="1000"/>
+              <a:buNone/>
+              <a:defRPr sz="1000" b="0" i="0" u="none" strike="noStrike" cap="none">
+                <a:solidFill>
+                  <a:srgbClr val="595959"/>
+                </a:solidFill>
+                <a:latin typeface="Arial"/>
+                <a:ea typeface="Arial"/>
+                <a:cs typeface="Arial"/>
+                <a:sym typeface="Arial"/>
+              </a:defRPr>
+            </a:lvl6pPr>
+            <a:lvl7pPr marL="0" lvl="6" indent="0" algn="r">
+              <a:spcBef>
+                <a:spcPts val="0"/>
+              </a:spcBef>
+              <a:spcAft>
+                <a:spcPts val="0"/>
+              </a:spcAft>
+              <a:buSzPts val="1000"/>
+              <a:buNone/>
+              <a:defRPr sz="1000" b="0" i="0" u="none" strike="noStrike" cap="none">
+                <a:solidFill>
+                  <a:srgbClr val="595959"/>
+                </a:solidFill>
+                <a:latin typeface="Arial"/>
+                <a:ea typeface="Arial"/>
+                <a:cs typeface="Arial"/>
+                <a:sym typeface="Arial"/>
+              </a:defRPr>
+            </a:lvl7pPr>
+            <a:lvl8pPr marL="0" lvl="7" indent="0" algn="r">
+              <a:spcBef>
+                <a:spcPts val="0"/>
+              </a:spcBef>
+              <a:spcAft>
+                <a:spcPts val="0"/>
+              </a:spcAft>
+              <a:buSzPts val="1000"/>
+              <a:buNone/>
+              <a:defRPr sz="1000" b="0" i="0" u="none" strike="noStrike" cap="none">
+                <a:solidFill>
+                  <a:srgbClr val="595959"/>
+                </a:solidFill>
+                <a:latin typeface="Arial"/>
+                <a:ea typeface="Arial"/>
+                <a:cs typeface="Arial"/>
+                <a:sym typeface="Arial"/>
+              </a:defRPr>
+            </a:lvl8pPr>
+            <a:lvl9pPr marL="0" lvl="8" indent="0" algn="r">
+              <a:spcBef>
+                <a:spcPts val="0"/>
+              </a:spcBef>
+              <a:spcAft>
+                <a:spcPts val="0"/>
+              </a:spcAft>
+              <a:buSzPts val="1000"/>
+              <a:buNone/>
+              <a:defRPr sz="1000" b="0" i="0" u="none" strike="noStrike" cap="none">
+                <a:solidFill>
+                  <a:srgbClr val="595959"/>
+                </a:solidFill>
+                <a:latin typeface="Arial"/>
+                <a:ea typeface="Arial"/>
+                <a:cs typeface="Arial"/>
+                <a:sym typeface="Arial"/>
+              </a:defRPr>
+            </a:lvl9pPr>
+          </a:lstStyle>
+          <a:p>
+            <a:pPr marL="0" lvl="0" indent="0" algn="r" rtl="0">
+              <a:spcBef>
+                <a:spcPts val="0"/>
+              </a:spcBef>
+              <a:spcAft>
+                <a:spcPts val="0"/>
+              </a:spcAft>
+              <a:buNone/>
+            </a:pPr>
+            <a:fld id="{00000000-1234-1234-1234-123412341234}" type="slidenum">
+              <a:rPr lang="en-GB"/>
+              <a:t>‹#›</a:t>
+            </a:fld>
+            <a:endParaRPr/>
+          </a:p>
+        </p:txBody>
+      </p:sp>
+    </p:spTree>
+  </p:cSld>
+  <p:clrMapOvr>
+    <a:masterClrMapping/>
+  </p:clrMapOvr>
+</p:sldLayout>
+</file>
+
+<file path=ppt/slideLayouts/slideLayout9.xml><?xml version="1.0" encoding="utf-8"?>
+<p:sldLayout xmlns:a="http://schemas.openxmlformats.org/drawingml/2006/main" xmlns:r="http://schemas.openxmlformats.org/officeDocument/2006/relationships" xmlns:p="http://schemas.openxmlformats.org/presentationml/2006/main" matchingName="Big number">
+  <p:cSld name="BIG_NUMBER">
+    <p:spTree>
+      <p:nvGrpSpPr>
+        <p:cNvPr id="1" name="Shape 44"/>
+        <p:cNvGrpSpPr/>
+        <p:nvPr/>
+      </p:nvGrpSpPr>
+      <p:grpSpPr>
+        <a:xfrm>
+          <a:off x="0" y="0"/>
+          <a:ext cx="0" cy="0"/>
+          <a:chOff x="0" y="0"/>
+          <a:chExt cx="0" cy="0"/>
+        </a:xfrm>
+      </p:grpSpPr>
+      <p:sp>
+        <p:nvSpPr>
+          <p:cNvPr id="45" name="Google Shape;45;p13"/>
+          <p:cNvSpPr txBox="1">
+            <a:spLocks noGrp="1"/>
+          </p:cNvSpPr>
+          <p:nvPr>
+            <p:ph type="title"/>
+          </p:nvPr>
+        </p:nvSpPr>
+        <p:spPr>
+          <a:xfrm>
+            <a:off x="311700" y="1106125"/>
+            <a:ext cx="8520600" cy="1963500"/>
+          </a:xfrm>
+          <a:prstGeom prst="rect">
+            <a:avLst/>
+          </a:prstGeom>
+          <a:noFill/>
+          <a:ln>
+            <a:noFill/>
+          </a:ln>
+        </p:spPr>
+        <p:txBody>
+          <a:bodyPr spcFirstLastPara="1" wrap="square" lIns="91425" tIns="91425" rIns="91425" bIns="91425" anchor="b" anchorCtr="0">
+            <a:noAutofit/>
+          </a:bodyPr>
+          <a:lstStyle>
+            <a:lvl1pPr lvl="0" algn="ctr">
+              <a:spcBef>
+                <a:spcPts val="0"/>
+              </a:spcBef>
+              <a:spcAft>
+                <a:spcPts val="0"/>
+              </a:spcAft>
+              <a:buSzPts val="12000"/>
+              <a:buNone/>
+              <a:defRPr sz="12000"/>
+            </a:lvl1pPr>
+            <a:lvl2pPr lvl="1" algn="ctr">
+              <a:spcBef>
+                <a:spcPts val="0"/>
+              </a:spcBef>
+              <a:spcAft>
+                <a:spcPts val="0"/>
+              </a:spcAft>
+              <a:buSzPts val="12000"/>
+              <a:buNone/>
+              <a:defRPr sz="12000"/>
+            </a:lvl2pPr>
+            <a:lvl3pPr lvl="2" algn="ctr">
+              <a:spcBef>
+                <a:spcPts val="0"/>
+              </a:spcBef>
+              <a:spcAft>
+                <a:spcPts val="0"/>
+              </a:spcAft>
+              <a:buSzPts val="12000"/>
+              <a:buNone/>
+              <a:defRPr sz="12000"/>
+            </a:lvl3pPr>
+            <a:lvl4pPr lvl="3" algn="ctr">
+              <a:spcBef>
+                <a:spcPts val="0"/>
+              </a:spcBef>
+              <a:spcAft>
+                <a:spcPts val="0"/>
+              </a:spcAft>
+              <a:buSzPts val="12000"/>
+              <a:buNone/>
+              <a:defRPr sz="12000"/>
+            </a:lvl4pPr>
+            <a:lvl5pPr lvl="4" algn="ctr">
+              <a:spcBef>
+                <a:spcPts val="0"/>
+              </a:spcBef>
+              <a:spcAft>
+                <a:spcPts val="0"/>
+              </a:spcAft>
+              <a:buSzPts val="12000"/>
+              <a:buNone/>
+              <a:defRPr sz="12000"/>
+            </a:lvl5pPr>
+            <a:lvl6pPr lvl="5" algn="ctr">
+              <a:lnSpc>
+                <a:spcPct val="100000"/>
+              </a:lnSpc>
+              <a:spcBef>
+                <a:spcPts val="0"/>
+              </a:spcBef>
+              <a:spcAft>
+                <a:spcPts val="0"/>
+              </a:spcAft>
+              <a:buSzPts val="12000"/>
+              <a:buNone/>
+              <a:defRPr sz="12000"/>
+            </a:lvl6pPr>
+            <a:lvl7pPr lvl="6" algn="ctr">
+              <a:lnSpc>
+                <a:spcPct val="100000"/>
+              </a:lnSpc>
+              <a:spcBef>
+                <a:spcPts val="0"/>
+              </a:spcBef>
+              <a:spcAft>
+                <a:spcPts val="0"/>
+              </a:spcAft>
+              <a:buSzPts val="12000"/>
+              <a:buNone/>
+              <a:defRPr sz="12000"/>
+            </a:lvl7pPr>
+            <a:lvl8pPr lvl="7" algn="ctr">
+              <a:lnSpc>
+                <a:spcPct val="100000"/>
+              </a:lnSpc>
+              <a:spcBef>
+                <a:spcPts val="0"/>
+              </a:spcBef>
+              <a:spcAft>
+                <a:spcPts val="0"/>
+              </a:spcAft>
+              <a:buSzPts val="12000"/>
+              <a:buNone/>
+              <a:defRPr sz="12000"/>
+            </a:lvl8pPr>
+            <a:lvl9pPr lvl="8" algn="ctr">
+              <a:lnSpc>
+                <a:spcPct val="100000"/>
+              </a:lnSpc>
+              <a:spcBef>
+                <a:spcPts val="0"/>
+              </a:spcBef>
+              <a:spcAft>
+                <a:spcPts val="0"/>
+              </a:spcAft>
+              <a:buSzPts val="12000"/>
+              <a:buNone/>
+              <a:defRPr sz="12000"/>
+            </a:lvl9pPr>
+          </a:lstStyle>
+          <a:p>
+            <a:endParaRPr/>
+          </a:p>
+        </p:txBody>
+      </p:sp>
+      <p:sp>
+        <p:nvSpPr>
+          <p:cNvPr id="46" name="Google Shape;46;p13"/>
+          <p:cNvSpPr txBox="1">
+            <a:spLocks noGrp="1"/>
+          </p:cNvSpPr>
+          <p:nvPr>
+            <p:ph type="body" idx="1"/>
+          </p:nvPr>
+        </p:nvSpPr>
+        <p:spPr>
+          <a:xfrm>
+            <a:off x="311700" y="3152225"/>
+            <a:ext cx="8520600" cy="1300800"/>
+          </a:xfrm>
+          <a:prstGeom prst="rect">
+            <a:avLst/>
+          </a:prstGeom>
+          <a:noFill/>
+          <a:ln>
+            <a:noFill/>
+          </a:ln>
+        </p:spPr>
+        <p:txBody>
+          <a:bodyPr spcFirstLastPara="1" wrap="square" lIns="91425" tIns="91425" rIns="91425" bIns="91425" anchor="t" anchorCtr="0">
+            <a:noAutofit/>
+          </a:bodyPr>
+          <a:lstStyle>
+            <a:lvl1pPr marL="457200" lvl="0" indent="-342900" algn="ctr">
+              <a:spcBef>
+                <a:spcPts val="0"/>
+              </a:spcBef>
+              <a:spcAft>
+                <a:spcPts val="0"/>
+              </a:spcAft>
+              <a:buSzPts val="1800"/>
+              <a:buChar char="●"/>
+              <a:defRPr/>
+            </a:lvl1pPr>
+            <a:lvl2pPr marL="914400" lvl="1" indent="-317500" algn="ctr">
+              <a:spcBef>
+                <a:spcPts val="1600"/>
+              </a:spcBef>
+              <a:spcAft>
+                <a:spcPts val="0"/>
+              </a:spcAft>
+              <a:buSzPts val="1400"/>
+              <a:buChar char="○"/>
+              <a:defRPr/>
+            </a:lvl2pPr>
+            <a:lvl3pPr marL="1371600" lvl="2" indent="-317500" algn="ctr">
+              <a:spcBef>
+                <a:spcPts val="1600"/>
+              </a:spcBef>
+              <a:spcAft>
+                <a:spcPts val="0"/>
+              </a:spcAft>
+              <a:buSzPts val="1400"/>
+              <a:buChar char="■"/>
+              <a:defRPr/>
+            </a:lvl3pPr>
+            <a:lvl4pPr marL="1828800" lvl="3" indent="-317500" algn="ctr">
+              <a:spcBef>
+                <a:spcPts val="1600"/>
+              </a:spcBef>
+              <a:spcAft>
+                <a:spcPts val="0"/>
+              </a:spcAft>
+              <a:buSzPts val="1400"/>
+              <a:buChar char="●"/>
+              <a:defRPr/>
+            </a:lvl4pPr>
+            <a:lvl5pPr marL="2286000" lvl="4" indent="-317500" algn="ctr">
+              <a:spcBef>
+                <a:spcPts val="1600"/>
+              </a:spcBef>
+              <a:spcAft>
+                <a:spcPts val="0"/>
+              </a:spcAft>
+              <a:buSzPts val="1400"/>
+              <a:buChar char="○"/>
+              <a:defRPr/>
+            </a:lvl5pPr>
+            <a:lvl6pPr marL="2743200" lvl="5" indent="-317500" algn="ctr">
+              <a:lnSpc>
+                <a:spcPct val="100000"/>
+              </a:lnSpc>
+              <a:spcBef>
+                <a:spcPts val="1600"/>
+              </a:spcBef>
+              <a:spcAft>
+                <a:spcPts val="0"/>
+              </a:spcAft>
+              <a:buSzPts val="1400"/>
+              <a:buChar char="■"/>
+              <a:defRPr/>
+            </a:lvl6pPr>
+            <a:lvl7pPr marL="3200400" lvl="6" indent="-317500" algn="ctr">
+              <a:lnSpc>
+                <a:spcPct val="100000"/>
+              </a:lnSpc>
+              <a:spcBef>
+                <a:spcPts val="1600"/>
+              </a:spcBef>
+              <a:spcAft>
+                <a:spcPts val="0"/>
+              </a:spcAft>
+              <a:buSzPts val="1400"/>
+              <a:buChar char="●"/>
+              <a:defRPr/>
+            </a:lvl7pPr>
+            <a:lvl8pPr marL="3657600" lvl="7" indent="-317500" algn="ctr">
+              <a:lnSpc>
+                <a:spcPct val="100000"/>
+              </a:lnSpc>
+              <a:spcBef>
+                <a:spcPts val="1600"/>
+              </a:spcBef>
+              <a:spcAft>
+                <a:spcPts val="0"/>
+              </a:spcAft>
+              <a:buSzPts val="1400"/>
+              <a:buChar char="○"/>
+              <a:defRPr/>
+            </a:lvl8pPr>
+            <a:lvl9pPr marL="4114800" lvl="8" indent="-317500" algn="ctr">
+              <a:lnSpc>
+                <a:spcPct val="100000"/>
+              </a:lnSpc>
+              <a:spcBef>
+                <a:spcPts val="1600"/>
+              </a:spcBef>
+              <a:spcAft>
+                <a:spcPts val="1600"/>
+              </a:spcAft>
+              <a:buSzPts val="1400"/>
+              <a:buChar char="■"/>
+              <a:defRPr/>
+            </a:lvl9pPr>
+          </a:lstStyle>
+          <a:p>
+            <a:endParaRPr/>
+          </a:p>
+        </p:txBody>
+      </p:sp>
+      <p:sp>
+        <p:nvSpPr>
+          <p:cNvPr id="47" name="Google Shape;47;p13"/>
           <p:cNvSpPr txBox="1">
             <a:spLocks noGrp="1"/>
           </p:cNvSpPr>
@@ -7643,16 +7251,15 @@
   <p:clrMap bg1="lt1" tx1="dk1" bg2="dk2" tx2="lt2" accent1="accent1" accent2="accent2" accent3="accent3" accent4="accent4" accent5="accent5" accent6="accent6" hlink="hlink" folHlink="folHlink"/>
   <p:sldLayoutIdLst>
     <p:sldLayoutId id="2147483649" r:id="rId1"/>
-    <p:sldLayoutId id="2147483650" r:id="rId2"/>
-    <p:sldLayoutId id="2147483651" r:id="rId3"/>
-    <p:sldLayoutId id="2147483652" r:id="rId4"/>
-    <p:sldLayoutId id="2147483653" r:id="rId5"/>
-    <p:sldLayoutId id="2147483654" r:id="rId6"/>
-    <p:sldLayoutId id="2147483655" r:id="rId7"/>
-    <p:sldLayoutId id="2147483656" r:id="rId8"/>
-    <p:sldLayoutId id="2147483657" r:id="rId9"/>
-    <p:sldLayoutId id="2147483658" r:id="rId10"/>
-    <p:sldLayoutId id="2147483659" r:id="rId11"/>
+    <p:sldLayoutId id="2147483651" r:id="rId2"/>
+    <p:sldLayoutId id="2147483652" r:id="rId3"/>
+    <p:sldLayoutId id="2147483653" r:id="rId4"/>
+    <p:sldLayoutId id="2147483654" r:id="rId5"/>
+    <p:sldLayoutId id="2147483655" r:id="rId6"/>
+    <p:sldLayoutId id="2147483656" r:id="rId7"/>
+    <p:sldLayoutId id="2147483657" r:id="rId8"/>
+    <p:sldLayoutId id="2147483658" r:id="rId9"/>
+    <p:sldLayoutId id="2147483659" r:id="rId10"/>
   </p:sldLayoutIdLst>
   <p:hf sldNum="0" hdr="0" ftr="0" dt="0"/>
   <p:txStyles>
@@ -8883,7 +8490,2066 @@
 </p:sld>
 </file>
 
-<file path=ppt/slides/slide10.xml><?xml version="1.0" encoding="utf-8"?>
+<file path=ppt/slides/slide2.xml><?xml version="1.0" encoding="utf-8"?>
+<p:sld xmlns:a="http://schemas.openxmlformats.org/drawingml/2006/main" xmlns:r="http://schemas.openxmlformats.org/officeDocument/2006/relationships" xmlns:p="http://schemas.openxmlformats.org/presentationml/2006/main">
+  <p:cSld>
+    <p:spTree>
+      <p:nvGrpSpPr>
+        <p:cNvPr id="1" name="Shape 65"/>
+        <p:cNvGrpSpPr/>
+        <p:nvPr/>
+      </p:nvGrpSpPr>
+      <p:grpSpPr>
+        <a:xfrm>
+          <a:off x="0" y="0"/>
+          <a:ext cx="0" cy="0"/>
+          <a:chOff x="0" y="0"/>
+          <a:chExt cx="0" cy="0"/>
+        </a:xfrm>
+      </p:grpSpPr>
+      <p:sp>
+        <p:nvSpPr>
+          <p:cNvPr id="66" name="Google Shape;66;p2"/>
+          <p:cNvSpPr txBox="1"/>
+          <p:nvPr/>
+        </p:nvSpPr>
+        <p:spPr>
+          <a:xfrm>
+            <a:off x="1611313" y="2019300"/>
+            <a:ext cx="5953125" cy="1481138"/>
+          </a:xfrm>
+          <a:prstGeom prst="rect">
+            <a:avLst/>
+          </a:prstGeom>
+          <a:noFill/>
+          <a:ln>
+            <a:noFill/>
+          </a:ln>
+        </p:spPr>
+        <p:txBody>
+          <a:bodyPr spcFirstLastPara="1" wrap="square" lIns="91425" tIns="91425" rIns="91425" bIns="91425" anchor="t" anchorCtr="0">
+            <a:noAutofit/>
+          </a:bodyPr>
+          <a:lstStyle/>
+          <a:p>
+            <a:pPr marL="0" marR="0" lvl="0" indent="0" algn="ctr" rtl="0">
+              <a:spcBef>
+                <a:spcPts val="0"/>
+              </a:spcBef>
+              <a:spcAft>
+                <a:spcPts val="0"/>
+              </a:spcAft>
+              <a:buNone/>
+            </a:pPr>
+            <a:r>
+              <a:rPr lang="en-GB" sz="2400" b="1" i="0" u="none" strike="noStrike" cap="none">
+                <a:solidFill>
+                  <a:srgbClr val="434343"/>
+                </a:solidFill>
+                <a:latin typeface="Lato"/>
+                <a:ea typeface="Lato"/>
+                <a:cs typeface="Lato"/>
+                <a:sym typeface="Lato"/>
+              </a:rPr>
+              <a:t>Тема доклада</a:t>
+            </a:r>
+            <a:endParaRPr sz="2400" b="1" i="0" u="none" strike="noStrike" cap="none">
+              <a:solidFill>
+                <a:srgbClr val="434343"/>
+              </a:solidFill>
+              <a:latin typeface="Lato"/>
+              <a:ea typeface="Lato"/>
+              <a:cs typeface="Lato"/>
+              <a:sym typeface="Lato"/>
+            </a:endParaRPr>
+          </a:p>
+          <a:p>
+            <a:pPr marL="0" marR="0" lvl="0" indent="0" algn="ctr" rtl="0">
+              <a:spcBef>
+                <a:spcPts val="0"/>
+              </a:spcBef>
+              <a:spcAft>
+                <a:spcPts val="0"/>
+              </a:spcAft>
+              <a:buNone/>
+            </a:pPr>
+            <a:r>
+              <a:rPr lang="en-GB" sz="2400" b="1" i="0" u="none" strike="noStrike" cap="none">
+                <a:solidFill>
+                  <a:srgbClr val="434343"/>
+                </a:solidFill>
+                <a:latin typeface="Lato"/>
+                <a:ea typeface="Lato"/>
+                <a:cs typeface="Lato"/>
+                <a:sym typeface="Lato"/>
+              </a:rPr>
+              <a:t>Тема доклада</a:t>
+            </a:r>
+            <a:endParaRPr sz="2400" b="1" i="0" u="none" strike="noStrike" cap="none">
+              <a:solidFill>
+                <a:srgbClr val="434343"/>
+              </a:solidFill>
+              <a:latin typeface="Lato"/>
+              <a:ea typeface="Lato"/>
+              <a:cs typeface="Lato"/>
+              <a:sym typeface="Lato"/>
+            </a:endParaRPr>
+          </a:p>
+          <a:p>
+            <a:pPr marL="0" marR="0" lvl="0" indent="0" algn="ctr" rtl="0">
+              <a:spcBef>
+                <a:spcPts val="0"/>
+              </a:spcBef>
+              <a:spcAft>
+                <a:spcPts val="0"/>
+              </a:spcAft>
+              <a:buNone/>
+            </a:pPr>
+            <a:r>
+              <a:rPr lang="en-GB" sz="2400" b="1" i="0" u="none" strike="noStrike" cap="none">
+                <a:solidFill>
+                  <a:srgbClr val="434343"/>
+                </a:solidFill>
+                <a:latin typeface="Lato"/>
+                <a:ea typeface="Lato"/>
+                <a:cs typeface="Lato"/>
+                <a:sym typeface="Lato"/>
+              </a:rPr>
+              <a:t>Тема доклада</a:t>
+            </a:r>
+            <a:endParaRPr sz="2400" b="1" i="0" u="none" strike="noStrike" cap="none">
+              <a:solidFill>
+                <a:srgbClr val="434343"/>
+              </a:solidFill>
+              <a:latin typeface="Lato"/>
+              <a:ea typeface="Lato"/>
+              <a:cs typeface="Lato"/>
+              <a:sym typeface="Lato"/>
+            </a:endParaRPr>
+          </a:p>
+        </p:txBody>
+      </p:sp>
+      <p:pic>
+        <p:nvPicPr>
+          <p:cNvPr id="67" name="Google Shape;67;p2"/>
+          <p:cNvPicPr preferRelativeResize="0"/>
+          <p:nvPr/>
+        </p:nvPicPr>
+        <p:blipFill rotWithShape="1">
+          <a:blip r:embed="rId3">
+            <a:alphaModFix/>
+          </a:blip>
+          <a:srcRect/>
+          <a:stretch/>
+        </p:blipFill>
+        <p:spPr>
+          <a:xfrm>
+            <a:off x="13252" y="-1"/>
+            <a:ext cx="9144000" cy="5143500"/>
+          </a:xfrm>
+          <a:prstGeom prst="rect">
+            <a:avLst/>
+          </a:prstGeom>
+          <a:noFill/>
+          <a:ln>
+            <a:noFill/>
+          </a:ln>
+        </p:spPr>
+      </p:pic>
+      <p:sp>
+        <p:nvSpPr>
+          <p:cNvPr id="68" name="Google Shape;68;p2"/>
+          <p:cNvSpPr/>
+          <p:nvPr/>
+        </p:nvSpPr>
+        <p:spPr>
+          <a:xfrm>
+            <a:off x="3175" y="4486275"/>
+            <a:ext cx="9140825" cy="247650"/>
+          </a:xfrm>
+          <a:prstGeom prst="rect">
+            <a:avLst/>
+          </a:prstGeom>
+          <a:solidFill>
+            <a:srgbClr val="8A4E97"/>
+          </a:solidFill>
+          <a:ln>
+            <a:noFill/>
+          </a:ln>
+        </p:spPr>
+        <p:txBody>
+          <a:bodyPr spcFirstLastPara="1" wrap="square" lIns="91425" tIns="91425" rIns="91425" bIns="91425" anchor="ctr" anchorCtr="0">
+            <a:noAutofit/>
+          </a:bodyPr>
+          <a:lstStyle/>
+          <a:p>
+            <a:pPr marL="0" marR="0" lvl="0" indent="0" algn="l" rtl="0">
+              <a:spcBef>
+                <a:spcPts val="0"/>
+              </a:spcBef>
+              <a:spcAft>
+                <a:spcPts val="0"/>
+              </a:spcAft>
+              <a:buNone/>
+            </a:pPr>
+            <a:endParaRPr sz="1400" b="0" i="0" u="none" strike="noStrike" cap="none">
+              <a:solidFill>
+                <a:srgbClr val="000000"/>
+              </a:solidFill>
+              <a:latin typeface="Arial"/>
+              <a:ea typeface="Arial"/>
+              <a:cs typeface="Arial"/>
+              <a:sym typeface="Arial"/>
+            </a:endParaRPr>
+          </a:p>
+        </p:txBody>
+      </p:sp>
+      <p:sp>
+        <p:nvSpPr>
+          <p:cNvPr id="70" name="Google Shape;70;p2"/>
+          <p:cNvSpPr/>
+          <p:nvPr/>
+        </p:nvSpPr>
+        <p:spPr>
+          <a:xfrm>
+            <a:off x="7616825" y="4306888"/>
+            <a:ext cx="595313" cy="608012"/>
+          </a:xfrm>
+          <a:prstGeom prst="rect">
+            <a:avLst/>
+          </a:prstGeom>
+          <a:solidFill>
+            <a:srgbClr val="FFFFFF"/>
+          </a:solidFill>
+          <a:ln>
+            <a:noFill/>
+          </a:ln>
+        </p:spPr>
+        <p:txBody>
+          <a:bodyPr spcFirstLastPara="1" wrap="square" lIns="91425" tIns="91425" rIns="91425" bIns="91425" anchor="ctr" anchorCtr="0">
+            <a:noAutofit/>
+          </a:bodyPr>
+          <a:lstStyle/>
+          <a:p>
+            <a:pPr marL="0" marR="0" lvl="0" indent="0" algn="l" rtl="0">
+              <a:spcBef>
+                <a:spcPts val="0"/>
+              </a:spcBef>
+              <a:spcAft>
+                <a:spcPts val="0"/>
+              </a:spcAft>
+              <a:buNone/>
+            </a:pPr>
+            <a:endParaRPr sz="1400" b="0" i="0" u="none" strike="noStrike" cap="none">
+              <a:solidFill>
+                <a:srgbClr val="000000"/>
+              </a:solidFill>
+              <a:latin typeface="Arial"/>
+              <a:ea typeface="Arial"/>
+              <a:cs typeface="Arial"/>
+              <a:sym typeface="Arial"/>
+            </a:endParaRPr>
+          </a:p>
+        </p:txBody>
+      </p:sp>
+      <p:sp>
+        <p:nvSpPr>
+          <p:cNvPr id="71" name="Google Shape;71;p2"/>
+          <p:cNvSpPr txBox="1"/>
+          <p:nvPr/>
+        </p:nvSpPr>
+        <p:spPr>
+          <a:xfrm>
+            <a:off x="100013" y="4497388"/>
+            <a:ext cx="5048250" cy="227012"/>
+          </a:xfrm>
+          <a:prstGeom prst="rect">
+            <a:avLst/>
+          </a:prstGeom>
+          <a:solidFill>
+            <a:srgbClr val="8A4E97"/>
+          </a:solidFill>
+          <a:ln>
+            <a:noFill/>
+          </a:ln>
+        </p:spPr>
+        <p:txBody>
+          <a:bodyPr spcFirstLastPara="1" wrap="square" lIns="91425" tIns="91425" rIns="91425" bIns="91425" anchor="ctr" anchorCtr="0">
+            <a:noAutofit/>
+          </a:bodyPr>
+          <a:lstStyle/>
+          <a:p>
+            <a:pPr marL="0" marR="0" lvl="0" indent="0" algn="l" rtl="0">
+              <a:spcBef>
+                <a:spcPts val="0"/>
+              </a:spcBef>
+              <a:spcAft>
+                <a:spcPts val="0"/>
+              </a:spcAft>
+              <a:buNone/>
+            </a:pPr>
+            <a:r>
+              <a:rPr lang="en-GB" sz="1200" b="1" i="0" u="none" strike="noStrike" cap="none" dirty="0">
+                <a:solidFill>
+                  <a:srgbClr val="FFFFFF"/>
+                </a:solidFill>
+                <a:latin typeface="Lato"/>
+                <a:ea typeface="Lato"/>
+                <a:cs typeface="Lato"/>
+                <a:sym typeface="Lato"/>
+              </a:rPr>
+              <a:t>.NET LEVEL UP</a:t>
+            </a:r>
+            <a:endParaRPr sz="1400" b="1" i="0" u="none" strike="noStrike" cap="none" dirty="0">
+              <a:solidFill>
+                <a:srgbClr val="FFFFFF"/>
+              </a:solidFill>
+              <a:latin typeface="Lato"/>
+              <a:ea typeface="Lato"/>
+              <a:cs typeface="Lato"/>
+              <a:sym typeface="Lato"/>
+            </a:endParaRPr>
+          </a:p>
+        </p:txBody>
+      </p:sp>
+      <p:sp>
+        <p:nvSpPr>
+          <p:cNvPr id="73" name="Google Shape;73;p2"/>
+          <p:cNvSpPr txBox="1"/>
+          <p:nvPr/>
+        </p:nvSpPr>
+        <p:spPr>
+          <a:xfrm>
+            <a:off x="7411277" y="4497388"/>
+            <a:ext cx="1686685" cy="227012"/>
+          </a:xfrm>
+          <a:prstGeom prst="rect">
+            <a:avLst/>
+          </a:prstGeom>
+          <a:noFill/>
+          <a:ln>
+            <a:noFill/>
+          </a:ln>
+        </p:spPr>
+        <p:txBody>
+          <a:bodyPr spcFirstLastPara="1" wrap="square" lIns="91425" tIns="91425" rIns="91425" bIns="91425" anchor="ctr" anchorCtr="0">
+            <a:noAutofit/>
+          </a:bodyPr>
+          <a:lstStyle/>
+          <a:p>
+            <a:pPr marL="0" marR="0" lvl="0" indent="0" algn="r" rtl="0">
+              <a:spcBef>
+                <a:spcPts val="0"/>
+              </a:spcBef>
+              <a:spcAft>
+                <a:spcPts val="0"/>
+              </a:spcAft>
+              <a:buNone/>
+            </a:pPr>
+            <a:r>
+              <a:rPr lang="en-GB" sz="1200" b="0" i="0" u="none" strike="noStrike" cap="none" dirty="0" smtClean="0">
+                <a:solidFill>
+                  <a:srgbClr val="FFFFFF"/>
+                </a:solidFill>
+                <a:latin typeface="Lato"/>
+                <a:ea typeface="Lato"/>
+                <a:cs typeface="Lato"/>
+                <a:sym typeface="Lato"/>
+              </a:rPr>
+              <a:t>                       </a:t>
+            </a:r>
+            <a:r>
+              <a:rPr lang="en-GB" sz="1200" b="0" i="0" u="none" strike="noStrike" cap="none" dirty="0">
+                <a:solidFill>
+                  <a:srgbClr val="FFFFFF"/>
+                </a:solidFill>
+                <a:latin typeface="Lato"/>
+                <a:ea typeface="Lato"/>
+                <a:cs typeface="Lato"/>
+                <a:sym typeface="Lato"/>
+              </a:rPr>
+              <a:t>KYIV 2019</a:t>
+            </a:r>
+            <a:endParaRPr dirty="0"/>
+          </a:p>
+        </p:txBody>
+      </p:sp>
+      <p:pic>
+        <p:nvPicPr>
+          <p:cNvPr id="74" name="Google Shape;74;p2"/>
+          <p:cNvPicPr preferRelativeResize="0"/>
+          <p:nvPr/>
+        </p:nvPicPr>
+        <p:blipFill rotWithShape="1">
+          <a:blip r:embed="rId4">
+            <a:alphaModFix/>
+          </a:blip>
+          <a:srcRect/>
+          <a:stretch/>
+        </p:blipFill>
+        <p:spPr>
+          <a:xfrm>
+            <a:off x="7627938" y="4324350"/>
+            <a:ext cx="573087" cy="571500"/>
+          </a:xfrm>
+          <a:prstGeom prst="rect">
+            <a:avLst/>
+          </a:prstGeom>
+          <a:noFill/>
+          <a:ln>
+            <a:noFill/>
+          </a:ln>
+        </p:spPr>
+      </p:pic>
+      <p:sp>
+        <p:nvSpPr>
+          <p:cNvPr id="76" name="Google Shape;76;p2"/>
+          <p:cNvSpPr txBox="1"/>
+          <p:nvPr/>
+        </p:nvSpPr>
+        <p:spPr>
+          <a:xfrm>
+            <a:off x="987424" y="1599466"/>
+            <a:ext cx="7172325" cy="1107955"/>
+          </a:xfrm>
+          <a:prstGeom prst="rect">
+            <a:avLst/>
+          </a:prstGeom>
+          <a:noFill/>
+          <a:ln>
+            <a:noFill/>
+          </a:ln>
+        </p:spPr>
+        <p:txBody>
+          <a:bodyPr spcFirstLastPara="1" wrap="square" lIns="91425" tIns="45700" rIns="91425" bIns="45700" anchor="t" anchorCtr="0">
+            <a:spAutoFit/>
+          </a:bodyPr>
+          <a:lstStyle/>
+          <a:p>
+            <a:pPr lvl="0" algn="ctr"/>
+            <a:r>
+              <a:rPr lang="ru-RU" sz="6600" dirty="0" smtClean="0">
+                <a:solidFill>
+                  <a:srgbClr val="7030A0"/>
+                </a:solidFill>
+              </a:rPr>
+              <a:t>Кто я?</a:t>
+            </a:r>
+            <a:endParaRPr sz="6600" b="0" i="0" u="none" strike="noStrike" cap="none" dirty="0">
+              <a:solidFill>
+                <a:srgbClr val="7030A0"/>
+              </a:solidFill>
+              <a:sym typeface="Arial"/>
+            </a:endParaRPr>
+          </a:p>
+        </p:txBody>
+      </p:sp>
+    </p:spTree>
+    <p:extLst>
+      <p:ext uri="{BB962C8B-B14F-4D97-AF65-F5344CB8AC3E}">
+        <p14:creationId xmlns:p14="http://schemas.microsoft.com/office/powerpoint/2010/main" val="4183012851"/>
+      </p:ext>
+    </p:extLst>
+  </p:cSld>
+  <p:clrMapOvr>
+    <a:masterClrMapping/>
+  </p:clrMapOvr>
+  <p:timing>
+    <p:tnLst>
+      <p:par>
+        <p:cTn id="1" dur="indefinite" restart="never" nodeType="tmRoot"/>
+      </p:par>
+    </p:tnLst>
+  </p:timing>
+</p:sld>
+</file>
+
+<file path=ppt/slides/slide3.xml><?xml version="1.0" encoding="utf-8"?>
+<p:sld xmlns:a="http://schemas.openxmlformats.org/drawingml/2006/main" xmlns:r="http://schemas.openxmlformats.org/officeDocument/2006/relationships" xmlns:p="http://schemas.openxmlformats.org/presentationml/2006/main">
+  <p:cSld>
+    <p:spTree>
+      <p:nvGrpSpPr>
+        <p:cNvPr id="1" name="Shape 65"/>
+        <p:cNvGrpSpPr/>
+        <p:nvPr/>
+      </p:nvGrpSpPr>
+      <p:grpSpPr>
+        <a:xfrm>
+          <a:off x="0" y="0"/>
+          <a:ext cx="0" cy="0"/>
+          <a:chOff x="0" y="0"/>
+          <a:chExt cx="0" cy="0"/>
+        </a:xfrm>
+      </p:grpSpPr>
+      <p:sp>
+        <p:nvSpPr>
+          <p:cNvPr id="66" name="Google Shape;66;p2"/>
+          <p:cNvSpPr txBox="1"/>
+          <p:nvPr/>
+        </p:nvSpPr>
+        <p:spPr>
+          <a:xfrm>
+            <a:off x="1611313" y="2019300"/>
+            <a:ext cx="5953125" cy="1481138"/>
+          </a:xfrm>
+          <a:prstGeom prst="rect">
+            <a:avLst/>
+          </a:prstGeom>
+          <a:noFill/>
+          <a:ln>
+            <a:noFill/>
+          </a:ln>
+        </p:spPr>
+        <p:txBody>
+          <a:bodyPr spcFirstLastPara="1" wrap="square" lIns="91425" tIns="91425" rIns="91425" bIns="91425" anchor="t" anchorCtr="0">
+            <a:noAutofit/>
+          </a:bodyPr>
+          <a:lstStyle/>
+          <a:p>
+            <a:pPr marL="0" marR="0" lvl="0" indent="0" algn="ctr" rtl="0">
+              <a:spcBef>
+                <a:spcPts val="0"/>
+              </a:spcBef>
+              <a:spcAft>
+                <a:spcPts val="0"/>
+              </a:spcAft>
+              <a:buNone/>
+            </a:pPr>
+            <a:r>
+              <a:rPr lang="en-GB" sz="2400" b="1" i="0" u="none" strike="noStrike" cap="none">
+                <a:solidFill>
+                  <a:srgbClr val="434343"/>
+                </a:solidFill>
+                <a:latin typeface="Lato"/>
+                <a:ea typeface="Lato"/>
+                <a:cs typeface="Lato"/>
+                <a:sym typeface="Lato"/>
+              </a:rPr>
+              <a:t>Тема доклада</a:t>
+            </a:r>
+            <a:endParaRPr sz="2400" b="1" i="0" u="none" strike="noStrike" cap="none">
+              <a:solidFill>
+                <a:srgbClr val="434343"/>
+              </a:solidFill>
+              <a:latin typeface="Lato"/>
+              <a:ea typeface="Lato"/>
+              <a:cs typeface="Lato"/>
+              <a:sym typeface="Lato"/>
+            </a:endParaRPr>
+          </a:p>
+          <a:p>
+            <a:pPr marL="0" marR="0" lvl="0" indent="0" algn="ctr" rtl="0">
+              <a:spcBef>
+                <a:spcPts val="0"/>
+              </a:spcBef>
+              <a:spcAft>
+                <a:spcPts val="0"/>
+              </a:spcAft>
+              <a:buNone/>
+            </a:pPr>
+            <a:r>
+              <a:rPr lang="en-GB" sz="2400" b="1" i="0" u="none" strike="noStrike" cap="none">
+                <a:solidFill>
+                  <a:srgbClr val="434343"/>
+                </a:solidFill>
+                <a:latin typeface="Lato"/>
+                <a:ea typeface="Lato"/>
+                <a:cs typeface="Lato"/>
+                <a:sym typeface="Lato"/>
+              </a:rPr>
+              <a:t>Тема доклада</a:t>
+            </a:r>
+            <a:endParaRPr sz="2400" b="1" i="0" u="none" strike="noStrike" cap="none">
+              <a:solidFill>
+                <a:srgbClr val="434343"/>
+              </a:solidFill>
+              <a:latin typeface="Lato"/>
+              <a:ea typeface="Lato"/>
+              <a:cs typeface="Lato"/>
+              <a:sym typeface="Lato"/>
+            </a:endParaRPr>
+          </a:p>
+          <a:p>
+            <a:pPr marL="0" marR="0" lvl="0" indent="0" algn="ctr" rtl="0">
+              <a:spcBef>
+                <a:spcPts val="0"/>
+              </a:spcBef>
+              <a:spcAft>
+                <a:spcPts val="0"/>
+              </a:spcAft>
+              <a:buNone/>
+            </a:pPr>
+            <a:r>
+              <a:rPr lang="en-GB" sz="2400" b="1" i="0" u="none" strike="noStrike" cap="none">
+                <a:solidFill>
+                  <a:srgbClr val="434343"/>
+                </a:solidFill>
+                <a:latin typeface="Lato"/>
+                <a:ea typeface="Lato"/>
+                <a:cs typeface="Lato"/>
+                <a:sym typeface="Lato"/>
+              </a:rPr>
+              <a:t>Тема доклада</a:t>
+            </a:r>
+            <a:endParaRPr sz="2400" b="1" i="0" u="none" strike="noStrike" cap="none">
+              <a:solidFill>
+                <a:srgbClr val="434343"/>
+              </a:solidFill>
+              <a:latin typeface="Lato"/>
+              <a:ea typeface="Lato"/>
+              <a:cs typeface="Lato"/>
+              <a:sym typeface="Lato"/>
+            </a:endParaRPr>
+          </a:p>
+        </p:txBody>
+      </p:sp>
+      <p:pic>
+        <p:nvPicPr>
+          <p:cNvPr id="67" name="Google Shape;67;p2"/>
+          <p:cNvPicPr preferRelativeResize="0"/>
+          <p:nvPr/>
+        </p:nvPicPr>
+        <p:blipFill rotWithShape="1">
+          <a:blip r:embed="rId3">
+            <a:alphaModFix/>
+          </a:blip>
+          <a:srcRect/>
+          <a:stretch/>
+        </p:blipFill>
+        <p:spPr>
+          <a:xfrm>
+            <a:off x="9939" y="6625"/>
+            <a:ext cx="9144000" cy="5143500"/>
+          </a:xfrm>
+          <a:prstGeom prst="rect">
+            <a:avLst/>
+          </a:prstGeom>
+          <a:noFill/>
+          <a:ln>
+            <a:noFill/>
+          </a:ln>
+        </p:spPr>
+      </p:pic>
+      <p:sp>
+        <p:nvSpPr>
+          <p:cNvPr id="68" name="Google Shape;68;p2"/>
+          <p:cNvSpPr/>
+          <p:nvPr/>
+        </p:nvSpPr>
+        <p:spPr>
+          <a:xfrm>
+            <a:off x="3175" y="4486275"/>
+            <a:ext cx="9140825" cy="247650"/>
+          </a:xfrm>
+          <a:prstGeom prst="rect">
+            <a:avLst/>
+          </a:prstGeom>
+          <a:solidFill>
+            <a:srgbClr val="8A4E97"/>
+          </a:solidFill>
+          <a:ln>
+            <a:noFill/>
+          </a:ln>
+        </p:spPr>
+        <p:txBody>
+          <a:bodyPr spcFirstLastPara="1" wrap="square" lIns="91425" tIns="91425" rIns="91425" bIns="91425" anchor="ctr" anchorCtr="0">
+            <a:noAutofit/>
+          </a:bodyPr>
+          <a:lstStyle/>
+          <a:p>
+            <a:pPr marL="0" marR="0" lvl="0" indent="0" algn="l" rtl="0">
+              <a:spcBef>
+                <a:spcPts val="0"/>
+              </a:spcBef>
+              <a:spcAft>
+                <a:spcPts val="0"/>
+              </a:spcAft>
+              <a:buNone/>
+            </a:pPr>
+            <a:endParaRPr sz="1400" b="0" i="0" u="none" strike="noStrike" cap="none">
+              <a:solidFill>
+                <a:srgbClr val="000000"/>
+              </a:solidFill>
+              <a:latin typeface="Arial"/>
+              <a:ea typeface="Arial"/>
+              <a:cs typeface="Arial"/>
+              <a:sym typeface="Arial"/>
+            </a:endParaRPr>
+          </a:p>
+        </p:txBody>
+      </p:sp>
+      <p:sp>
+        <p:nvSpPr>
+          <p:cNvPr id="70" name="Google Shape;70;p2"/>
+          <p:cNvSpPr/>
+          <p:nvPr/>
+        </p:nvSpPr>
+        <p:spPr>
+          <a:xfrm>
+            <a:off x="7616825" y="4306888"/>
+            <a:ext cx="595313" cy="608012"/>
+          </a:xfrm>
+          <a:prstGeom prst="rect">
+            <a:avLst/>
+          </a:prstGeom>
+          <a:solidFill>
+            <a:srgbClr val="FFFFFF"/>
+          </a:solidFill>
+          <a:ln>
+            <a:noFill/>
+          </a:ln>
+        </p:spPr>
+        <p:txBody>
+          <a:bodyPr spcFirstLastPara="1" wrap="square" lIns="91425" tIns="91425" rIns="91425" bIns="91425" anchor="ctr" anchorCtr="0">
+            <a:noAutofit/>
+          </a:bodyPr>
+          <a:lstStyle/>
+          <a:p>
+            <a:pPr marL="0" marR="0" lvl="0" indent="0" algn="l" rtl="0">
+              <a:spcBef>
+                <a:spcPts val="0"/>
+              </a:spcBef>
+              <a:spcAft>
+                <a:spcPts val="0"/>
+              </a:spcAft>
+              <a:buNone/>
+            </a:pPr>
+            <a:endParaRPr sz="1400" b="0" i="0" u="none" strike="noStrike" cap="none">
+              <a:solidFill>
+                <a:srgbClr val="000000"/>
+              </a:solidFill>
+              <a:latin typeface="Arial"/>
+              <a:ea typeface="Arial"/>
+              <a:cs typeface="Arial"/>
+              <a:sym typeface="Arial"/>
+            </a:endParaRPr>
+          </a:p>
+        </p:txBody>
+      </p:sp>
+      <p:sp>
+        <p:nvSpPr>
+          <p:cNvPr id="71" name="Google Shape;71;p2"/>
+          <p:cNvSpPr txBox="1"/>
+          <p:nvPr/>
+        </p:nvSpPr>
+        <p:spPr>
+          <a:xfrm>
+            <a:off x="100013" y="4497388"/>
+            <a:ext cx="5048250" cy="227012"/>
+          </a:xfrm>
+          <a:prstGeom prst="rect">
+            <a:avLst/>
+          </a:prstGeom>
+          <a:solidFill>
+            <a:srgbClr val="8A4E97"/>
+          </a:solidFill>
+          <a:ln>
+            <a:noFill/>
+          </a:ln>
+        </p:spPr>
+        <p:txBody>
+          <a:bodyPr spcFirstLastPara="1" wrap="square" lIns="91425" tIns="91425" rIns="91425" bIns="91425" anchor="ctr" anchorCtr="0">
+            <a:noAutofit/>
+          </a:bodyPr>
+          <a:lstStyle/>
+          <a:p>
+            <a:pPr marL="0" marR="0" lvl="0" indent="0" algn="l" rtl="0">
+              <a:spcBef>
+                <a:spcPts val="0"/>
+              </a:spcBef>
+              <a:spcAft>
+                <a:spcPts val="0"/>
+              </a:spcAft>
+              <a:buNone/>
+            </a:pPr>
+            <a:r>
+              <a:rPr lang="en-GB" sz="1200" b="1" i="0" u="none" strike="noStrike" cap="none" dirty="0">
+                <a:solidFill>
+                  <a:srgbClr val="FFFFFF"/>
+                </a:solidFill>
+                <a:latin typeface="Lato"/>
+                <a:ea typeface="Lato"/>
+                <a:cs typeface="Lato"/>
+                <a:sym typeface="Lato"/>
+              </a:rPr>
+              <a:t>.NET LEVEL UP</a:t>
+            </a:r>
+            <a:endParaRPr sz="1400" b="1" i="0" u="none" strike="noStrike" cap="none" dirty="0">
+              <a:solidFill>
+                <a:srgbClr val="FFFFFF"/>
+              </a:solidFill>
+              <a:latin typeface="Lato"/>
+              <a:ea typeface="Lato"/>
+              <a:cs typeface="Lato"/>
+              <a:sym typeface="Lato"/>
+            </a:endParaRPr>
+          </a:p>
+        </p:txBody>
+      </p:sp>
+      <p:sp>
+        <p:nvSpPr>
+          <p:cNvPr id="73" name="Google Shape;73;p2"/>
+          <p:cNvSpPr txBox="1"/>
+          <p:nvPr/>
+        </p:nvSpPr>
+        <p:spPr>
+          <a:xfrm>
+            <a:off x="7411277" y="4497388"/>
+            <a:ext cx="1686685" cy="227012"/>
+          </a:xfrm>
+          <a:prstGeom prst="rect">
+            <a:avLst/>
+          </a:prstGeom>
+          <a:noFill/>
+          <a:ln>
+            <a:noFill/>
+          </a:ln>
+        </p:spPr>
+        <p:txBody>
+          <a:bodyPr spcFirstLastPara="1" wrap="square" lIns="91425" tIns="91425" rIns="91425" bIns="91425" anchor="ctr" anchorCtr="0">
+            <a:noAutofit/>
+          </a:bodyPr>
+          <a:lstStyle/>
+          <a:p>
+            <a:pPr marL="0" marR="0" lvl="0" indent="0" algn="r" rtl="0">
+              <a:spcBef>
+                <a:spcPts val="0"/>
+              </a:spcBef>
+              <a:spcAft>
+                <a:spcPts val="0"/>
+              </a:spcAft>
+              <a:buNone/>
+            </a:pPr>
+            <a:r>
+              <a:rPr lang="en-GB" sz="1200" b="0" i="0" u="none" strike="noStrike" cap="none" dirty="0" smtClean="0">
+                <a:solidFill>
+                  <a:srgbClr val="FFFFFF"/>
+                </a:solidFill>
+                <a:latin typeface="Lato"/>
+                <a:ea typeface="Lato"/>
+                <a:cs typeface="Lato"/>
+                <a:sym typeface="Lato"/>
+              </a:rPr>
+              <a:t>                       </a:t>
+            </a:r>
+            <a:r>
+              <a:rPr lang="en-GB" sz="1200" b="0" i="0" u="none" strike="noStrike" cap="none" dirty="0">
+                <a:solidFill>
+                  <a:srgbClr val="FFFFFF"/>
+                </a:solidFill>
+                <a:latin typeface="Lato"/>
+                <a:ea typeface="Lato"/>
+                <a:cs typeface="Lato"/>
+                <a:sym typeface="Lato"/>
+              </a:rPr>
+              <a:t>KYIV 2019</a:t>
+            </a:r>
+            <a:endParaRPr dirty="0"/>
+          </a:p>
+        </p:txBody>
+      </p:sp>
+      <p:pic>
+        <p:nvPicPr>
+          <p:cNvPr id="74" name="Google Shape;74;p2"/>
+          <p:cNvPicPr preferRelativeResize="0"/>
+          <p:nvPr/>
+        </p:nvPicPr>
+        <p:blipFill rotWithShape="1">
+          <a:blip r:embed="rId4">
+            <a:alphaModFix/>
+          </a:blip>
+          <a:srcRect/>
+          <a:stretch/>
+        </p:blipFill>
+        <p:spPr>
+          <a:xfrm>
+            <a:off x="7627938" y="4324350"/>
+            <a:ext cx="573087" cy="571500"/>
+          </a:xfrm>
+          <a:prstGeom prst="rect">
+            <a:avLst/>
+          </a:prstGeom>
+          <a:noFill/>
+          <a:ln>
+            <a:noFill/>
+          </a:ln>
+        </p:spPr>
+      </p:pic>
+      <p:sp>
+        <p:nvSpPr>
+          <p:cNvPr id="76" name="Google Shape;76;p2"/>
+          <p:cNvSpPr txBox="1"/>
+          <p:nvPr/>
+        </p:nvSpPr>
+        <p:spPr>
+          <a:xfrm>
+            <a:off x="995776" y="1602779"/>
+            <a:ext cx="7172325" cy="1107955"/>
+          </a:xfrm>
+          <a:prstGeom prst="rect">
+            <a:avLst/>
+          </a:prstGeom>
+          <a:noFill/>
+          <a:ln>
+            <a:noFill/>
+          </a:ln>
+        </p:spPr>
+        <p:txBody>
+          <a:bodyPr spcFirstLastPara="1" wrap="square" lIns="91425" tIns="45700" rIns="91425" bIns="45700" anchor="t" anchorCtr="0">
+            <a:spAutoFit/>
+          </a:bodyPr>
+          <a:lstStyle/>
+          <a:p>
+            <a:pPr lvl="0" algn="ctr"/>
+            <a:r>
+              <a:rPr lang="ru-RU" sz="6600" dirty="0" smtClean="0">
+                <a:solidFill>
+                  <a:srgbClr val="7030A0"/>
+                </a:solidFill>
+              </a:rPr>
+              <a:t>Зачем я здесь?</a:t>
+            </a:r>
+            <a:endParaRPr sz="6600" b="0" i="0" u="none" strike="noStrike" cap="none" dirty="0">
+              <a:solidFill>
+                <a:srgbClr val="7030A0"/>
+              </a:solidFill>
+              <a:sym typeface="Arial"/>
+            </a:endParaRPr>
+          </a:p>
+        </p:txBody>
+      </p:sp>
+    </p:spTree>
+    <p:extLst>
+      <p:ext uri="{BB962C8B-B14F-4D97-AF65-F5344CB8AC3E}">
+        <p14:creationId xmlns:p14="http://schemas.microsoft.com/office/powerpoint/2010/main" val="3934616401"/>
+      </p:ext>
+    </p:extLst>
+  </p:cSld>
+  <p:clrMapOvr>
+    <a:masterClrMapping/>
+  </p:clrMapOvr>
+  <p:timing>
+    <p:tnLst>
+      <p:par>
+        <p:cTn id="1" dur="indefinite" restart="never" nodeType="tmRoot"/>
+      </p:par>
+    </p:tnLst>
+  </p:timing>
+</p:sld>
+</file>
+
+<file path=ppt/slides/slide4.xml><?xml version="1.0" encoding="utf-8"?>
+<p:sld xmlns:a="http://schemas.openxmlformats.org/drawingml/2006/main" xmlns:r="http://schemas.openxmlformats.org/officeDocument/2006/relationships" xmlns:p="http://schemas.openxmlformats.org/presentationml/2006/main">
+  <p:cSld>
+    <p:spTree>
+      <p:nvGrpSpPr>
+        <p:cNvPr id="1" name="Shape 65"/>
+        <p:cNvGrpSpPr/>
+        <p:nvPr/>
+      </p:nvGrpSpPr>
+      <p:grpSpPr>
+        <a:xfrm>
+          <a:off x="0" y="0"/>
+          <a:ext cx="0" cy="0"/>
+          <a:chOff x="0" y="0"/>
+          <a:chExt cx="0" cy="0"/>
+        </a:xfrm>
+      </p:grpSpPr>
+      <p:sp>
+        <p:nvSpPr>
+          <p:cNvPr id="66" name="Google Shape;66;p2"/>
+          <p:cNvSpPr txBox="1"/>
+          <p:nvPr/>
+        </p:nvSpPr>
+        <p:spPr>
+          <a:xfrm>
+            <a:off x="1611313" y="2019300"/>
+            <a:ext cx="5953125" cy="1481138"/>
+          </a:xfrm>
+          <a:prstGeom prst="rect">
+            <a:avLst/>
+          </a:prstGeom>
+          <a:noFill/>
+          <a:ln>
+            <a:noFill/>
+          </a:ln>
+        </p:spPr>
+        <p:txBody>
+          <a:bodyPr spcFirstLastPara="1" wrap="square" lIns="91425" tIns="91425" rIns="91425" bIns="91425" anchor="t" anchorCtr="0">
+            <a:noAutofit/>
+          </a:bodyPr>
+          <a:lstStyle/>
+          <a:p>
+            <a:pPr marL="0" marR="0" lvl="0" indent="0" algn="ctr" rtl="0">
+              <a:spcBef>
+                <a:spcPts val="0"/>
+              </a:spcBef>
+              <a:spcAft>
+                <a:spcPts val="0"/>
+              </a:spcAft>
+              <a:buNone/>
+            </a:pPr>
+            <a:r>
+              <a:rPr lang="en-GB" sz="2400" b="1" i="0" u="none" strike="noStrike" cap="none">
+                <a:solidFill>
+                  <a:srgbClr val="434343"/>
+                </a:solidFill>
+                <a:latin typeface="Lato"/>
+                <a:ea typeface="Lato"/>
+                <a:cs typeface="Lato"/>
+                <a:sym typeface="Lato"/>
+              </a:rPr>
+              <a:t>Тема доклада</a:t>
+            </a:r>
+            <a:endParaRPr sz="2400" b="1" i="0" u="none" strike="noStrike" cap="none">
+              <a:solidFill>
+                <a:srgbClr val="434343"/>
+              </a:solidFill>
+              <a:latin typeface="Lato"/>
+              <a:ea typeface="Lato"/>
+              <a:cs typeface="Lato"/>
+              <a:sym typeface="Lato"/>
+            </a:endParaRPr>
+          </a:p>
+          <a:p>
+            <a:pPr marL="0" marR="0" lvl="0" indent="0" algn="ctr" rtl="0">
+              <a:spcBef>
+                <a:spcPts val="0"/>
+              </a:spcBef>
+              <a:spcAft>
+                <a:spcPts val="0"/>
+              </a:spcAft>
+              <a:buNone/>
+            </a:pPr>
+            <a:r>
+              <a:rPr lang="en-GB" sz="2400" b="1" i="0" u="none" strike="noStrike" cap="none">
+                <a:solidFill>
+                  <a:srgbClr val="434343"/>
+                </a:solidFill>
+                <a:latin typeface="Lato"/>
+                <a:ea typeface="Lato"/>
+                <a:cs typeface="Lato"/>
+                <a:sym typeface="Lato"/>
+              </a:rPr>
+              <a:t>Тема доклада</a:t>
+            </a:r>
+            <a:endParaRPr sz="2400" b="1" i="0" u="none" strike="noStrike" cap="none">
+              <a:solidFill>
+                <a:srgbClr val="434343"/>
+              </a:solidFill>
+              <a:latin typeface="Lato"/>
+              <a:ea typeface="Lato"/>
+              <a:cs typeface="Lato"/>
+              <a:sym typeface="Lato"/>
+            </a:endParaRPr>
+          </a:p>
+          <a:p>
+            <a:pPr marL="0" marR="0" lvl="0" indent="0" algn="ctr" rtl="0">
+              <a:spcBef>
+                <a:spcPts val="0"/>
+              </a:spcBef>
+              <a:spcAft>
+                <a:spcPts val="0"/>
+              </a:spcAft>
+              <a:buNone/>
+            </a:pPr>
+            <a:r>
+              <a:rPr lang="en-GB" sz="2400" b="1" i="0" u="none" strike="noStrike" cap="none">
+                <a:solidFill>
+                  <a:srgbClr val="434343"/>
+                </a:solidFill>
+                <a:latin typeface="Lato"/>
+                <a:ea typeface="Lato"/>
+                <a:cs typeface="Lato"/>
+                <a:sym typeface="Lato"/>
+              </a:rPr>
+              <a:t>Тема доклада</a:t>
+            </a:r>
+            <a:endParaRPr sz="2400" b="1" i="0" u="none" strike="noStrike" cap="none">
+              <a:solidFill>
+                <a:srgbClr val="434343"/>
+              </a:solidFill>
+              <a:latin typeface="Lato"/>
+              <a:ea typeface="Lato"/>
+              <a:cs typeface="Lato"/>
+              <a:sym typeface="Lato"/>
+            </a:endParaRPr>
+          </a:p>
+        </p:txBody>
+      </p:sp>
+      <p:pic>
+        <p:nvPicPr>
+          <p:cNvPr id="67" name="Google Shape;67;p2"/>
+          <p:cNvPicPr preferRelativeResize="0"/>
+          <p:nvPr/>
+        </p:nvPicPr>
+        <p:blipFill rotWithShape="1">
+          <a:blip r:embed="rId3">
+            <a:alphaModFix/>
+          </a:blip>
+          <a:srcRect/>
+          <a:stretch/>
+        </p:blipFill>
+        <p:spPr>
+          <a:xfrm>
+            <a:off x="6626" y="-1"/>
+            <a:ext cx="9144000" cy="5143500"/>
+          </a:xfrm>
+          <a:prstGeom prst="rect">
+            <a:avLst/>
+          </a:prstGeom>
+          <a:noFill/>
+          <a:ln>
+            <a:noFill/>
+          </a:ln>
+        </p:spPr>
+      </p:pic>
+      <p:sp>
+        <p:nvSpPr>
+          <p:cNvPr id="68" name="Google Shape;68;p2"/>
+          <p:cNvSpPr/>
+          <p:nvPr/>
+        </p:nvSpPr>
+        <p:spPr>
+          <a:xfrm>
+            <a:off x="3175" y="4486275"/>
+            <a:ext cx="9140825" cy="247650"/>
+          </a:xfrm>
+          <a:prstGeom prst="rect">
+            <a:avLst/>
+          </a:prstGeom>
+          <a:solidFill>
+            <a:srgbClr val="8A4E97"/>
+          </a:solidFill>
+          <a:ln>
+            <a:noFill/>
+          </a:ln>
+        </p:spPr>
+        <p:txBody>
+          <a:bodyPr spcFirstLastPara="1" wrap="square" lIns="91425" tIns="91425" rIns="91425" bIns="91425" anchor="ctr" anchorCtr="0">
+            <a:noAutofit/>
+          </a:bodyPr>
+          <a:lstStyle/>
+          <a:p>
+            <a:pPr marL="0" marR="0" lvl="0" indent="0" algn="l" rtl="0">
+              <a:spcBef>
+                <a:spcPts val="0"/>
+              </a:spcBef>
+              <a:spcAft>
+                <a:spcPts val="0"/>
+              </a:spcAft>
+              <a:buNone/>
+            </a:pPr>
+            <a:endParaRPr sz="1400" b="0" i="0" u="none" strike="noStrike" cap="none">
+              <a:solidFill>
+                <a:srgbClr val="000000"/>
+              </a:solidFill>
+              <a:latin typeface="Arial"/>
+              <a:ea typeface="Arial"/>
+              <a:cs typeface="Arial"/>
+              <a:sym typeface="Arial"/>
+            </a:endParaRPr>
+          </a:p>
+        </p:txBody>
+      </p:sp>
+      <p:sp>
+        <p:nvSpPr>
+          <p:cNvPr id="70" name="Google Shape;70;p2"/>
+          <p:cNvSpPr/>
+          <p:nvPr/>
+        </p:nvSpPr>
+        <p:spPr>
+          <a:xfrm>
+            <a:off x="7616825" y="4306888"/>
+            <a:ext cx="595313" cy="608012"/>
+          </a:xfrm>
+          <a:prstGeom prst="rect">
+            <a:avLst/>
+          </a:prstGeom>
+          <a:solidFill>
+            <a:srgbClr val="FFFFFF"/>
+          </a:solidFill>
+          <a:ln>
+            <a:noFill/>
+          </a:ln>
+        </p:spPr>
+        <p:txBody>
+          <a:bodyPr spcFirstLastPara="1" wrap="square" lIns="91425" tIns="91425" rIns="91425" bIns="91425" anchor="ctr" anchorCtr="0">
+            <a:noAutofit/>
+          </a:bodyPr>
+          <a:lstStyle/>
+          <a:p>
+            <a:pPr marL="0" marR="0" lvl="0" indent="0" algn="l" rtl="0">
+              <a:spcBef>
+                <a:spcPts val="0"/>
+              </a:spcBef>
+              <a:spcAft>
+                <a:spcPts val="0"/>
+              </a:spcAft>
+              <a:buNone/>
+            </a:pPr>
+            <a:endParaRPr sz="1400" b="0" i="0" u="none" strike="noStrike" cap="none">
+              <a:solidFill>
+                <a:srgbClr val="000000"/>
+              </a:solidFill>
+              <a:latin typeface="Arial"/>
+              <a:ea typeface="Arial"/>
+              <a:cs typeface="Arial"/>
+              <a:sym typeface="Arial"/>
+            </a:endParaRPr>
+          </a:p>
+        </p:txBody>
+      </p:sp>
+      <p:sp>
+        <p:nvSpPr>
+          <p:cNvPr id="71" name="Google Shape;71;p2"/>
+          <p:cNvSpPr txBox="1"/>
+          <p:nvPr/>
+        </p:nvSpPr>
+        <p:spPr>
+          <a:xfrm>
+            <a:off x="100013" y="4497388"/>
+            <a:ext cx="5048250" cy="227012"/>
+          </a:xfrm>
+          <a:prstGeom prst="rect">
+            <a:avLst/>
+          </a:prstGeom>
+          <a:solidFill>
+            <a:srgbClr val="8A4E97"/>
+          </a:solidFill>
+          <a:ln>
+            <a:noFill/>
+          </a:ln>
+        </p:spPr>
+        <p:txBody>
+          <a:bodyPr spcFirstLastPara="1" wrap="square" lIns="91425" tIns="91425" rIns="91425" bIns="91425" anchor="ctr" anchorCtr="0">
+            <a:noAutofit/>
+          </a:bodyPr>
+          <a:lstStyle/>
+          <a:p>
+            <a:pPr marL="0" marR="0" lvl="0" indent="0" algn="l" rtl="0">
+              <a:spcBef>
+                <a:spcPts val="0"/>
+              </a:spcBef>
+              <a:spcAft>
+                <a:spcPts val="0"/>
+              </a:spcAft>
+              <a:buNone/>
+            </a:pPr>
+            <a:r>
+              <a:rPr lang="en-GB" sz="1200" b="1" i="0" u="none" strike="noStrike" cap="none" dirty="0">
+                <a:solidFill>
+                  <a:srgbClr val="FFFFFF"/>
+                </a:solidFill>
+                <a:latin typeface="Lato"/>
+                <a:ea typeface="Lato"/>
+                <a:cs typeface="Lato"/>
+                <a:sym typeface="Lato"/>
+              </a:rPr>
+              <a:t>.NET LEVEL UP</a:t>
+            </a:r>
+            <a:endParaRPr sz="1400" b="1" i="0" u="none" strike="noStrike" cap="none" dirty="0">
+              <a:solidFill>
+                <a:srgbClr val="FFFFFF"/>
+              </a:solidFill>
+              <a:latin typeface="Lato"/>
+              <a:ea typeface="Lato"/>
+              <a:cs typeface="Lato"/>
+              <a:sym typeface="Lato"/>
+            </a:endParaRPr>
+          </a:p>
+        </p:txBody>
+      </p:sp>
+      <p:sp>
+        <p:nvSpPr>
+          <p:cNvPr id="73" name="Google Shape;73;p2"/>
+          <p:cNvSpPr txBox="1"/>
+          <p:nvPr/>
+        </p:nvSpPr>
+        <p:spPr>
+          <a:xfrm>
+            <a:off x="7411277" y="4497388"/>
+            <a:ext cx="1686685" cy="227012"/>
+          </a:xfrm>
+          <a:prstGeom prst="rect">
+            <a:avLst/>
+          </a:prstGeom>
+          <a:noFill/>
+          <a:ln>
+            <a:noFill/>
+          </a:ln>
+        </p:spPr>
+        <p:txBody>
+          <a:bodyPr spcFirstLastPara="1" wrap="square" lIns="91425" tIns="91425" rIns="91425" bIns="91425" anchor="ctr" anchorCtr="0">
+            <a:noAutofit/>
+          </a:bodyPr>
+          <a:lstStyle/>
+          <a:p>
+            <a:pPr marL="0" marR="0" lvl="0" indent="0" algn="r" rtl="0">
+              <a:spcBef>
+                <a:spcPts val="0"/>
+              </a:spcBef>
+              <a:spcAft>
+                <a:spcPts val="0"/>
+              </a:spcAft>
+              <a:buNone/>
+            </a:pPr>
+            <a:r>
+              <a:rPr lang="en-GB" sz="1200" b="0" i="0" u="none" strike="noStrike" cap="none" dirty="0" smtClean="0">
+                <a:solidFill>
+                  <a:srgbClr val="FFFFFF"/>
+                </a:solidFill>
+                <a:latin typeface="Lato"/>
+                <a:ea typeface="Lato"/>
+                <a:cs typeface="Lato"/>
+                <a:sym typeface="Lato"/>
+              </a:rPr>
+              <a:t>                       </a:t>
+            </a:r>
+            <a:r>
+              <a:rPr lang="en-GB" sz="1200" b="0" i="0" u="none" strike="noStrike" cap="none" dirty="0">
+                <a:solidFill>
+                  <a:srgbClr val="FFFFFF"/>
+                </a:solidFill>
+                <a:latin typeface="Lato"/>
+                <a:ea typeface="Lato"/>
+                <a:cs typeface="Lato"/>
+                <a:sym typeface="Lato"/>
+              </a:rPr>
+              <a:t>KYIV 2019</a:t>
+            </a:r>
+            <a:endParaRPr dirty="0"/>
+          </a:p>
+        </p:txBody>
+      </p:sp>
+      <p:pic>
+        <p:nvPicPr>
+          <p:cNvPr id="74" name="Google Shape;74;p2"/>
+          <p:cNvPicPr preferRelativeResize="0"/>
+          <p:nvPr/>
+        </p:nvPicPr>
+        <p:blipFill rotWithShape="1">
+          <a:blip r:embed="rId4">
+            <a:alphaModFix/>
+          </a:blip>
+          <a:srcRect/>
+          <a:stretch/>
+        </p:blipFill>
+        <p:spPr>
+          <a:xfrm>
+            <a:off x="7627938" y="4324350"/>
+            <a:ext cx="573087" cy="571500"/>
+          </a:xfrm>
+          <a:prstGeom prst="rect">
+            <a:avLst/>
+          </a:prstGeom>
+          <a:noFill/>
+          <a:ln>
+            <a:noFill/>
+          </a:ln>
+        </p:spPr>
+      </p:pic>
+      <p:sp>
+        <p:nvSpPr>
+          <p:cNvPr id="76" name="Google Shape;76;p2"/>
+          <p:cNvSpPr txBox="1"/>
+          <p:nvPr/>
+        </p:nvSpPr>
+        <p:spPr>
+          <a:xfrm>
+            <a:off x="987424" y="1599466"/>
+            <a:ext cx="7172325" cy="1107955"/>
+          </a:xfrm>
+          <a:prstGeom prst="rect">
+            <a:avLst/>
+          </a:prstGeom>
+          <a:noFill/>
+          <a:ln>
+            <a:noFill/>
+          </a:ln>
+        </p:spPr>
+        <p:txBody>
+          <a:bodyPr spcFirstLastPara="1" wrap="square" lIns="91425" tIns="45700" rIns="91425" bIns="45700" anchor="t" anchorCtr="0">
+            <a:spAutoFit/>
+          </a:bodyPr>
+          <a:lstStyle/>
+          <a:p>
+            <a:pPr lvl="0" algn="ctr"/>
+            <a:r>
+              <a:rPr lang="en-US" sz="6600" dirty="0" smtClean="0">
+                <a:solidFill>
+                  <a:srgbClr val="7030A0"/>
+                </a:solidFill>
+              </a:rPr>
+              <a:t>Demo</a:t>
+            </a:r>
+            <a:endParaRPr sz="6600" b="0" i="0" u="none" strike="noStrike" cap="none" dirty="0">
+              <a:solidFill>
+                <a:srgbClr val="7030A0"/>
+              </a:solidFill>
+              <a:sym typeface="Arial"/>
+            </a:endParaRPr>
+          </a:p>
+        </p:txBody>
+      </p:sp>
+    </p:spTree>
+    <p:extLst>
+      <p:ext uri="{BB962C8B-B14F-4D97-AF65-F5344CB8AC3E}">
+        <p14:creationId xmlns:p14="http://schemas.microsoft.com/office/powerpoint/2010/main" val="3067874319"/>
+      </p:ext>
+    </p:extLst>
+  </p:cSld>
+  <p:clrMapOvr>
+    <a:masterClrMapping/>
+  </p:clrMapOvr>
+  <p:timing>
+    <p:tnLst>
+      <p:par>
+        <p:cTn id="1" dur="indefinite" restart="never" nodeType="tmRoot"/>
+      </p:par>
+    </p:tnLst>
+  </p:timing>
+</p:sld>
+</file>
+
+<file path=ppt/slides/slide5.xml><?xml version="1.0" encoding="utf-8"?>
+<p:sld xmlns:a="http://schemas.openxmlformats.org/drawingml/2006/main" xmlns:r="http://schemas.openxmlformats.org/officeDocument/2006/relationships" xmlns:p="http://schemas.openxmlformats.org/presentationml/2006/main">
+  <p:cSld>
+    <p:spTree>
+      <p:nvGrpSpPr>
+        <p:cNvPr id="1" name="Shape 65"/>
+        <p:cNvGrpSpPr/>
+        <p:nvPr/>
+      </p:nvGrpSpPr>
+      <p:grpSpPr>
+        <a:xfrm>
+          <a:off x="0" y="0"/>
+          <a:ext cx="0" cy="0"/>
+          <a:chOff x="0" y="0"/>
+          <a:chExt cx="0" cy="0"/>
+        </a:xfrm>
+      </p:grpSpPr>
+      <p:sp>
+        <p:nvSpPr>
+          <p:cNvPr id="66" name="Google Shape;66;p2"/>
+          <p:cNvSpPr txBox="1"/>
+          <p:nvPr/>
+        </p:nvSpPr>
+        <p:spPr>
+          <a:xfrm>
+            <a:off x="1611313" y="2019300"/>
+            <a:ext cx="5953125" cy="1481138"/>
+          </a:xfrm>
+          <a:prstGeom prst="rect">
+            <a:avLst/>
+          </a:prstGeom>
+          <a:noFill/>
+          <a:ln>
+            <a:noFill/>
+          </a:ln>
+        </p:spPr>
+        <p:txBody>
+          <a:bodyPr spcFirstLastPara="1" wrap="square" lIns="91425" tIns="91425" rIns="91425" bIns="91425" anchor="t" anchorCtr="0">
+            <a:noAutofit/>
+          </a:bodyPr>
+          <a:lstStyle/>
+          <a:p>
+            <a:pPr marL="0" marR="0" lvl="0" indent="0" algn="ctr" rtl="0">
+              <a:spcBef>
+                <a:spcPts val="0"/>
+              </a:spcBef>
+              <a:spcAft>
+                <a:spcPts val="0"/>
+              </a:spcAft>
+              <a:buNone/>
+            </a:pPr>
+            <a:r>
+              <a:rPr lang="en-GB" sz="2400" b="1" i="0" u="none" strike="noStrike" cap="none">
+                <a:solidFill>
+                  <a:srgbClr val="434343"/>
+                </a:solidFill>
+                <a:latin typeface="Lato"/>
+                <a:ea typeface="Lato"/>
+                <a:cs typeface="Lato"/>
+                <a:sym typeface="Lato"/>
+              </a:rPr>
+              <a:t>Тема доклада</a:t>
+            </a:r>
+            <a:endParaRPr sz="2400" b="1" i="0" u="none" strike="noStrike" cap="none">
+              <a:solidFill>
+                <a:srgbClr val="434343"/>
+              </a:solidFill>
+              <a:latin typeface="Lato"/>
+              <a:ea typeface="Lato"/>
+              <a:cs typeface="Lato"/>
+              <a:sym typeface="Lato"/>
+            </a:endParaRPr>
+          </a:p>
+          <a:p>
+            <a:pPr marL="0" marR="0" lvl="0" indent="0" algn="ctr" rtl="0">
+              <a:spcBef>
+                <a:spcPts val="0"/>
+              </a:spcBef>
+              <a:spcAft>
+                <a:spcPts val="0"/>
+              </a:spcAft>
+              <a:buNone/>
+            </a:pPr>
+            <a:r>
+              <a:rPr lang="en-GB" sz="2400" b="1" i="0" u="none" strike="noStrike" cap="none">
+                <a:solidFill>
+                  <a:srgbClr val="434343"/>
+                </a:solidFill>
+                <a:latin typeface="Lato"/>
+                <a:ea typeface="Lato"/>
+                <a:cs typeface="Lato"/>
+                <a:sym typeface="Lato"/>
+              </a:rPr>
+              <a:t>Тема доклада</a:t>
+            </a:r>
+            <a:endParaRPr sz="2400" b="1" i="0" u="none" strike="noStrike" cap="none">
+              <a:solidFill>
+                <a:srgbClr val="434343"/>
+              </a:solidFill>
+              <a:latin typeface="Lato"/>
+              <a:ea typeface="Lato"/>
+              <a:cs typeface="Lato"/>
+              <a:sym typeface="Lato"/>
+            </a:endParaRPr>
+          </a:p>
+          <a:p>
+            <a:pPr marL="0" marR="0" lvl="0" indent="0" algn="ctr" rtl="0">
+              <a:spcBef>
+                <a:spcPts val="0"/>
+              </a:spcBef>
+              <a:spcAft>
+                <a:spcPts val="0"/>
+              </a:spcAft>
+              <a:buNone/>
+            </a:pPr>
+            <a:r>
+              <a:rPr lang="en-GB" sz="2400" b="1" i="0" u="none" strike="noStrike" cap="none">
+                <a:solidFill>
+                  <a:srgbClr val="434343"/>
+                </a:solidFill>
+                <a:latin typeface="Lato"/>
+                <a:ea typeface="Lato"/>
+                <a:cs typeface="Lato"/>
+                <a:sym typeface="Lato"/>
+              </a:rPr>
+              <a:t>Тема доклада</a:t>
+            </a:r>
+            <a:endParaRPr sz="2400" b="1" i="0" u="none" strike="noStrike" cap="none">
+              <a:solidFill>
+                <a:srgbClr val="434343"/>
+              </a:solidFill>
+              <a:latin typeface="Lato"/>
+              <a:ea typeface="Lato"/>
+              <a:cs typeface="Lato"/>
+              <a:sym typeface="Lato"/>
+            </a:endParaRPr>
+          </a:p>
+        </p:txBody>
+      </p:sp>
+      <p:pic>
+        <p:nvPicPr>
+          <p:cNvPr id="67" name="Google Shape;67;p2"/>
+          <p:cNvPicPr preferRelativeResize="0"/>
+          <p:nvPr/>
+        </p:nvPicPr>
+        <p:blipFill rotWithShape="1">
+          <a:blip r:embed="rId3">
+            <a:alphaModFix/>
+          </a:blip>
+          <a:srcRect/>
+          <a:stretch/>
+        </p:blipFill>
+        <p:spPr>
+          <a:xfrm>
+            <a:off x="6626" y="6625"/>
+            <a:ext cx="9144000" cy="5143500"/>
+          </a:xfrm>
+          <a:prstGeom prst="rect">
+            <a:avLst/>
+          </a:prstGeom>
+          <a:noFill/>
+          <a:ln>
+            <a:noFill/>
+          </a:ln>
+        </p:spPr>
+      </p:pic>
+      <p:sp>
+        <p:nvSpPr>
+          <p:cNvPr id="68" name="Google Shape;68;p2"/>
+          <p:cNvSpPr/>
+          <p:nvPr/>
+        </p:nvSpPr>
+        <p:spPr>
+          <a:xfrm>
+            <a:off x="3175" y="4486275"/>
+            <a:ext cx="9140825" cy="247650"/>
+          </a:xfrm>
+          <a:prstGeom prst="rect">
+            <a:avLst/>
+          </a:prstGeom>
+          <a:solidFill>
+            <a:srgbClr val="8A4E97"/>
+          </a:solidFill>
+          <a:ln>
+            <a:noFill/>
+          </a:ln>
+        </p:spPr>
+        <p:txBody>
+          <a:bodyPr spcFirstLastPara="1" wrap="square" lIns="91425" tIns="91425" rIns="91425" bIns="91425" anchor="ctr" anchorCtr="0">
+            <a:noAutofit/>
+          </a:bodyPr>
+          <a:lstStyle/>
+          <a:p>
+            <a:pPr marL="0" marR="0" lvl="0" indent="0" algn="l" rtl="0">
+              <a:spcBef>
+                <a:spcPts val="0"/>
+              </a:spcBef>
+              <a:spcAft>
+                <a:spcPts val="0"/>
+              </a:spcAft>
+              <a:buNone/>
+            </a:pPr>
+            <a:endParaRPr sz="1400" b="0" i="0" u="none" strike="noStrike" cap="none">
+              <a:solidFill>
+                <a:srgbClr val="000000"/>
+              </a:solidFill>
+              <a:latin typeface="Arial"/>
+              <a:ea typeface="Arial"/>
+              <a:cs typeface="Arial"/>
+              <a:sym typeface="Arial"/>
+            </a:endParaRPr>
+          </a:p>
+        </p:txBody>
+      </p:sp>
+      <p:sp>
+        <p:nvSpPr>
+          <p:cNvPr id="69" name="Google Shape;69;p2"/>
+          <p:cNvSpPr/>
+          <p:nvPr/>
+        </p:nvSpPr>
+        <p:spPr>
+          <a:xfrm>
+            <a:off x="15875" y="490538"/>
+            <a:ext cx="7548563" cy="788987"/>
+          </a:xfrm>
+          <a:prstGeom prst="rect">
+            <a:avLst/>
+          </a:prstGeom>
+          <a:solidFill>
+            <a:srgbClr val="8A4E97"/>
+          </a:solidFill>
+          <a:ln>
+            <a:noFill/>
+          </a:ln>
+        </p:spPr>
+        <p:txBody>
+          <a:bodyPr spcFirstLastPara="1" wrap="square" lIns="91425" tIns="91425" rIns="91425" bIns="91425" anchor="ctr" anchorCtr="0">
+            <a:noAutofit/>
+          </a:bodyPr>
+          <a:lstStyle/>
+          <a:p>
+            <a:pPr marL="0" marR="0" lvl="0" indent="0" algn="l" rtl="0">
+              <a:spcBef>
+                <a:spcPts val="0"/>
+              </a:spcBef>
+              <a:spcAft>
+                <a:spcPts val="0"/>
+              </a:spcAft>
+              <a:buNone/>
+            </a:pPr>
+            <a:endParaRPr sz="1400" b="0" i="0" u="none" strike="noStrike" cap="none">
+              <a:solidFill>
+                <a:srgbClr val="000000"/>
+              </a:solidFill>
+              <a:latin typeface="Arial"/>
+              <a:ea typeface="Arial"/>
+              <a:cs typeface="Arial"/>
+              <a:sym typeface="Arial"/>
+            </a:endParaRPr>
+          </a:p>
+        </p:txBody>
+      </p:sp>
+      <p:sp>
+        <p:nvSpPr>
+          <p:cNvPr id="70" name="Google Shape;70;p2"/>
+          <p:cNvSpPr/>
+          <p:nvPr/>
+        </p:nvSpPr>
+        <p:spPr>
+          <a:xfrm>
+            <a:off x="7616825" y="4306888"/>
+            <a:ext cx="595313" cy="608012"/>
+          </a:xfrm>
+          <a:prstGeom prst="rect">
+            <a:avLst/>
+          </a:prstGeom>
+          <a:solidFill>
+            <a:srgbClr val="FFFFFF"/>
+          </a:solidFill>
+          <a:ln>
+            <a:noFill/>
+          </a:ln>
+        </p:spPr>
+        <p:txBody>
+          <a:bodyPr spcFirstLastPara="1" wrap="square" lIns="91425" tIns="91425" rIns="91425" bIns="91425" anchor="ctr" anchorCtr="0">
+            <a:noAutofit/>
+          </a:bodyPr>
+          <a:lstStyle/>
+          <a:p>
+            <a:pPr marL="0" marR="0" lvl="0" indent="0" algn="l" rtl="0">
+              <a:spcBef>
+                <a:spcPts val="0"/>
+              </a:spcBef>
+              <a:spcAft>
+                <a:spcPts val="0"/>
+              </a:spcAft>
+              <a:buNone/>
+            </a:pPr>
+            <a:endParaRPr sz="1400" b="0" i="0" u="none" strike="noStrike" cap="none">
+              <a:solidFill>
+                <a:srgbClr val="000000"/>
+              </a:solidFill>
+              <a:latin typeface="Arial"/>
+              <a:ea typeface="Arial"/>
+              <a:cs typeface="Arial"/>
+              <a:sym typeface="Arial"/>
+            </a:endParaRPr>
+          </a:p>
+        </p:txBody>
+      </p:sp>
+      <p:sp>
+        <p:nvSpPr>
+          <p:cNvPr id="71" name="Google Shape;71;p2"/>
+          <p:cNvSpPr txBox="1"/>
+          <p:nvPr/>
+        </p:nvSpPr>
+        <p:spPr>
+          <a:xfrm>
+            <a:off x="100013" y="4497388"/>
+            <a:ext cx="5048250" cy="227012"/>
+          </a:xfrm>
+          <a:prstGeom prst="rect">
+            <a:avLst/>
+          </a:prstGeom>
+          <a:solidFill>
+            <a:srgbClr val="8A4E97"/>
+          </a:solidFill>
+          <a:ln>
+            <a:noFill/>
+          </a:ln>
+        </p:spPr>
+        <p:txBody>
+          <a:bodyPr spcFirstLastPara="1" wrap="square" lIns="91425" tIns="91425" rIns="91425" bIns="91425" anchor="ctr" anchorCtr="0">
+            <a:noAutofit/>
+          </a:bodyPr>
+          <a:lstStyle/>
+          <a:p>
+            <a:pPr marL="0" marR="0" lvl="0" indent="0" algn="l" rtl="0">
+              <a:spcBef>
+                <a:spcPts val="0"/>
+              </a:spcBef>
+              <a:spcAft>
+                <a:spcPts val="0"/>
+              </a:spcAft>
+              <a:buNone/>
+            </a:pPr>
+            <a:r>
+              <a:rPr lang="en-GB" sz="1200" b="1" i="0" u="none" strike="noStrike" cap="none" dirty="0">
+                <a:solidFill>
+                  <a:srgbClr val="FFFFFF"/>
+                </a:solidFill>
+                <a:latin typeface="Lato"/>
+                <a:ea typeface="Lato"/>
+                <a:cs typeface="Lato"/>
+                <a:sym typeface="Lato"/>
+              </a:rPr>
+              <a:t>.NET LEVEL UP</a:t>
+            </a:r>
+            <a:endParaRPr sz="1400" b="1" i="0" u="none" strike="noStrike" cap="none" dirty="0">
+              <a:solidFill>
+                <a:srgbClr val="FFFFFF"/>
+              </a:solidFill>
+              <a:latin typeface="Lato"/>
+              <a:ea typeface="Lato"/>
+              <a:cs typeface="Lato"/>
+              <a:sym typeface="Lato"/>
+            </a:endParaRPr>
+          </a:p>
+        </p:txBody>
+      </p:sp>
+      <p:sp>
+        <p:nvSpPr>
+          <p:cNvPr id="72" name="Google Shape;72;p2"/>
+          <p:cNvSpPr txBox="1"/>
+          <p:nvPr/>
+        </p:nvSpPr>
+        <p:spPr>
+          <a:xfrm>
+            <a:off x="1200150" y="565150"/>
+            <a:ext cx="5954713" cy="573088"/>
+          </a:xfrm>
+          <a:prstGeom prst="rect">
+            <a:avLst/>
+          </a:prstGeom>
+          <a:noFill/>
+          <a:ln>
+            <a:noFill/>
+          </a:ln>
+        </p:spPr>
+        <p:txBody>
+          <a:bodyPr spcFirstLastPara="1" wrap="square" lIns="91425" tIns="91425" rIns="91425" bIns="91425" anchor="t" anchorCtr="0">
+            <a:noAutofit/>
+          </a:bodyPr>
+          <a:lstStyle/>
+          <a:p>
+            <a:pPr marL="0" marR="0" lvl="0" indent="0" algn="ctr" rtl="0">
+              <a:spcBef>
+                <a:spcPts val="0"/>
+              </a:spcBef>
+              <a:spcAft>
+                <a:spcPts val="0"/>
+              </a:spcAft>
+              <a:buNone/>
+            </a:pPr>
+            <a:r>
+              <a:rPr lang="en-US" sz="2400" dirty="0" smtClean="0">
+                <a:solidFill>
+                  <a:srgbClr val="FFFFFF"/>
+                </a:solidFill>
+                <a:latin typeface="Lato"/>
+                <a:ea typeface="Lato"/>
+                <a:cs typeface="Lato"/>
+                <a:sym typeface="Lato"/>
+              </a:rPr>
+              <a:t>CQS </a:t>
+            </a:r>
+            <a:r>
+              <a:rPr lang="ru-RU" sz="2400" dirty="0" smtClean="0">
+                <a:solidFill>
+                  <a:srgbClr val="FFFFFF"/>
+                </a:solidFill>
+                <a:latin typeface="Lato"/>
+                <a:ea typeface="Lato"/>
+                <a:cs typeface="Lato"/>
+                <a:sym typeface="Lato"/>
+              </a:rPr>
+              <a:t>Архитектура</a:t>
+            </a:r>
+            <a:endParaRPr sz="2400" b="0" i="0" u="none" strike="noStrike" cap="none" dirty="0">
+              <a:solidFill>
+                <a:srgbClr val="FFFFFF"/>
+              </a:solidFill>
+              <a:latin typeface="Lato"/>
+              <a:ea typeface="Lato"/>
+              <a:cs typeface="Lato"/>
+              <a:sym typeface="Lato"/>
+            </a:endParaRPr>
+          </a:p>
+        </p:txBody>
+      </p:sp>
+      <p:sp>
+        <p:nvSpPr>
+          <p:cNvPr id="73" name="Google Shape;73;p2"/>
+          <p:cNvSpPr txBox="1"/>
+          <p:nvPr/>
+        </p:nvSpPr>
+        <p:spPr>
+          <a:xfrm>
+            <a:off x="7411277" y="4497388"/>
+            <a:ext cx="1686685" cy="227012"/>
+          </a:xfrm>
+          <a:prstGeom prst="rect">
+            <a:avLst/>
+          </a:prstGeom>
+          <a:noFill/>
+          <a:ln>
+            <a:noFill/>
+          </a:ln>
+        </p:spPr>
+        <p:txBody>
+          <a:bodyPr spcFirstLastPara="1" wrap="square" lIns="91425" tIns="91425" rIns="91425" bIns="91425" anchor="ctr" anchorCtr="0">
+            <a:noAutofit/>
+          </a:bodyPr>
+          <a:lstStyle/>
+          <a:p>
+            <a:pPr marL="0" marR="0" lvl="0" indent="0" algn="r" rtl="0">
+              <a:spcBef>
+                <a:spcPts val="0"/>
+              </a:spcBef>
+              <a:spcAft>
+                <a:spcPts val="0"/>
+              </a:spcAft>
+              <a:buNone/>
+            </a:pPr>
+            <a:r>
+              <a:rPr lang="en-GB" sz="1200" b="0" i="0" u="none" strike="noStrike" cap="none" dirty="0" smtClean="0">
+                <a:solidFill>
+                  <a:srgbClr val="FFFFFF"/>
+                </a:solidFill>
+                <a:latin typeface="Lato"/>
+                <a:ea typeface="Lato"/>
+                <a:cs typeface="Lato"/>
+                <a:sym typeface="Lato"/>
+              </a:rPr>
+              <a:t>                       </a:t>
+            </a:r>
+            <a:r>
+              <a:rPr lang="en-GB" sz="1200" b="0" i="0" u="none" strike="noStrike" cap="none" dirty="0">
+                <a:solidFill>
+                  <a:srgbClr val="FFFFFF"/>
+                </a:solidFill>
+                <a:latin typeface="Lato"/>
+                <a:ea typeface="Lato"/>
+                <a:cs typeface="Lato"/>
+                <a:sym typeface="Lato"/>
+              </a:rPr>
+              <a:t>KYIV 2019</a:t>
+            </a:r>
+            <a:endParaRPr dirty="0"/>
+          </a:p>
+        </p:txBody>
+      </p:sp>
+      <p:pic>
+        <p:nvPicPr>
+          <p:cNvPr id="74" name="Google Shape;74;p2"/>
+          <p:cNvPicPr preferRelativeResize="0"/>
+          <p:nvPr/>
+        </p:nvPicPr>
+        <p:blipFill rotWithShape="1">
+          <a:blip r:embed="rId4">
+            <a:alphaModFix/>
+          </a:blip>
+          <a:srcRect/>
+          <a:stretch/>
+        </p:blipFill>
+        <p:spPr>
+          <a:xfrm>
+            <a:off x="7627938" y="4324350"/>
+            <a:ext cx="573087" cy="571500"/>
+          </a:xfrm>
+          <a:prstGeom prst="rect">
+            <a:avLst/>
+          </a:prstGeom>
+          <a:noFill/>
+          <a:ln>
+            <a:noFill/>
+          </a:ln>
+        </p:spPr>
+      </p:pic>
+      <p:pic>
+        <p:nvPicPr>
+          <p:cNvPr id="75" name="Google Shape;75;p2"/>
+          <p:cNvPicPr preferRelativeResize="0"/>
+          <p:nvPr/>
+        </p:nvPicPr>
+        <p:blipFill rotWithShape="1">
+          <a:blip r:embed="rId5">
+            <a:alphaModFix/>
+          </a:blip>
+          <a:srcRect l="60010"/>
+          <a:stretch/>
+        </p:blipFill>
+        <p:spPr>
+          <a:xfrm rot="-5400000">
+            <a:off x="7863682" y="226218"/>
+            <a:ext cx="787400" cy="1319213"/>
+          </a:xfrm>
+          <a:prstGeom prst="rect">
+            <a:avLst/>
+          </a:prstGeom>
+          <a:noFill/>
+          <a:ln>
+            <a:noFill/>
+          </a:ln>
+        </p:spPr>
+      </p:pic>
+      <p:sp>
+        <p:nvSpPr>
+          <p:cNvPr id="76" name="Google Shape;76;p2"/>
+          <p:cNvSpPr txBox="1"/>
+          <p:nvPr/>
+        </p:nvSpPr>
+        <p:spPr>
+          <a:xfrm>
+            <a:off x="778427" y="1557676"/>
+            <a:ext cx="7172325" cy="1631175"/>
+          </a:xfrm>
+          <a:prstGeom prst="rect">
+            <a:avLst/>
+          </a:prstGeom>
+          <a:noFill/>
+          <a:ln>
+            <a:noFill/>
+          </a:ln>
+        </p:spPr>
+        <p:txBody>
+          <a:bodyPr spcFirstLastPara="1" wrap="square" lIns="91425" tIns="45700" rIns="91425" bIns="45700" anchor="t" anchorCtr="0">
+            <a:spAutoFit/>
+          </a:bodyPr>
+          <a:lstStyle/>
+          <a:p>
+            <a:pPr lvl="0"/>
+            <a:r>
+              <a:rPr lang="en-GB" sz="2000" dirty="0">
+                <a:hlinkClick r:id="rId6"/>
+              </a:rPr>
+              <a:t>https://blogs.cuttingedge.it/steven/posts/2011/meanwhile-on-the-command-side-of-my-architecture</a:t>
+            </a:r>
+            <a:r>
+              <a:rPr lang="en-GB" sz="2000" dirty="0" smtClean="0">
+                <a:hlinkClick r:id="rId6"/>
+              </a:rPr>
+              <a:t>/</a:t>
+            </a:r>
+            <a:endParaRPr lang="ru-RU" sz="2000" dirty="0" smtClean="0"/>
+          </a:p>
+          <a:p>
+            <a:pPr lvl="0"/>
+            <a:endParaRPr lang="ru-RU" sz="2000" b="0" i="0" u="none" strike="noStrike" cap="none" dirty="0">
+              <a:solidFill>
+                <a:srgbClr val="000000"/>
+              </a:solidFill>
+              <a:sym typeface="Arial"/>
+            </a:endParaRPr>
+          </a:p>
+          <a:p>
+            <a:pPr lvl="0"/>
+            <a:r>
+              <a:rPr lang="en-GB" sz="2000" dirty="0">
+                <a:hlinkClick r:id="rId7"/>
+              </a:rPr>
+              <a:t>https://blogs.cuttingedge.it/steven/posts/2011/meanwhile-on-the-query-side-of-my-architecture/</a:t>
+            </a:r>
+            <a:endParaRPr sz="2000" b="0" i="0" u="none" strike="noStrike" cap="none" dirty="0">
+              <a:solidFill>
+                <a:srgbClr val="000000"/>
+              </a:solidFill>
+              <a:sym typeface="Arial"/>
+            </a:endParaRPr>
+          </a:p>
+        </p:txBody>
+      </p:sp>
+    </p:spTree>
+  </p:cSld>
+  <p:clrMapOvr>
+    <a:masterClrMapping/>
+  </p:clrMapOvr>
+  <p:timing>
+    <p:tnLst>
+      <p:par>
+        <p:cTn id="1" dur="indefinite" restart="never" nodeType="tmRoot"/>
+      </p:par>
+    </p:tnLst>
+  </p:timing>
+</p:sld>
+</file>
+
+<file path=ppt/slides/slide6.xml><?xml version="1.0" encoding="utf-8"?>
 <p:sld xmlns:a="http://schemas.openxmlformats.org/drawingml/2006/main" xmlns:r="http://schemas.openxmlformats.org/officeDocument/2006/relationships" xmlns:p="http://schemas.openxmlformats.org/presentationml/2006/main">
   <p:cSld>
     <p:spTree>
@@ -9581,7 +11247,7 @@
 </p:sld>
 </file>
 
-<file path=ppt/slides/slide11.xml><?xml version="1.0" encoding="utf-8"?>
+<file path=ppt/slides/slide7.xml><?xml version="1.0" encoding="utf-8"?>
 <p:sld xmlns:a="http://schemas.openxmlformats.org/drawingml/2006/main" xmlns:r="http://schemas.openxmlformats.org/officeDocument/2006/relationships" xmlns:p="http://schemas.openxmlformats.org/presentationml/2006/main">
   <p:cSld>
     <p:spTree>
@@ -10138,2261 +11804,6 @@
         <p14:creationId xmlns:p14="http://schemas.microsoft.com/office/powerpoint/2010/main" val="542495676"/>
       </p:ext>
     </p:extLst>
-  </p:cSld>
-  <p:clrMapOvr>
-    <a:masterClrMapping/>
-  </p:clrMapOvr>
-  <p:timing>
-    <p:tnLst>
-      <p:par>
-        <p:cTn id="1" dur="indefinite" restart="never" nodeType="tmRoot"/>
-      </p:par>
-    </p:tnLst>
-  </p:timing>
-</p:sld>
-</file>
-
-<file path=ppt/slides/slide2.xml><?xml version="1.0" encoding="utf-8"?>
-<p:sld xmlns:a="http://schemas.openxmlformats.org/drawingml/2006/main" xmlns:r="http://schemas.openxmlformats.org/officeDocument/2006/relationships" xmlns:p="http://schemas.openxmlformats.org/presentationml/2006/main">
-  <p:cSld>
-    <p:spTree>
-      <p:nvGrpSpPr>
-        <p:cNvPr id="1" name=""/>
-        <p:cNvGrpSpPr/>
-        <p:nvPr/>
-      </p:nvGrpSpPr>
-      <p:grpSpPr>
-        <a:xfrm>
-          <a:off x="0" y="0"/>
-          <a:ext cx="0" cy="0"/>
-          <a:chOff x="0" y="0"/>
-          <a:chExt cx="0" cy="0"/>
-        </a:xfrm>
-      </p:grpSpPr>
-      <p:sp>
-        <p:nvSpPr>
-          <p:cNvPr id="2" name="Title 1"/>
-          <p:cNvSpPr>
-            <a:spLocks noGrp="1"/>
-          </p:cNvSpPr>
-          <p:nvPr>
-            <p:ph type="title"/>
-          </p:nvPr>
-        </p:nvSpPr>
-        <p:spPr/>
-        <p:txBody>
-          <a:bodyPr/>
-          <a:lstStyle/>
-          <a:p>
-            <a:endParaRPr lang="en-US"/>
-          </a:p>
-        </p:txBody>
-      </p:sp>
-    </p:spTree>
-    <p:extLst>
-      <p:ext uri="{BB962C8B-B14F-4D97-AF65-F5344CB8AC3E}">
-        <p14:creationId xmlns:p14="http://schemas.microsoft.com/office/powerpoint/2010/main" val="428607958"/>
-      </p:ext>
-    </p:extLst>
-  </p:cSld>
-  <p:clrMapOvr>
-    <a:masterClrMapping/>
-  </p:clrMapOvr>
-</p:sld>
-</file>
-
-<file path=ppt/slides/slide3.xml><?xml version="1.0" encoding="utf-8"?>
-<p:sld xmlns:a="http://schemas.openxmlformats.org/drawingml/2006/main" xmlns:r="http://schemas.openxmlformats.org/officeDocument/2006/relationships" xmlns:p="http://schemas.openxmlformats.org/presentationml/2006/main">
-  <p:cSld>
-    <p:spTree>
-      <p:nvGrpSpPr>
-        <p:cNvPr id="1" name=""/>
-        <p:cNvGrpSpPr/>
-        <p:nvPr/>
-      </p:nvGrpSpPr>
-      <p:grpSpPr>
-        <a:xfrm>
-          <a:off x="0" y="0"/>
-          <a:ext cx="0" cy="0"/>
-          <a:chOff x="0" y="0"/>
-          <a:chExt cx="0" cy="0"/>
-        </a:xfrm>
-      </p:grpSpPr>
-      <p:sp>
-        <p:nvSpPr>
-          <p:cNvPr id="2" name="Title 1"/>
-          <p:cNvSpPr>
-            <a:spLocks noGrp="1"/>
-          </p:cNvSpPr>
-          <p:nvPr>
-            <p:ph type="title"/>
-          </p:nvPr>
-        </p:nvSpPr>
-        <p:spPr/>
-        <p:txBody>
-          <a:bodyPr/>
-          <a:lstStyle/>
-          <a:p>
-            <a:endParaRPr lang="en-US"/>
-          </a:p>
-        </p:txBody>
-      </p:sp>
-    </p:spTree>
-    <p:extLst>
-      <p:ext uri="{BB962C8B-B14F-4D97-AF65-F5344CB8AC3E}">
-        <p14:creationId xmlns:p14="http://schemas.microsoft.com/office/powerpoint/2010/main" val="3559589908"/>
-      </p:ext>
-    </p:extLst>
-  </p:cSld>
-  <p:clrMapOvr>
-    <a:masterClrMapping/>
-  </p:clrMapOvr>
-</p:sld>
-</file>
-
-<file path=ppt/slides/slide4.xml><?xml version="1.0" encoding="utf-8"?>
-<p:sld xmlns:a="http://schemas.openxmlformats.org/drawingml/2006/main" xmlns:r="http://schemas.openxmlformats.org/officeDocument/2006/relationships" xmlns:p="http://schemas.openxmlformats.org/presentationml/2006/main">
-  <p:cSld>
-    <p:spTree>
-      <p:nvGrpSpPr>
-        <p:cNvPr id="1" name=""/>
-        <p:cNvGrpSpPr/>
-        <p:nvPr/>
-      </p:nvGrpSpPr>
-      <p:grpSpPr>
-        <a:xfrm>
-          <a:off x="0" y="0"/>
-          <a:ext cx="0" cy="0"/>
-          <a:chOff x="0" y="0"/>
-          <a:chExt cx="0" cy="0"/>
-        </a:xfrm>
-      </p:grpSpPr>
-      <p:sp>
-        <p:nvSpPr>
-          <p:cNvPr id="2" name="Title 1"/>
-          <p:cNvSpPr>
-            <a:spLocks noGrp="1"/>
-          </p:cNvSpPr>
-          <p:nvPr>
-            <p:ph type="title"/>
-          </p:nvPr>
-        </p:nvSpPr>
-        <p:spPr/>
-        <p:txBody>
-          <a:bodyPr/>
-          <a:lstStyle/>
-          <a:p>
-            <a:endParaRPr lang="en-US"/>
-          </a:p>
-        </p:txBody>
-      </p:sp>
-    </p:spTree>
-    <p:extLst>
-      <p:ext uri="{BB962C8B-B14F-4D97-AF65-F5344CB8AC3E}">
-        <p14:creationId xmlns:p14="http://schemas.microsoft.com/office/powerpoint/2010/main" val="3684287365"/>
-      </p:ext>
-    </p:extLst>
-  </p:cSld>
-  <p:clrMapOvr>
-    <a:masterClrMapping/>
-  </p:clrMapOvr>
-</p:sld>
-</file>
-
-<file path=ppt/slides/slide5.xml><?xml version="1.0" encoding="utf-8"?>
-<p:sld xmlns:a="http://schemas.openxmlformats.org/drawingml/2006/main" xmlns:r="http://schemas.openxmlformats.org/officeDocument/2006/relationships" xmlns:p="http://schemas.openxmlformats.org/presentationml/2006/main">
-  <p:cSld>
-    <p:spTree>
-      <p:nvGrpSpPr>
-        <p:cNvPr id="1" name=""/>
-        <p:cNvGrpSpPr/>
-        <p:nvPr/>
-      </p:nvGrpSpPr>
-      <p:grpSpPr>
-        <a:xfrm>
-          <a:off x="0" y="0"/>
-          <a:ext cx="0" cy="0"/>
-          <a:chOff x="0" y="0"/>
-          <a:chExt cx="0" cy="0"/>
-        </a:xfrm>
-      </p:grpSpPr>
-      <p:sp>
-        <p:nvSpPr>
-          <p:cNvPr id="2" name="Title 1"/>
-          <p:cNvSpPr>
-            <a:spLocks noGrp="1"/>
-          </p:cNvSpPr>
-          <p:nvPr>
-            <p:ph type="title"/>
-          </p:nvPr>
-        </p:nvSpPr>
-        <p:spPr/>
-        <p:txBody>
-          <a:bodyPr/>
-          <a:lstStyle/>
-          <a:p>
-            <a:endParaRPr lang="en-US"/>
-          </a:p>
-        </p:txBody>
-      </p:sp>
-    </p:spTree>
-    <p:extLst>
-      <p:ext uri="{BB962C8B-B14F-4D97-AF65-F5344CB8AC3E}">
-        <p14:creationId xmlns:p14="http://schemas.microsoft.com/office/powerpoint/2010/main" val="290254502"/>
-      </p:ext>
-    </p:extLst>
-  </p:cSld>
-  <p:clrMapOvr>
-    <a:masterClrMapping/>
-  </p:clrMapOvr>
-</p:sld>
-</file>
-
-<file path=ppt/slides/slide6.xml><?xml version="1.0" encoding="utf-8"?>
-<p:sld xmlns:a="http://schemas.openxmlformats.org/drawingml/2006/main" xmlns:r="http://schemas.openxmlformats.org/officeDocument/2006/relationships" xmlns:p="http://schemas.openxmlformats.org/presentationml/2006/main">
-  <p:cSld>
-    <p:spTree>
-      <p:nvGrpSpPr>
-        <p:cNvPr id="1" name="Shape 65"/>
-        <p:cNvGrpSpPr/>
-        <p:nvPr/>
-      </p:nvGrpSpPr>
-      <p:grpSpPr>
-        <a:xfrm>
-          <a:off x="0" y="0"/>
-          <a:ext cx="0" cy="0"/>
-          <a:chOff x="0" y="0"/>
-          <a:chExt cx="0" cy="0"/>
-        </a:xfrm>
-      </p:grpSpPr>
-      <p:sp>
-        <p:nvSpPr>
-          <p:cNvPr id="66" name="Google Shape;66;p2"/>
-          <p:cNvSpPr txBox="1"/>
-          <p:nvPr/>
-        </p:nvSpPr>
-        <p:spPr>
-          <a:xfrm>
-            <a:off x="1611313" y="2019300"/>
-            <a:ext cx="5953125" cy="1481138"/>
-          </a:xfrm>
-          <a:prstGeom prst="rect">
-            <a:avLst/>
-          </a:prstGeom>
-          <a:noFill/>
-          <a:ln>
-            <a:noFill/>
-          </a:ln>
-        </p:spPr>
-        <p:txBody>
-          <a:bodyPr spcFirstLastPara="1" wrap="square" lIns="91425" tIns="91425" rIns="91425" bIns="91425" anchor="t" anchorCtr="0">
-            <a:noAutofit/>
-          </a:bodyPr>
-          <a:lstStyle/>
-          <a:p>
-            <a:pPr marL="0" marR="0" lvl="0" indent="0" algn="ctr" rtl="0">
-              <a:spcBef>
-                <a:spcPts val="0"/>
-              </a:spcBef>
-              <a:spcAft>
-                <a:spcPts val="0"/>
-              </a:spcAft>
-              <a:buNone/>
-            </a:pPr>
-            <a:r>
-              <a:rPr lang="en-GB" sz="2400" b="1" i="0" u="none" strike="noStrike" cap="none">
-                <a:solidFill>
-                  <a:srgbClr val="434343"/>
-                </a:solidFill>
-                <a:latin typeface="Lato"/>
-                <a:ea typeface="Lato"/>
-                <a:cs typeface="Lato"/>
-                <a:sym typeface="Lato"/>
-              </a:rPr>
-              <a:t>Тема доклада</a:t>
-            </a:r>
-            <a:endParaRPr sz="2400" b="1" i="0" u="none" strike="noStrike" cap="none">
-              <a:solidFill>
-                <a:srgbClr val="434343"/>
-              </a:solidFill>
-              <a:latin typeface="Lato"/>
-              <a:ea typeface="Lato"/>
-              <a:cs typeface="Lato"/>
-              <a:sym typeface="Lato"/>
-            </a:endParaRPr>
-          </a:p>
-          <a:p>
-            <a:pPr marL="0" marR="0" lvl="0" indent="0" algn="ctr" rtl="0">
-              <a:spcBef>
-                <a:spcPts val="0"/>
-              </a:spcBef>
-              <a:spcAft>
-                <a:spcPts val="0"/>
-              </a:spcAft>
-              <a:buNone/>
-            </a:pPr>
-            <a:r>
-              <a:rPr lang="en-GB" sz="2400" b="1" i="0" u="none" strike="noStrike" cap="none">
-                <a:solidFill>
-                  <a:srgbClr val="434343"/>
-                </a:solidFill>
-                <a:latin typeface="Lato"/>
-                <a:ea typeface="Lato"/>
-                <a:cs typeface="Lato"/>
-                <a:sym typeface="Lato"/>
-              </a:rPr>
-              <a:t>Тема доклада</a:t>
-            </a:r>
-            <a:endParaRPr sz="2400" b="1" i="0" u="none" strike="noStrike" cap="none">
-              <a:solidFill>
-                <a:srgbClr val="434343"/>
-              </a:solidFill>
-              <a:latin typeface="Lato"/>
-              <a:ea typeface="Lato"/>
-              <a:cs typeface="Lato"/>
-              <a:sym typeface="Lato"/>
-            </a:endParaRPr>
-          </a:p>
-          <a:p>
-            <a:pPr marL="0" marR="0" lvl="0" indent="0" algn="ctr" rtl="0">
-              <a:spcBef>
-                <a:spcPts val="0"/>
-              </a:spcBef>
-              <a:spcAft>
-                <a:spcPts val="0"/>
-              </a:spcAft>
-              <a:buNone/>
-            </a:pPr>
-            <a:r>
-              <a:rPr lang="en-GB" sz="2400" b="1" i="0" u="none" strike="noStrike" cap="none">
-                <a:solidFill>
-                  <a:srgbClr val="434343"/>
-                </a:solidFill>
-                <a:latin typeface="Lato"/>
-                <a:ea typeface="Lato"/>
-                <a:cs typeface="Lato"/>
-                <a:sym typeface="Lato"/>
-              </a:rPr>
-              <a:t>Тема доклада</a:t>
-            </a:r>
-            <a:endParaRPr sz="2400" b="1" i="0" u="none" strike="noStrike" cap="none">
-              <a:solidFill>
-                <a:srgbClr val="434343"/>
-              </a:solidFill>
-              <a:latin typeface="Lato"/>
-              <a:ea typeface="Lato"/>
-              <a:cs typeface="Lato"/>
-              <a:sym typeface="Lato"/>
-            </a:endParaRPr>
-          </a:p>
-        </p:txBody>
-      </p:sp>
-      <p:pic>
-        <p:nvPicPr>
-          <p:cNvPr id="67" name="Google Shape;67;p2"/>
-          <p:cNvPicPr preferRelativeResize="0"/>
-          <p:nvPr/>
-        </p:nvPicPr>
-        <p:blipFill rotWithShape="1">
-          <a:blip r:embed="rId3">
-            <a:alphaModFix/>
-          </a:blip>
-          <a:srcRect/>
-          <a:stretch/>
-        </p:blipFill>
-        <p:spPr>
-          <a:xfrm>
-            <a:off x="13252" y="-1"/>
-            <a:ext cx="9144000" cy="5143500"/>
-          </a:xfrm>
-          <a:prstGeom prst="rect">
-            <a:avLst/>
-          </a:prstGeom>
-          <a:noFill/>
-          <a:ln>
-            <a:noFill/>
-          </a:ln>
-        </p:spPr>
-      </p:pic>
-      <p:sp>
-        <p:nvSpPr>
-          <p:cNvPr id="68" name="Google Shape;68;p2"/>
-          <p:cNvSpPr/>
-          <p:nvPr/>
-        </p:nvSpPr>
-        <p:spPr>
-          <a:xfrm>
-            <a:off x="3175" y="4486275"/>
-            <a:ext cx="9140825" cy="247650"/>
-          </a:xfrm>
-          <a:prstGeom prst="rect">
-            <a:avLst/>
-          </a:prstGeom>
-          <a:solidFill>
-            <a:srgbClr val="8A4E97"/>
-          </a:solidFill>
-          <a:ln>
-            <a:noFill/>
-          </a:ln>
-        </p:spPr>
-        <p:txBody>
-          <a:bodyPr spcFirstLastPara="1" wrap="square" lIns="91425" tIns="91425" rIns="91425" bIns="91425" anchor="ctr" anchorCtr="0">
-            <a:noAutofit/>
-          </a:bodyPr>
-          <a:lstStyle/>
-          <a:p>
-            <a:pPr marL="0" marR="0" lvl="0" indent="0" algn="l" rtl="0">
-              <a:spcBef>
-                <a:spcPts val="0"/>
-              </a:spcBef>
-              <a:spcAft>
-                <a:spcPts val="0"/>
-              </a:spcAft>
-              <a:buNone/>
-            </a:pPr>
-            <a:endParaRPr sz="1400" b="0" i="0" u="none" strike="noStrike" cap="none">
-              <a:solidFill>
-                <a:srgbClr val="000000"/>
-              </a:solidFill>
-              <a:latin typeface="Arial"/>
-              <a:ea typeface="Arial"/>
-              <a:cs typeface="Arial"/>
-              <a:sym typeface="Arial"/>
-            </a:endParaRPr>
-          </a:p>
-        </p:txBody>
-      </p:sp>
-      <p:sp>
-        <p:nvSpPr>
-          <p:cNvPr id="70" name="Google Shape;70;p2"/>
-          <p:cNvSpPr/>
-          <p:nvPr/>
-        </p:nvSpPr>
-        <p:spPr>
-          <a:xfrm>
-            <a:off x="7616825" y="4306888"/>
-            <a:ext cx="595313" cy="608012"/>
-          </a:xfrm>
-          <a:prstGeom prst="rect">
-            <a:avLst/>
-          </a:prstGeom>
-          <a:solidFill>
-            <a:srgbClr val="FFFFFF"/>
-          </a:solidFill>
-          <a:ln>
-            <a:noFill/>
-          </a:ln>
-        </p:spPr>
-        <p:txBody>
-          <a:bodyPr spcFirstLastPara="1" wrap="square" lIns="91425" tIns="91425" rIns="91425" bIns="91425" anchor="ctr" anchorCtr="0">
-            <a:noAutofit/>
-          </a:bodyPr>
-          <a:lstStyle/>
-          <a:p>
-            <a:pPr marL="0" marR="0" lvl="0" indent="0" algn="l" rtl="0">
-              <a:spcBef>
-                <a:spcPts val="0"/>
-              </a:spcBef>
-              <a:spcAft>
-                <a:spcPts val="0"/>
-              </a:spcAft>
-              <a:buNone/>
-            </a:pPr>
-            <a:endParaRPr sz="1400" b="0" i="0" u="none" strike="noStrike" cap="none">
-              <a:solidFill>
-                <a:srgbClr val="000000"/>
-              </a:solidFill>
-              <a:latin typeface="Arial"/>
-              <a:ea typeface="Arial"/>
-              <a:cs typeface="Arial"/>
-              <a:sym typeface="Arial"/>
-            </a:endParaRPr>
-          </a:p>
-        </p:txBody>
-      </p:sp>
-      <p:sp>
-        <p:nvSpPr>
-          <p:cNvPr id="71" name="Google Shape;71;p2"/>
-          <p:cNvSpPr txBox="1"/>
-          <p:nvPr/>
-        </p:nvSpPr>
-        <p:spPr>
-          <a:xfrm>
-            <a:off x="100013" y="4497388"/>
-            <a:ext cx="5048250" cy="227012"/>
-          </a:xfrm>
-          <a:prstGeom prst="rect">
-            <a:avLst/>
-          </a:prstGeom>
-          <a:solidFill>
-            <a:srgbClr val="8A4E97"/>
-          </a:solidFill>
-          <a:ln>
-            <a:noFill/>
-          </a:ln>
-        </p:spPr>
-        <p:txBody>
-          <a:bodyPr spcFirstLastPara="1" wrap="square" lIns="91425" tIns="91425" rIns="91425" bIns="91425" anchor="ctr" anchorCtr="0">
-            <a:noAutofit/>
-          </a:bodyPr>
-          <a:lstStyle/>
-          <a:p>
-            <a:pPr marL="0" marR="0" lvl="0" indent="0" algn="l" rtl="0">
-              <a:spcBef>
-                <a:spcPts val="0"/>
-              </a:spcBef>
-              <a:spcAft>
-                <a:spcPts val="0"/>
-              </a:spcAft>
-              <a:buNone/>
-            </a:pPr>
-            <a:r>
-              <a:rPr lang="en-GB" sz="1200" b="1" i="0" u="none" strike="noStrike" cap="none" dirty="0">
-                <a:solidFill>
-                  <a:srgbClr val="FFFFFF"/>
-                </a:solidFill>
-                <a:latin typeface="Lato"/>
-                <a:ea typeface="Lato"/>
-                <a:cs typeface="Lato"/>
-                <a:sym typeface="Lato"/>
-              </a:rPr>
-              <a:t>.NET LEVEL UP</a:t>
-            </a:r>
-            <a:endParaRPr sz="1400" b="1" i="0" u="none" strike="noStrike" cap="none" dirty="0">
-              <a:solidFill>
-                <a:srgbClr val="FFFFFF"/>
-              </a:solidFill>
-              <a:latin typeface="Lato"/>
-              <a:ea typeface="Lato"/>
-              <a:cs typeface="Lato"/>
-              <a:sym typeface="Lato"/>
-            </a:endParaRPr>
-          </a:p>
-        </p:txBody>
-      </p:sp>
-      <p:sp>
-        <p:nvSpPr>
-          <p:cNvPr id="73" name="Google Shape;73;p2"/>
-          <p:cNvSpPr txBox="1"/>
-          <p:nvPr/>
-        </p:nvSpPr>
-        <p:spPr>
-          <a:xfrm>
-            <a:off x="7411277" y="4497388"/>
-            <a:ext cx="1686685" cy="227012"/>
-          </a:xfrm>
-          <a:prstGeom prst="rect">
-            <a:avLst/>
-          </a:prstGeom>
-          <a:noFill/>
-          <a:ln>
-            <a:noFill/>
-          </a:ln>
-        </p:spPr>
-        <p:txBody>
-          <a:bodyPr spcFirstLastPara="1" wrap="square" lIns="91425" tIns="91425" rIns="91425" bIns="91425" anchor="ctr" anchorCtr="0">
-            <a:noAutofit/>
-          </a:bodyPr>
-          <a:lstStyle/>
-          <a:p>
-            <a:pPr marL="0" marR="0" lvl="0" indent="0" algn="r" rtl="0">
-              <a:spcBef>
-                <a:spcPts val="0"/>
-              </a:spcBef>
-              <a:spcAft>
-                <a:spcPts val="0"/>
-              </a:spcAft>
-              <a:buNone/>
-            </a:pPr>
-            <a:r>
-              <a:rPr lang="en-GB" sz="1200" b="0" i="0" u="none" strike="noStrike" cap="none" dirty="0" smtClean="0">
-                <a:solidFill>
-                  <a:srgbClr val="FFFFFF"/>
-                </a:solidFill>
-                <a:latin typeface="Lato"/>
-                <a:ea typeface="Lato"/>
-                <a:cs typeface="Lato"/>
-                <a:sym typeface="Lato"/>
-              </a:rPr>
-              <a:t>                       </a:t>
-            </a:r>
-            <a:r>
-              <a:rPr lang="en-GB" sz="1200" b="0" i="0" u="none" strike="noStrike" cap="none" dirty="0">
-                <a:solidFill>
-                  <a:srgbClr val="FFFFFF"/>
-                </a:solidFill>
-                <a:latin typeface="Lato"/>
-                <a:ea typeface="Lato"/>
-                <a:cs typeface="Lato"/>
-                <a:sym typeface="Lato"/>
-              </a:rPr>
-              <a:t>KYIV 2019</a:t>
-            </a:r>
-            <a:endParaRPr dirty="0"/>
-          </a:p>
-        </p:txBody>
-      </p:sp>
-      <p:pic>
-        <p:nvPicPr>
-          <p:cNvPr id="74" name="Google Shape;74;p2"/>
-          <p:cNvPicPr preferRelativeResize="0"/>
-          <p:nvPr/>
-        </p:nvPicPr>
-        <p:blipFill rotWithShape="1">
-          <a:blip r:embed="rId4">
-            <a:alphaModFix/>
-          </a:blip>
-          <a:srcRect/>
-          <a:stretch/>
-        </p:blipFill>
-        <p:spPr>
-          <a:xfrm>
-            <a:off x="7627938" y="4324350"/>
-            <a:ext cx="573087" cy="571500"/>
-          </a:xfrm>
-          <a:prstGeom prst="rect">
-            <a:avLst/>
-          </a:prstGeom>
-          <a:noFill/>
-          <a:ln>
-            <a:noFill/>
-          </a:ln>
-        </p:spPr>
-      </p:pic>
-      <p:sp>
-        <p:nvSpPr>
-          <p:cNvPr id="76" name="Google Shape;76;p2"/>
-          <p:cNvSpPr txBox="1"/>
-          <p:nvPr/>
-        </p:nvSpPr>
-        <p:spPr>
-          <a:xfrm>
-            <a:off x="987424" y="1599466"/>
-            <a:ext cx="7172325" cy="1107955"/>
-          </a:xfrm>
-          <a:prstGeom prst="rect">
-            <a:avLst/>
-          </a:prstGeom>
-          <a:noFill/>
-          <a:ln>
-            <a:noFill/>
-          </a:ln>
-        </p:spPr>
-        <p:txBody>
-          <a:bodyPr spcFirstLastPara="1" wrap="square" lIns="91425" tIns="45700" rIns="91425" bIns="45700" anchor="t" anchorCtr="0">
-            <a:spAutoFit/>
-          </a:bodyPr>
-          <a:lstStyle/>
-          <a:p>
-            <a:pPr lvl="0" algn="ctr"/>
-            <a:r>
-              <a:rPr lang="ru-RU" sz="6600" dirty="0" smtClean="0">
-                <a:solidFill>
-                  <a:srgbClr val="7030A0"/>
-                </a:solidFill>
-              </a:rPr>
-              <a:t>Кто я?</a:t>
-            </a:r>
-            <a:endParaRPr sz="6600" b="0" i="0" u="none" strike="noStrike" cap="none" dirty="0">
-              <a:solidFill>
-                <a:srgbClr val="7030A0"/>
-              </a:solidFill>
-              <a:sym typeface="Arial"/>
-            </a:endParaRPr>
-          </a:p>
-        </p:txBody>
-      </p:sp>
-    </p:spTree>
-    <p:extLst>
-      <p:ext uri="{BB962C8B-B14F-4D97-AF65-F5344CB8AC3E}">
-        <p14:creationId xmlns:p14="http://schemas.microsoft.com/office/powerpoint/2010/main" val="4183012851"/>
-      </p:ext>
-    </p:extLst>
-  </p:cSld>
-  <p:clrMapOvr>
-    <a:masterClrMapping/>
-  </p:clrMapOvr>
-  <p:timing>
-    <p:tnLst>
-      <p:par>
-        <p:cTn id="1" dur="indefinite" restart="never" nodeType="tmRoot"/>
-      </p:par>
-    </p:tnLst>
-  </p:timing>
-</p:sld>
-</file>
-
-<file path=ppt/slides/slide7.xml><?xml version="1.0" encoding="utf-8"?>
-<p:sld xmlns:a="http://schemas.openxmlformats.org/drawingml/2006/main" xmlns:r="http://schemas.openxmlformats.org/officeDocument/2006/relationships" xmlns:p="http://schemas.openxmlformats.org/presentationml/2006/main">
-  <p:cSld>
-    <p:spTree>
-      <p:nvGrpSpPr>
-        <p:cNvPr id="1" name="Shape 65"/>
-        <p:cNvGrpSpPr/>
-        <p:nvPr/>
-      </p:nvGrpSpPr>
-      <p:grpSpPr>
-        <a:xfrm>
-          <a:off x="0" y="0"/>
-          <a:ext cx="0" cy="0"/>
-          <a:chOff x="0" y="0"/>
-          <a:chExt cx="0" cy="0"/>
-        </a:xfrm>
-      </p:grpSpPr>
-      <p:sp>
-        <p:nvSpPr>
-          <p:cNvPr id="66" name="Google Shape;66;p2"/>
-          <p:cNvSpPr txBox="1"/>
-          <p:nvPr/>
-        </p:nvSpPr>
-        <p:spPr>
-          <a:xfrm>
-            <a:off x="1611313" y="2019300"/>
-            <a:ext cx="5953125" cy="1481138"/>
-          </a:xfrm>
-          <a:prstGeom prst="rect">
-            <a:avLst/>
-          </a:prstGeom>
-          <a:noFill/>
-          <a:ln>
-            <a:noFill/>
-          </a:ln>
-        </p:spPr>
-        <p:txBody>
-          <a:bodyPr spcFirstLastPara="1" wrap="square" lIns="91425" tIns="91425" rIns="91425" bIns="91425" anchor="t" anchorCtr="0">
-            <a:noAutofit/>
-          </a:bodyPr>
-          <a:lstStyle/>
-          <a:p>
-            <a:pPr marL="0" marR="0" lvl="0" indent="0" algn="ctr" rtl="0">
-              <a:spcBef>
-                <a:spcPts val="0"/>
-              </a:spcBef>
-              <a:spcAft>
-                <a:spcPts val="0"/>
-              </a:spcAft>
-              <a:buNone/>
-            </a:pPr>
-            <a:r>
-              <a:rPr lang="en-GB" sz="2400" b="1" i="0" u="none" strike="noStrike" cap="none">
-                <a:solidFill>
-                  <a:srgbClr val="434343"/>
-                </a:solidFill>
-                <a:latin typeface="Lato"/>
-                <a:ea typeface="Lato"/>
-                <a:cs typeface="Lato"/>
-                <a:sym typeface="Lato"/>
-              </a:rPr>
-              <a:t>Тема доклада</a:t>
-            </a:r>
-            <a:endParaRPr sz="2400" b="1" i="0" u="none" strike="noStrike" cap="none">
-              <a:solidFill>
-                <a:srgbClr val="434343"/>
-              </a:solidFill>
-              <a:latin typeface="Lato"/>
-              <a:ea typeface="Lato"/>
-              <a:cs typeface="Lato"/>
-              <a:sym typeface="Lato"/>
-            </a:endParaRPr>
-          </a:p>
-          <a:p>
-            <a:pPr marL="0" marR="0" lvl="0" indent="0" algn="ctr" rtl="0">
-              <a:spcBef>
-                <a:spcPts val="0"/>
-              </a:spcBef>
-              <a:spcAft>
-                <a:spcPts val="0"/>
-              </a:spcAft>
-              <a:buNone/>
-            </a:pPr>
-            <a:r>
-              <a:rPr lang="en-GB" sz="2400" b="1" i="0" u="none" strike="noStrike" cap="none">
-                <a:solidFill>
-                  <a:srgbClr val="434343"/>
-                </a:solidFill>
-                <a:latin typeface="Lato"/>
-                <a:ea typeface="Lato"/>
-                <a:cs typeface="Lato"/>
-                <a:sym typeface="Lato"/>
-              </a:rPr>
-              <a:t>Тема доклада</a:t>
-            </a:r>
-            <a:endParaRPr sz="2400" b="1" i="0" u="none" strike="noStrike" cap="none">
-              <a:solidFill>
-                <a:srgbClr val="434343"/>
-              </a:solidFill>
-              <a:latin typeface="Lato"/>
-              <a:ea typeface="Lato"/>
-              <a:cs typeface="Lato"/>
-              <a:sym typeface="Lato"/>
-            </a:endParaRPr>
-          </a:p>
-          <a:p>
-            <a:pPr marL="0" marR="0" lvl="0" indent="0" algn="ctr" rtl="0">
-              <a:spcBef>
-                <a:spcPts val="0"/>
-              </a:spcBef>
-              <a:spcAft>
-                <a:spcPts val="0"/>
-              </a:spcAft>
-              <a:buNone/>
-            </a:pPr>
-            <a:r>
-              <a:rPr lang="en-GB" sz="2400" b="1" i="0" u="none" strike="noStrike" cap="none">
-                <a:solidFill>
-                  <a:srgbClr val="434343"/>
-                </a:solidFill>
-                <a:latin typeface="Lato"/>
-                <a:ea typeface="Lato"/>
-                <a:cs typeface="Lato"/>
-                <a:sym typeface="Lato"/>
-              </a:rPr>
-              <a:t>Тема доклада</a:t>
-            </a:r>
-            <a:endParaRPr sz="2400" b="1" i="0" u="none" strike="noStrike" cap="none">
-              <a:solidFill>
-                <a:srgbClr val="434343"/>
-              </a:solidFill>
-              <a:latin typeface="Lato"/>
-              <a:ea typeface="Lato"/>
-              <a:cs typeface="Lato"/>
-              <a:sym typeface="Lato"/>
-            </a:endParaRPr>
-          </a:p>
-        </p:txBody>
-      </p:sp>
-      <p:pic>
-        <p:nvPicPr>
-          <p:cNvPr id="67" name="Google Shape;67;p2"/>
-          <p:cNvPicPr preferRelativeResize="0"/>
-          <p:nvPr/>
-        </p:nvPicPr>
-        <p:blipFill rotWithShape="1">
-          <a:blip r:embed="rId3">
-            <a:alphaModFix/>
-          </a:blip>
-          <a:srcRect/>
-          <a:stretch/>
-        </p:blipFill>
-        <p:spPr>
-          <a:xfrm>
-            <a:off x="9939" y="6625"/>
-            <a:ext cx="9144000" cy="5143500"/>
-          </a:xfrm>
-          <a:prstGeom prst="rect">
-            <a:avLst/>
-          </a:prstGeom>
-          <a:noFill/>
-          <a:ln>
-            <a:noFill/>
-          </a:ln>
-        </p:spPr>
-      </p:pic>
-      <p:sp>
-        <p:nvSpPr>
-          <p:cNvPr id="68" name="Google Shape;68;p2"/>
-          <p:cNvSpPr/>
-          <p:nvPr/>
-        </p:nvSpPr>
-        <p:spPr>
-          <a:xfrm>
-            <a:off x="3175" y="4486275"/>
-            <a:ext cx="9140825" cy="247650"/>
-          </a:xfrm>
-          <a:prstGeom prst="rect">
-            <a:avLst/>
-          </a:prstGeom>
-          <a:solidFill>
-            <a:srgbClr val="8A4E97"/>
-          </a:solidFill>
-          <a:ln>
-            <a:noFill/>
-          </a:ln>
-        </p:spPr>
-        <p:txBody>
-          <a:bodyPr spcFirstLastPara="1" wrap="square" lIns="91425" tIns="91425" rIns="91425" bIns="91425" anchor="ctr" anchorCtr="0">
-            <a:noAutofit/>
-          </a:bodyPr>
-          <a:lstStyle/>
-          <a:p>
-            <a:pPr marL="0" marR="0" lvl="0" indent="0" algn="l" rtl="0">
-              <a:spcBef>
-                <a:spcPts val="0"/>
-              </a:spcBef>
-              <a:spcAft>
-                <a:spcPts val="0"/>
-              </a:spcAft>
-              <a:buNone/>
-            </a:pPr>
-            <a:endParaRPr sz="1400" b="0" i="0" u="none" strike="noStrike" cap="none">
-              <a:solidFill>
-                <a:srgbClr val="000000"/>
-              </a:solidFill>
-              <a:latin typeface="Arial"/>
-              <a:ea typeface="Arial"/>
-              <a:cs typeface="Arial"/>
-              <a:sym typeface="Arial"/>
-            </a:endParaRPr>
-          </a:p>
-        </p:txBody>
-      </p:sp>
-      <p:sp>
-        <p:nvSpPr>
-          <p:cNvPr id="70" name="Google Shape;70;p2"/>
-          <p:cNvSpPr/>
-          <p:nvPr/>
-        </p:nvSpPr>
-        <p:spPr>
-          <a:xfrm>
-            <a:off x="7616825" y="4306888"/>
-            <a:ext cx="595313" cy="608012"/>
-          </a:xfrm>
-          <a:prstGeom prst="rect">
-            <a:avLst/>
-          </a:prstGeom>
-          <a:solidFill>
-            <a:srgbClr val="FFFFFF"/>
-          </a:solidFill>
-          <a:ln>
-            <a:noFill/>
-          </a:ln>
-        </p:spPr>
-        <p:txBody>
-          <a:bodyPr spcFirstLastPara="1" wrap="square" lIns="91425" tIns="91425" rIns="91425" bIns="91425" anchor="ctr" anchorCtr="0">
-            <a:noAutofit/>
-          </a:bodyPr>
-          <a:lstStyle/>
-          <a:p>
-            <a:pPr marL="0" marR="0" lvl="0" indent="0" algn="l" rtl="0">
-              <a:spcBef>
-                <a:spcPts val="0"/>
-              </a:spcBef>
-              <a:spcAft>
-                <a:spcPts val="0"/>
-              </a:spcAft>
-              <a:buNone/>
-            </a:pPr>
-            <a:endParaRPr sz="1400" b="0" i="0" u="none" strike="noStrike" cap="none">
-              <a:solidFill>
-                <a:srgbClr val="000000"/>
-              </a:solidFill>
-              <a:latin typeface="Arial"/>
-              <a:ea typeface="Arial"/>
-              <a:cs typeface="Arial"/>
-              <a:sym typeface="Arial"/>
-            </a:endParaRPr>
-          </a:p>
-        </p:txBody>
-      </p:sp>
-      <p:sp>
-        <p:nvSpPr>
-          <p:cNvPr id="71" name="Google Shape;71;p2"/>
-          <p:cNvSpPr txBox="1"/>
-          <p:nvPr/>
-        </p:nvSpPr>
-        <p:spPr>
-          <a:xfrm>
-            <a:off x="100013" y="4497388"/>
-            <a:ext cx="5048250" cy="227012"/>
-          </a:xfrm>
-          <a:prstGeom prst="rect">
-            <a:avLst/>
-          </a:prstGeom>
-          <a:solidFill>
-            <a:srgbClr val="8A4E97"/>
-          </a:solidFill>
-          <a:ln>
-            <a:noFill/>
-          </a:ln>
-        </p:spPr>
-        <p:txBody>
-          <a:bodyPr spcFirstLastPara="1" wrap="square" lIns="91425" tIns="91425" rIns="91425" bIns="91425" anchor="ctr" anchorCtr="0">
-            <a:noAutofit/>
-          </a:bodyPr>
-          <a:lstStyle/>
-          <a:p>
-            <a:pPr marL="0" marR="0" lvl="0" indent="0" algn="l" rtl="0">
-              <a:spcBef>
-                <a:spcPts val="0"/>
-              </a:spcBef>
-              <a:spcAft>
-                <a:spcPts val="0"/>
-              </a:spcAft>
-              <a:buNone/>
-            </a:pPr>
-            <a:r>
-              <a:rPr lang="en-GB" sz="1200" b="1" i="0" u="none" strike="noStrike" cap="none" dirty="0">
-                <a:solidFill>
-                  <a:srgbClr val="FFFFFF"/>
-                </a:solidFill>
-                <a:latin typeface="Lato"/>
-                <a:ea typeface="Lato"/>
-                <a:cs typeface="Lato"/>
-                <a:sym typeface="Lato"/>
-              </a:rPr>
-              <a:t>.NET LEVEL UP</a:t>
-            </a:r>
-            <a:endParaRPr sz="1400" b="1" i="0" u="none" strike="noStrike" cap="none" dirty="0">
-              <a:solidFill>
-                <a:srgbClr val="FFFFFF"/>
-              </a:solidFill>
-              <a:latin typeface="Lato"/>
-              <a:ea typeface="Lato"/>
-              <a:cs typeface="Lato"/>
-              <a:sym typeface="Lato"/>
-            </a:endParaRPr>
-          </a:p>
-        </p:txBody>
-      </p:sp>
-      <p:sp>
-        <p:nvSpPr>
-          <p:cNvPr id="73" name="Google Shape;73;p2"/>
-          <p:cNvSpPr txBox="1"/>
-          <p:nvPr/>
-        </p:nvSpPr>
-        <p:spPr>
-          <a:xfrm>
-            <a:off x="7411277" y="4497388"/>
-            <a:ext cx="1686685" cy="227012"/>
-          </a:xfrm>
-          <a:prstGeom prst="rect">
-            <a:avLst/>
-          </a:prstGeom>
-          <a:noFill/>
-          <a:ln>
-            <a:noFill/>
-          </a:ln>
-        </p:spPr>
-        <p:txBody>
-          <a:bodyPr spcFirstLastPara="1" wrap="square" lIns="91425" tIns="91425" rIns="91425" bIns="91425" anchor="ctr" anchorCtr="0">
-            <a:noAutofit/>
-          </a:bodyPr>
-          <a:lstStyle/>
-          <a:p>
-            <a:pPr marL="0" marR="0" lvl="0" indent="0" algn="r" rtl="0">
-              <a:spcBef>
-                <a:spcPts val="0"/>
-              </a:spcBef>
-              <a:spcAft>
-                <a:spcPts val="0"/>
-              </a:spcAft>
-              <a:buNone/>
-            </a:pPr>
-            <a:r>
-              <a:rPr lang="en-GB" sz="1200" b="0" i="0" u="none" strike="noStrike" cap="none" dirty="0" smtClean="0">
-                <a:solidFill>
-                  <a:srgbClr val="FFFFFF"/>
-                </a:solidFill>
-                <a:latin typeface="Lato"/>
-                <a:ea typeface="Lato"/>
-                <a:cs typeface="Lato"/>
-                <a:sym typeface="Lato"/>
-              </a:rPr>
-              <a:t>                       </a:t>
-            </a:r>
-            <a:r>
-              <a:rPr lang="en-GB" sz="1200" b="0" i="0" u="none" strike="noStrike" cap="none" dirty="0">
-                <a:solidFill>
-                  <a:srgbClr val="FFFFFF"/>
-                </a:solidFill>
-                <a:latin typeface="Lato"/>
-                <a:ea typeface="Lato"/>
-                <a:cs typeface="Lato"/>
-                <a:sym typeface="Lato"/>
-              </a:rPr>
-              <a:t>KYIV 2019</a:t>
-            </a:r>
-            <a:endParaRPr dirty="0"/>
-          </a:p>
-        </p:txBody>
-      </p:sp>
-      <p:pic>
-        <p:nvPicPr>
-          <p:cNvPr id="74" name="Google Shape;74;p2"/>
-          <p:cNvPicPr preferRelativeResize="0"/>
-          <p:nvPr/>
-        </p:nvPicPr>
-        <p:blipFill rotWithShape="1">
-          <a:blip r:embed="rId4">
-            <a:alphaModFix/>
-          </a:blip>
-          <a:srcRect/>
-          <a:stretch/>
-        </p:blipFill>
-        <p:spPr>
-          <a:xfrm>
-            <a:off x="7627938" y="4324350"/>
-            <a:ext cx="573087" cy="571500"/>
-          </a:xfrm>
-          <a:prstGeom prst="rect">
-            <a:avLst/>
-          </a:prstGeom>
-          <a:noFill/>
-          <a:ln>
-            <a:noFill/>
-          </a:ln>
-        </p:spPr>
-      </p:pic>
-      <p:sp>
-        <p:nvSpPr>
-          <p:cNvPr id="76" name="Google Shape;76;p2"/>
-          <p:cNvSpPr txBox="1"/>
-          <p:nvPr/>
-        </p:nvSpPr>
-        <p:spPr>
-          <a:xfrm>
-            <a:off x="995776" y="1602779"/>
-            <a:ext cx="7172325" cy="1107955"/>
-          </a:xfrm>
-          <a:prstGeom prst="rect">
-            <a:avLst/>
-          </a:prstGeom>
-          <a:noFill/>
-          <a:ln>
-            <a:noFill/>
-          </a:ln>
-        </p:spPr>
-        <p:txBody>
-          <a:bodyPr spcFirstLastPara="1" wrap="square" lIns="91425" tIns="45700" rIns="91425" bIns="45700" anchor="t" anchorCtr="0">
-            <a:spAutoFit/>
-          </a:bodyPr>
-          <a:lstStyle/>
-          <a:p>
-            <a:pPr lvl="0" algn="ctr"/>
-            <a:r>
-              <a:rPr lang="ru-RU" sz="6600" dirty="0" smtClean="0">
-                <a:solidFill>
-                  <a:srgbClr val="7030A0"/>
-                </a:solidFill>
-              </a:rPr>
-              <a:t>Зачем я здесь?</a:t>
-            </a:r>
-            <a:endParaRPr sz="6600" b="0" i="0" u="none" strike="noStrike" cap="none" dirty="0">
-              <a:solidFill>
-                <a:srgbClr val="7030A0"/>
-              </a:solidFill>
-              <a:sym typeface="Arial"/>
-            </a:endParaRPr>
-          </a:p>
-        </p:txBody>
-      </p:sp>
-    </p:spTree>
-    <p:extLst>
-      <p:ext uri="{BB962C8B-B14F-4D97-AF65-F5344CB8AC3E}">
-        <p14:creationId xmlns:p14="http://schemas.microsoft.com/office/powerpoint/2010/main" val="3934616401"/>
-      </p:ext>
-    </p:extLst>
-  </p:cSld>
-  <p:clrMapOvr>
-    <a:masterClrMapping/>
-  </p:clrMapOvr>
-  <p:timing>
-    <p:tnLst>
-      <p:par>
-        <p:cTn id="1" dur="indefinite" restart="never" nodeType="tmRoot"/>
-      </p:par>
-    </p:tnLst>
-  </p:timing>
-</p:sld>
-</file>
-
-<file path=ppt/slides/slide8.xml><?xml version="1.0" encoding="utf-8"?>
-<p:sld xmlns:a="http://schemas.openxmlformats.org/drawingml/2006/main" xmlns:r="http://schemas.openxmlformats.org/officeDocument/2006/relationships" xmlns:p="http://schemas.openxmlformats.org/presentationml/2006/main">
-  <p:cSld>
-    <p:spTree>
-      <p:nvGrpSpPr>
-        <p:cNvPr id="1" name="Shape 65"/>
-        <p:cNvGrpSpPr/>
-        <p:nvPr/>
-      </p:nvGrpSpPr>
-      <p:grpSpPr>
-        <a:xfrm>
-          <a:off x="0" y="0"/>
-          <a:ext cx="0" cy="0"/>
-          <a:chOff x="0" y="0"/>
-          <a:chExt cx="0" cy="0"/>
-        </a:xfrm>
-      </p:grpSpPr>
-      <p:sp>
-        <p:nvSpPr>
-          <p:cNvPr id="66" name="Google Shape;66;p2"/>
-          <p:cNvSpPr txBox="1"/>
-          <p:nvPr/>
-        </p:nvSpPr>
-        <p:spPr>
-          <a:xfrm>
-            <a:off x="1611313" y="2019300"/>
-            <a:ext cx="5953125" cy="1481138"/>
-          </a:xfrm>
-          <a:prstGeom prst="rect">
-            <a:avLst/>
-          </a:prstGeom>
-          <a:noFill/>
-          <a:ln>
-            <a:noFill/>
-          </a:ln>
-        </p:spPr>
-        <p:txBody>
-          <a:bodyPr spcFirstLastPara="1" wrap="square" lIns="91425" tIns="91425" rIns="91425" bIns="91425" anchor="t" anchorCtr="0">
-            <a:noAutofit/>
-          </a:bodyPr>
-          <a:lstStyle/>
-          <a:p>
-            <a:pPr marL="0" marR="0" lvl="0" indent="0" algn="ctr" rtl="0">
-              <a:spcBef>
-                <a:spcPts val="0"/>
-              </a:spcBef>
-              <a:spcAft>
-                <a:spcPts val="0"/>
-              </a:spcAft>
-              <a:buNone/>
-            </a:pPr>
-            <a:r>
-              <a:rPr lang="en-GB" sz="2400" b="1" i="0" u="none" strike="noStrike" cap="none">
-                <a:solidFill>
-                  <a:srgbClr val="434343"/>
-                </a:solidFill>
-                <a:latin typeface="Lato"/>
-                <a:ea typeface="Lato"/>
-                <a:cs typeface="Lato"/>
-                <a:sym typeface="Lato"/>
-              </a:rPr>
-              <a:t>Тема доклада</a:t>
-            </a:r>
-            <a:endParaRPr sz="2400" b="1" i="0" u="none" strike="noStrike" cap="none">
-              <a:solidFill>
-                <a:srgbClr val="434343"/>
-              </a:solidFill>
-              <a:latin typeface="Lato"/>
-              <a:ea typeface="Lato"/>
-              <a:cs typeface="Lato"/>
-              <a:sym typeface="Lato"/>
-            </a:endParaRPr>
-          </a:p>
-          <a:p>
-            <a:pPr marL="0" marR="0" lvl="0" indent="0" algn="ctr" rtl="0">
-              <a:spcBef>
-                <a:spcPts val="0"/>
-              </a:spcBef>
-              <a:spcAft>
-                <a:spcPts val="0"/>
-              </a:spcAft>
-              <a:buNone/>
-            </a:pPr>
-            <a:r>
-              <a:rPr lang="en-GB" sz="2400" b="1" i="0" u="none" strike="noStrike" cap="none">
-                <a:solidFill>
-                  <a:srgbClr val="434343"/>
-                </a:solidFill>
-                <a:latin typeface="Lato"/>
-                <a:ea typeface="Lato"/>
-                <a:cs typeface="Lato"/>
-                <a:sym typeface="Lato"/>
-              </a:rPr>
-              <a:t>Тема доклада</a:t>
-            </a:r>
-            <a:endParaRPr sz="2400" b="1" i="0" u="none" strike="noStrike" cap="none">
-              <a:solidFill>
-                <a:srgbClr val="434343"/>
-              </a:solidFill>
-              <a:latin typeface="Lato"/>
-              <a:ea typeface="Lato"/>
-              <a:cs typeface="Lato"/>
-              <a:sym typeface="Lato"/>
-            </a:endParaRPr>
-          </a:p>
-          <a:p>
-            <a:pPr marL="0" marR="0" lvl="0" indent="0" algn="ctr" rtl="0">
-              <a:spcBef>
-                <a:spcPts val="0"/>
-              </a:spcBef>
-              <a:spcAft>
-                <a:spcPts val="0"/>
-              </a:spcAft>
-              <a:buNone/>
-            </a:pPr>
-            <a:r>
-              <a:rPr lang="en-GB" sz="2400" b="1" i="0" u="none" strike="noStrike" cap="none">
-                <a:solidFill>
-                  <a:srgbClr val="434343"/>
-                </a:solidFill>
-                <a:latin typeface="Lato"/>
-                <a:ea typeface="Lato"/>
-                <a:cs typeface="Lato"/>
-                <a:sym typeface="Lato"/>
-              </a:rPr>
-              <a:t>Тема доклада</a:t>
-            </a:r>
-            <a:endParaRPr sz="2400" b="1" i="0" u="none" strike="noStrike" cap="none">
-              <a:solidFill>
-                <a:srgbClr val="434343"/>
-              </a:solidFill>
-              <a:latin typeface="Lato"/>
-              <a:ea typeface="Lato"/>
-              <a:cs typeface="Lato"/>
-              <a:sym typeface="Lato"/>
-            </a:endParaRPr>
-          </a:p>
-        </p:txBody>
-      </p:sp>
-      <p:pic>
-        <p:nvPicPr>
-          <p:cNvPr id="67" name="Google Shape;67;p2"/>
-          <p:cNvPicPr preferRelativeResize="0"/>
-          <p:nvPr/>
-        </p:nvPicPr>
-        <p:blipFill rotWithShape="1">
-          <a:blip r:embed="rId3">
-            <a:alphaModFix/>
-          </a:blip>
-          <a:srcRect/>
-          <a:stretch/>
-        </p:blipFill>
-        <p:spPr>
-          <a:xfrm>
-            <a:off x="6626" y="-1"/>
-            <a:ext cx="9144000" cy="5143500"/>
-          </a:xfrm>
-          <a:prstGeom prst="rect">
-            <a:avLst/>
-          </a:prstGeom>
-          <a:noFill/>
-          <a:ln>
-            <a:noFill/>
-          </a:ln>
-        </p:spPr>
-      </p:pic>
-      <p:sp>
-        <p:nvSpPr>
-          <p:cNvPr id="68" name="Google Shape;68;p2"/>
-          <p:cNvSpPr/>
-          <p:nvPr/>
-        </p:nvSpPr>
-        <p:spPr>
-          <a:xfrm>
-            <a:off x="3175" y="4486275"/>
-            <a:ext cx="9140825" cy="247650"/>
-          </a:xfrm>
-          <a:prstGeom prst="rect">
-            <a:avLst/>
-          </a:prstGeom>
-          <a:solidFill>
-            <a:srgbClr val="8A4E97"/>
-          </a:solidFill>
-          <a:ln>
-            <a:noFill/>
-          </a:ln>
-        </p:spPr>
-        <p:txBody>
-          <a:bodyPr spcFirstLastPara="1" wrap="square" lIns="91425" tIns="91425" rIns="91425" bIns="91425" anchor="ctr" anchorCtr="0">
-            <a:noAutofit/>
-          </a:bodyPr>
-          <a:lstStyle/>
-          <a:p>
-            <a:pPr marL="0" marR="0" lvl="0" indent="0" algn="l" rtl="0">
-              <a:spcBef>
-                <a:spcPts val="0"/>
-              </a:spcBef>
-              <a:spcAft>
-                <a:spcPts val="0"/>
-              </a:spcAft>
-              <a:buNone/>
-            </a:pPr>
-            <a:endParaRPr sz="1400" b="0" i="0" u="none" strike="noStrike" cap="none">
-              <a:solidFill>
-                <a:srgbClr val="000000"/>
-              </a:solidFill>
-              <a:latin typeface="Arial"/>
-              <a:ea typeface="Arial"/>
-              <a:cs typeface="Arial"/>
-              <a:sym typeface="Arial"/>
-            </a:endParaRPr>
-          </a:p>
-        </p:txBody>
-      </p:sp>
-      <p:sp>
-        <p:nvSpPr>
-          <p:cNvPr id="70" name="Google Shape;70;p2"/>
-          <p:cNvSpPr/>
-          <p:nvPr/>
-        </p:nvSpPr>
-        <p:spPr>
-          <a:xfrm>
-            <a:off x="7616825" y="4306888"/>
-            <a:ext cx="595313" cy="608012"/>
-          </a:xfrm>
-          <a:prstGeom prst="rect">
-            <a:avLst/>
-          </a:prstGeom>
-          <a:solidFill>
-            <a:srgbClr val="FFFFFF"/>
-          </a:solidFill>
-          <a:ln>
-            <a:noFill/>
-          </a:ln>
-        </p:spPr>
-        <p:txBody>
-          <a:bodyPr spcFirstLastPara="1" wrap="square" lIns="91425" tIns="91425" rIns="91425" bIns="91425" anchor="ctr" anchorCtr="0">
-            <a:noAutofit/>
-          </a:bodyPr>
-          <a:lstStyle/>
-          <a:p>
-            <a:pPr marL="0" marR="0" lvl="0" indent="0" algn="l" rtl="0">
-              <a:spcBef>
-                <a:spcPts val="0"/>
-              </a:spcBef>
-              <a:spcAft>
-                <a:spcPts val="0"/>
-              </a:spcAft>
-              <a:buNone/>
-            </a:pPr>
-            <a:endParaRPr sz="1400" b="0" i="0" u="none" strike="noStrike" cap="none">
-              <a:solidFill>
-                <a:srgbClr val="000000"/>
-              </a:solidFill>
-              <a:latin typeface="Arial"/>
-              <a:ea typeface="Arial"/>
-              <a:cs typeface="Arial"/>
-              <a:sym typeface="Arial"/>
-            </a:endParaRPr>
-          </a:p>
-        </p:txBody>
-      </p:sp>
-      <p:sp>
-        <p:nvSpPr>
-          <p:cNvPr id="71" name="Google Shape;71;p2"/>
-          <p:cNvSpPr txBox="1"/>
-          <p:nvPr/>
-        </p:nvSpPr>
-        <p:spPr>
-          <a:xfrm>
-            <a:off x="100013" y="4497388"/>
-            <a:ext cx="5048250" cy="227012"/>
-          </a:xfrm>
-          <a:prstGeom prst="rect">
-            <a:avLst/>
-          </a:prstGeom>
-          <a:solidFill>
-            <a:srgbClr val="8A4E97"/>
-          </a:solidFill>
-          <a:ln>
-            <a:noFill/>
-          </a:ln>
-        </p:spPr>
-        <p:txBody>
-          <a:bodyPr spcFirstLastPara="1" wrap="square" lIns="91425" tIns="91425" rIns="91425" bIns="91425" anchor="ctr" anchorCtr="0">
-            <a:noAutofit/>
-          </a:bodyPr>
-          <a:lstStyle/>
-          <a:p>
-            <a:pPr marL="0" marR="0" lvl="0" indent="0" algn="l" rtl="0">
-              <a:spcBef>
-                <a:spcPts val="0"/>
-              </a:spcBef>
-              <a:spcAft>
-                <a:spcPts val="0"/>
-              </a:spcAft>
-              <a:buNone/>
-            </a:pPr>
-            <a:r>
-              <a:rPr lang="en-GB" sz="1200" b="1" i="0" u="none" strike="noStrike" cap="none" dirty="0">
-                <a:solidFill>
-                  <a:srgbClr val="FFFFFF"/>
-                </a:solidFill>
-                <a:latin typeface="Lato"/>
-                <a:ea typeface="Lato"/>
-                <a:cs typeface="Lato"/>
-                <a:sym typeface="Lato"/>
-              </a:rPr>
-              <a:t>.NET LEVEL UP</a:t>
-            </a:r>
-            <a:endParaRPr sz="1400" b="1" i="0" u="none" strike="noStrike" cap="none" dirty="0">
-              <a:solidFill>
-                <a:srgbClr val="FFFFFF"/>
-              </a:solidFill>
-              <a:latin typeface="Lato"/>
-              <a:ea typeface="Lato"/>
-              <a:cs typeface="Lato"/>
-              <a:sym typeface="Lato"/>
-            </a:endParaRPr>
-          </a:p>
-        </p:txBody>
-      </p:sp>
-      <p:sp>
-        <p:nvSpPr>
-          <p:cNvPr id="73" name="Google Shape;73;p2"/>
-          <p:cNvSpPr txBox="1"/>
-          <p:nvPr/>
-        </p:nvSpPr>
-        <p:spPr>
-          <a:xfrm>
-            <a:off x="7411277" y="4497388"/>
-            <a:ext cx="1686685" cy="227012"/>
-          </a:xfrm>
-          <a:prstGeom prst="rect">
-            <a:avLst/>
-          </a:prstGeom>
-          <a:noFill/>
-          <a:ln>
-            <a:noFill/>
-          </a:ln>
-        </p:spPr>
-        <p:txBody>
-          <a:bodyPr spcFirstLastPara="1" wrap="square" lIns="91425" tIns="91425" rIns="91425" bIns="91425" anchor="ctr" anchorCtr="0">
-            <a:noAutofit/>
-          </a:bodyPr>
-          <a:lstStyle/>
-          <a:p>
-            <a:pPr marL="0" marR="0" lvl="0" indent="0" algn="r" rtl="0">
-              <a:spcBef>
-                <a:spcPts val="0"/>
-              </a:spcBef>
-              <a:spcAft>
-                <a:spcPts val="0"/>
-              </a:spcAft>
-              <a:buNone/>
-            </a:pPr>
-            <a:r>
-              <a:rPr lang="en-GB" sz="1200" b="0" i="0" u="none" strike="noStrike" cap="none" dirty="0" smtClean="0">
-                <a:solidFill>
-                  <a:srgbClr val="FFFFFF"/>
-                </a:solidFill>
-                <a:latin typeface="Lato"/>
-                <a:ea typeface="Lato"/>
-                <a:cs typeface="Lato"/>
-                <a:sym typeface="Lato"/>
-              </a:rPr>
-              <a:t>                       </a:t>
-            </a:r>
-            <a:r>
-              <a:rPr lang="en-GB" sz="1200" b="0" i="0" u="none" strike="noStrike" cap="none" dirty="0">
-                <a:solidFill>
-                  <a:srgbClr val="FFFFFF"/>
-                </a:solidFill>
-                <a:latin typeface="Lato"/>
-                <a:ea typeface="Lato"/>
-                <a:cs typeface="Lato"/>
-                <a:sym typeface="Lato"/>
-              </a:rPr>
-              <a:t>KYIV 2019</a:t>
-            </a:r>
-            <a:endParaRPr dirty="0"/>
-          </a:p>
-        </p:txBody>
-      </p:sp>
-      <p:pic>
-        <p:nvPicPr>
-          <p:cNvPr id="74" name="Google Shape;74;p2"/>
-          <p:cNvPicPr preferRelativeResize="0"/>
-          <p:nvPr/>
-        </p:nvPicPr>
-        <p:blipFill rotWithShape="1">
-          <a:blip r:embed="rId4">
-            <a:alphaModFix/>
-          </a:blip>
-          <a:srcRect/>
-          <a:stretch/>
-        </p:blipFill>
-        <p:spPr>
-          <a:xfrm>
-            <a:off x="7627938" y="4324350"/>
-            <a:ext cx="573087" cy="571500"/>
-          </a:xfrm>
-          <a:prstGeom prst="rect">
-            <a:avLst/>
-          </a:prstGeom>
-          <a:noFill/>
-          <a:ln>
-            <a:noFill/>
-          </a:ln>
-        </p:spPr>
-      </p:pic>
-      <p:sp>
-        <p:nvSpPr>
-          <p:cNvPr id="76" name="Google Shape;76;p2"/>
-          <p:cNvSpPr txBox="1"/>
-          <p:nvPr/>
-        </p:nvSpPr>
-        <p:spPr>
-          <a:xfrm>
-            <a:off x="987424" y="1599466"/>
-            <a:ext cx="7172325" cy="1107955"/>
-          </a:xfrm>
-          <a:prstGeom prst="rect">
-            <a:avLst/>
-          </a:prstGeom>
-          <a:noFill/>
-          <a:ln>
-            <a:noFill/>
-          </a:ln>
-        </p:spPr>
-        <p:txBody>
-          <a:bodyPr spcFirstLastPara="1" wrap="square" lIns="91425" tIns="45700" rIns="91425" bIns="45700" anchor="t" anchorCtr="0">
-            <a:spAutoFit/>
-          </a:bodyPr>
-          <a:lstStyle/>
-          <a:p>
-            <a:pPr lvl="0" algn="ctr"/>
-            <a:r>
-              <a:rPr lang="en-US" sz="6600" dirty="0" smtClean="0">
-                <a:solidFill>
-                  <a:srgbClr val="7030A0"/>
-                </a:solidFill>
-              </a:rPr>
-              <a:t>Demo</a:t>
-            </a:r>
-            <a:endParaRPr sz="6600" b="0" i="0" u="none" strike="noStrike" cap="none" dirty="0">
-              <a:solidFill>
-                <a:srgbClr val="7030A0"/>
-              </a:solidFill>
-              <a:sym typeface="Arial"/>
-            </a:endParaRPr>
-          </a:p>
-        </p:txBody>
-      </p:sp>
-    </p:spTree>
-    <p:extLst>
-      <p:ext uri="{BB962C8B-B14F-4D97-AF65-F5344CB8AC3E}">
-        <p14:creationId xmlns:p14="http://schemas.microsoft.com/office/powerpoint/2010/main" val="3067874319"/>
-      </p:ext>
-    </p:extLst>
-  </p:cSld>
-  <p:clrMapOvr>
-    <a:masterClrMapping/>
-  </p:clrMapOvr>
-  <p:timing>
-    <p:tnLst>
-      <p:par>
-        <p:cTn id="1" dur="indefinite" restart="never" nodeType="tmRoot"/>
-      </p:par>
-    </p:tnLst>
-  </p:timing>
-</p:sld>
-</file>
-
-<file path=ppt/slides/slide9.xml><?xml version="1.0" encoding="utf-8"?>
-<p:sld xmlns:a="http://schemas.openxmlformats.org/drawingml/2006/main" xmlns:r="http://schemas.openxmlformats.org/officeDocument/2006/relationships" xmlns:p="http://schemas.openxmlformats.org/presentationml/2006/main">
-  <p:cSld>
-    <p:spTree>
-      <p:nvGrpSpPr>
-        <p:cNvPr id="1" name="Shape 65"/>
-        <p:cNvGrpSpPr/>
-        <p:nvPr/>
-      </p:nvGrpSpPr>
-      <p:grpSpPr>
-        <a:xfrm>
-          <a:off x="0" y="0"/>
-          <a:ext cx="0" cy="0"/>
-          <a:chOff x="0" y="0"/>
-          <a:chExt cx="0" cy="0"/>
-        </a:xfrm>
-      </p:grpSpPr>
-      <p:sp>
-        <p:nvSpPr>
-          <p:cNvPr id="66" name="Google Shape;66;p2"/>
-          <p:cNvSpPr txBox="1"/>
-          <p:nvPr/>
-        </p:nvSpPr>
-        <p:spPr>
-          <a:xfrm>
-            <a:off x="1611313" y="2019300"/>
-            <a:ext cx="5953125" cy="1481138"/>
-          </a:xfrm>
-          <a:prstGeom prst="rect">
-            <a:avLst/>
-          </a:prstGeom>
-          <a:noFill/>
-          <a:ln>
-            <a:noFill/>
-          </a:ln>
-        </p:spPr>
-        <p:txBody>
-          <a:bodyPr spcFirstLastPara="1" wrap="square" lIns="91425" tIns="91425" rIns="91425" bIns="91425" anchor="t" anchorCtr="0">
-            <a:noAutofit/>
-          </a:bodyPr>
-          <a:lstStyle/>
-          <a:p>
-            <a:pPr marL="0" marR="0" lvl="0" indent="0" algn="ctr" rtl="0">
-              <a:spcBef>
-                <a:spcPts val="0"/>
-              </a:spcBef>
-              <a:spcAft>
-                <a:spcPts val="0"/>
-              </a:spcAft>
-              <a:buNone/>
-            </a:pPr>
-            <a:r>
-              <a:rPr lang="en-GB" sz="2400" b="1" i="0" u="none" strike="noStrike" cap="none">
-                <a:solidFill>
-                  <a:srgbClr val="434343"/>
-                </a:solidFill>
-                <a:latin typeface="Lato"/>
-                <a:ea typeface="Lato"/>
-                <a:cs typeface="Lato"/>
-                <a:sym typeface="Lato"/>
-              </a:rPr>
-              <a:t>Тема доклада</a:t>
-            </a:r>
-            <a:endParaRPr sz="2400" b="1" i="0" u="none" strike="noStrike" cap="none">
-              <a:solidFill>
-                <a:srgbClr val="434343"/>
-              </a:solidFill>
-              <a:latin typeface="Lato"/>
-              <a:ea typeface="Lato"/>
-              <a:cs typeface="Lato"/>
-              <a:sym typeface="Lato"/>
-            </a:endParaRPr>
-          </a:p>
-          <a:p>
-            <a:pPr marL="0" marR="0" lvl="0" indent="0" algn="ctr" rtl="0">
-              <a:spcBef>
-                <a:spcPts val="0"/>
-              </a:spcBef>
-              <a:spcAft>
-                <a:spcPts val="0"/>
-              </a:spcAft>
-              <a:buNone/>
-            </a:pPr>
-            <a:r>
-              <a:rPr lang="en-GB" sz="2400" b="1" i="0" u="none" strike="noStrike" cap="none">
-                <a:solidFill>
-                  <a:srgbClr val="434343"/>
-                </a:solidFill>
-                <a:latin typeface="Lato"/>
-                <a:ea typeface="Lato"/>
-                <a:cs typeface="Lato"/>
-                <a:sym typeface="Lato"/>
-              </a:rPr>
-              <a:t>Тема доклада</a:t>
-            </a:r>
-            <a:endParaRPr sz="2400" b="1" i="0" u="none" strike="noStrike" cap="none">
-              <a:solidFill>
-                <a:srgbClr val="434343"/>
-              </a:solidFill>
-              <a:latin typeface="Lato"/>
-              <a:ea typeface="Lato"/>
-              <a:cs typeface="Lato"/>
-              <a:sym typeface="Lato"/>
-            </a:endParaRPr>
-          </a:p>
-          <a:p>
-            <a:pPr marL="0" marR="0" lvl="0" indent="0" algn="ctr" rtl="0">
-              <a:spcBef>
-                <a:spcPts val="0"/>
-              </a:spcBef>
-              <a:spcAft>
-                <a:spcPts val="0"/>
-              </a:spcAft>
-              <a:buNone/>
-            </a:pPr>
-            <a:r>
-              <a:rPr lang="en-GB" sz="2400" b="1" i="0" u="none" strike="noStrike" cap="none">
-                <a:solidFill>
-                  <a:srgbClr val="434343"/>
-                </a:solidFill>
-                <a:latin typeface="Lato"/>
-                <a:ea typeface="Lato"/>
-                <a:cs typeface="Lato"/>
-                <a:sym typeface="Lato"/>
-              </a:rPr>
-              <a:t>Тема доклада</a:t>
-            </a:r>
-            <a:endParaRPr sz="2400" b="1" i="0" u="none" strike="noStrike" cap="none">
-              <a:solidFill>
-                <a:srgbClr val="434343"/>
-              </a:solidFill>
-              <a:latin typeface="Lato"/>
-              <a:ea typeface="Lato"/>
-              <a:cs typeface="Lato"/>
-              <a:sym typeface="Lato"/>
-            </a:endParaRPr>
-          </a:p>
-        </p:txBody>
-      </p:sp>
-      <p:pic>
-        <p:nvPicPr>
-          <p:cNvPr id="67" name="Google Shape;67;p2"/>
-          <p:cNvPicPr preferRelativeResize="0"/>
-          <p:nvPr/>
-        </p:nvPicPr>
-        <p:blipFill rotWithShape="1">
-          <a:blip r:embed="rId3">
-            <a:alphaModFix/>
-          </a:blip>
-          <a:srcRect/>
-          <a:stretch/>
-        </p:blipFill>
-        <p:spPr>
-          <a:xfrm>
-            <a:off x="6626" y="6625"/>
-            <a:ext cx="9144000" cy="5143500"/>
-          </a:xfrm>
-          <a:prstGeom prst="rect">
-            <a:avLst/>
-          </a:prstGeom>
-          <a:noFill/>
-          <a:ln>
-            <a:noFill/>
-          </a:ln>
-        </p:spPr>
-      </p:pic>
-      <p:sp>
-        <p:nvSpPr>
-          <p:cNvPr id="68" name="Google Shape;68;p2"/>
-          <p:cNvSpPr/>
-          <p:nvPr/>
-        </p:nvSpPr>
-        <p:spPr>
-          <a:xfrm>
-            <a:off x="3175" y="4486275"/>
-            <a:ext cx="9140825" cy="247650"/>
-          </a:xfrm>
-          <a:prstGeom prst="rect">
-            <a:avLst/>
-          </a:prstGeom>
-          <a:solidFill>
-            <a:srgbClr val="8A4E97"/>
-          </a:solidFill>
-          <a:ln>
-            <a:noFill/>
-          </a:ln>
-        </p:spPr>
-        <p:txBody>
-          <a:bodyPr spcFirstLastPara="1" wrap="square" lIns="91425" tIns="91425" rIns="91425" bIns="91425" anchor="ctr" anchorCtr="0">
-            <a:noAutofit/>
-          </a:bodyPr>
-          <a:lstStyle/>
-          <a:p>
-            <a:pPr marL="0" marR="0" lvl="0" indent="0" algn="l" rtl="0">
-              <a:spcBef>
-                <a:spcPts val="0"/>
-              </a:spcBef>
-              <a:spcAft>
-                <a:spcPts val="0"/>
-              </a:spcAft>
-              <a:buNone/>
-            </a:pPr>
-            <a:endParaRPr sz="1400" b="0" i="0" u="none" strike="noStrike" cap="none">
-              <a:solidFill>
-                <a:srgbClr val="000000"/>
-              </a:solidFill>
-              <a:latin typeface="Arial"/>
-              <a:ea typeface="Arial"/>
-              <a:cs typeface="Arial"/>
-              <a:sym typeface="Arial"/>
-            </a:endParaRPr>
-          </a:p>
-        </p:txBody>
-      </p:sp>
-      <p:sp>
-        <p:nvSpPr>
-          <p:cNvPr id="69" name="Google Shape;69;p2"/>
-          <p:cNvSpPr/>
-          <p:nvPr/>
-        </p:nvSpPr>
-        <p:spPr>
-          <a:xfrm>
-            <a:off x="15875" y="490538"/>
-            <a:ext cx="7548563" cy="788987"/>
-          </a:xfrm>
-          <a:prstGeom prst="rect">
-            <a:avLst/>
-          </a:prstGeom>
-          <a:solidFill>
-            <a:srgbClr val="8A4E97"/>
-          </a:solidFill>
-          <a:ln>
-            <a:noFill/>
-          </a:ln>
-        </p:spPr>
-        <p:txBody>
-          <a:bodyPr spcFirstLastPara="1" wrap="square" lIns="91425" tIns="91425" rIns="91425" bIns="91425" anchor="ctr" anchorCtr="0">
-            <a:noAutofit/>
-          </a:bodyPr>
-          <a:lstStyle/>
-          <a:p>
-            <a:pPr marL="0" marR="0" lvl="0" indent="0" algn="l" rtl="0">
-              <a:spcBef>
-                <a:spcPts val="0"/>
-              </a:spcBef>
-              <a:spcAft>
-                <a:spcPts val="0"/>
-              </a:spcAft>
-              <a:buNone/>
-            </a:pPr>
-            <a:endParaRPr sz="1400" b="0" i="0" u="none" strike="noStrike" cap="none">
-              <a:solidFill>
-                <a:srgbClr val="000000"/>
-              </a:solidFill>
-              <a:latin typeface="Arial"/>
-              <a:ea typeface="Arial"/>
-              <a:cs typeface="Arial"/>
-              <a:sym typeface="Arial"/>
-            </a:endParaRPr>
-          </a:p>
-        </p:txBody>
-      </p:sp>
-      <p:sp>
-        <p:nvSpPr>
-          <p:cNvPr id="70" name="Google Shape;70;p2"/>
-          <p:cNvSpPr/>
-          <p:nvPr/>
-        </p:nvSpPr>
-        <p:spPr>
-          <a:xfrm>
-            <a:off x="7616825" y="4306888"/>
-            <a:ext cx="595313" cy="608012"/>
-          </a:xfrm>
-          <a:prstGeom prst="rect">
-            <a:avLst/>
-          </a:prstGeom>
-          <a:solidFill>
-            <a:srgbClr val="FFFFFF"/>
-          </a:solidFill>
-          <a:ln>
-            <a:noFill/>
-          </a:ln>
-        </p:spPr>
-        <p:txBody>
-          <a:bodyPr spcFirstLastPara="1" wrap="square" lIns="91425" tIns="91425" rIns="91425" bIns="91425" anchor="ctr" anchorCtr="0">
-            <a:noAutofit/>
-          </a:bodyPr>
-          <a:lstStyle/>
-          <a:p>
-            <a:pPr marL="0" marR="0" lvl="0" indent="0" algn="l" rtl="0">
-              <a:spcBef>
-                <a:spcPts val="0"/>
-              </a:spcBef>
-              <a:spcAft>
-                <a:spcPts val="0"/>
-              </a:spcAft>
-              <a:buNone/>
-            </a:pPr>
-            <a:endParaRPr sz="1400" b="0" i="0" u="none" strike="noStrike" cap="none">
-              <a:solidFill>
-                <a:srgbClr val="000000"/>
-              </a:solidFill>
-              <a:latin typeface="Arial"/>
-              <a:ea typeface="Arial"/>
-              <a:cs typeface="Arial"/>
-              <a:sym typeface="Arial"/>
-            </a:endParaRPr>
-          </a:p>
-        </p:txBody>
-      </p:sp>
-      <p:sp>
-        <p:nvSpPr>
-          <p:cNvPr id="71" name="Google Shape;71;p2"/>
-          <p:cNvSpPr txBox="1"/>
-          <p:nvPr/>
-        </p:nvSpPr>
-        <p:spPr>
-          <a:xfrm>
-            <a:off x="100013" y="4497388"/>
-            <a:ext cx="5048250" cy="227012"/>
-          </a:xfrm>
-          <a:prstGeom prst="rect">
-            <a:avLst/>
-          </a:prstGeom>
-          <a:solidFill>
-            <a:srgbClr val="8A4E97"/>
-          </a:solidFill>
-          <a:ln>
-            <a:noFill/>
-          </a:ln>
-        </p:spPr>
-        <p:txBody>
-          <a:bodyPr spcFirstLastPara="1" wrap="square" lIns="91425" tIns="91425" rIns="91425" bIns="91425" anchor="ctr" anchorCtr="0">
-            <a:noAutofit/>
-          </a:bodyPr>
-          <a:lstStyle/>
-          <a:p>
-            <a:pPr marL="0" marR="0" lvl="0" indent="0" algn="l" rtl="0">
-              <a:spcBef>
-                <a:spcPts val="0"/>
-              </a:spcBef>
-              <a:spcAft>
-                <a:spcPts val="0"/>
-              </a:spcAft>
-              <a:buNone/>
-            </a:pPr>
-            <a:r>
-              <a:rPr lang="en-GB" sz="1200" b="1" i="0" u="none" strike="noStrike" cap="none" dirty="0">
-                <a:solidFill>
-                  <a:srgbClr val="FFFFFF"/>
-                </a:solidFill>
-                <a:latin typeface="Lato"/>
-                <a:ea typeface="Lato"/>
-                <a:cs typeface="Lato"/>
-                <a:sym typeface="Lato"/>
-              </a:rPr>
-              <a:t>.NET LEVEL UP</a:t>
-            </a:r>
-            <a:endParaRPr sz="1400" b="1" i="0" u="none" strike="noStrike" cap="none" dirty="0">
-              <a:solidFill>
-                <a:srgbClr val="FFFFFF"/>
-              </a:solidFill>
-              <a:latin typeface="Lato"/>
-              <a:ea typeface="Lato"/>
-              <a:cs typeface="Lato"/>
-              <a:sym typeface="Lato"/>
-            </a:endParaRPr>
-          </a:p>
-        </p:txBody>
-      </p:sp>
-      <p:sp>
-        <p:nvSpPr>
-          <p:cNvPr id="72" name="Google Shape;72;p2"/>
-          <p:cNvSpPr txBox="1"/>
-          <p:nvPr/>
-        </p:nvSpPr>
-        <p:spPr>
-          <a:xfrm>
-            <a:off x="1200150" y="565150"/>
-            <a:ext cx="5954713" cy="573088"/>
-          </a:xfrm>
-          <a:prstGeom prst="rect">
-            <a:avLst/>
-          </a:prstGeom>
-          <a:noFill/>
-          <a:ln>
-            <a:noFill/>
-          </a:ln>
-        </p:spPr>
-        <p:txBody>
-          <a:bodyPr spcFirstLastPara="1" wrap="square" lIns="91425" tIns="91425" rIns="91425" bIns="91425" anchor="t" anchorCtr="0">
-            <a:noAutofit/>
-          </a:bodyPr>
-          <a:lstStyle/>
-          <a:p>
-            <a:pPr marL="0" marR="0" lvl="0" indent="0" algn="ctr" rtl="0">
-              <a:spcBef>
-                <a:spcPts val="0"/>
-              </a:spcBef>
-              <a:spcAft>
-                <a:spcPts val="0"/>
-              </a:spcAft>
-              <a:buNone/>
-            </a:pPr>
-            <a:r>
-              <a:rPr lang="en-US" sz="2400" dirty="0" smtClean="0">
-                <a:solidFill>
-                  <a:srgbClr val="FFFFFF"/>
-                </a:solidFill>
-                <a:latin typeface="Lato"/>
-                <a:ea typeface="Lato"/>
-                <a:cs typeface="Lato"/>
-                <a:sym typeface="Lato"/>
-              </a:rPr>
-              <a:t>CQS </a:t>
-            </a:r>
-            <a:r>
-              <a:rPr lang="ru-RU" sz="2400" dirty="0" smtClean="0">
-                <a:solidFill>
-                  <a:srgbClr val="FFFFFF"/>
-                </a:solidFill>
-                <a:latin typeface="Lato"/>
-                <a:ea typeface="Lato"/>
-                <a:cs typeface="Lato"/>
-                <a:sym typeface="Lato"/>
-              </a:rPr>
-              <a:t>Архитектура</a:t>
-            </a:r>
-            <a:endParaRPr sz="2400" b="0" i="0" u="none" strike="noStrike" cap="none" dirty="0">
-              <a:solidFill>
-                <a:srgbClr val="FFFFFF"/>
-              </a:solidFill>
-              <a:latin typeface="Lato"/>
-              <a:ea typeface="Lato"/>
-              <a:cs typeface="Lato"/>
-              <a:sym typeface="Lato"/>
-            </a:endParaRPr>
-          </a:p>
-        </p:txBody>
-      </p:sp>
-      <p:sp>
-        <p:nvSpPr>
-          <p:cNvPr id="73" name="Google Shape;73;p2"/>
-          <p:cNvSpPr txBox="1"/>
-          <p:nvPr/>
-        </p:nvSpPr>
-        <p:spPr>
-          <a:xfrm>
-            <a:off x="7411277" y="4497388"/>
-            <a:ext cx="1686685" cy="227012"/>
-          </a:xfrm>
-          <a:prstGeom prst="rect">
-            <a:avLst/>
-          </a:prstGeom>
-          <a:noFill/>
-          <a:ln>
-            <a:noFill/>
-          </a:ln>
-        </p:spPr>
-        <p:txBody>
-          <a:bodyPr spcFirstLastPara="1" wrap="square" lIns="91425" tIns="91425" rIns="91425" bIns="91425" anchor="ctr" anchorCtr="0">
-            <a:noAutofit/>
-          </a:bodyPr>
-          <a:lstStyle/>
-          <a:p>
-            <a:pPr marL="0" marR="0" lvl="0" indent="0" algn="r" rtl="0">
-              <a:spcBef>
-                <a:spcPts val="0"/>
-              </a:spcBef>
-              <a:spcAft>
-                <a:spcPts val="0"/>
-              </a:spcAft>
-              <a:buNone/>
-            </a:pPr>
-            <a:r>
-              <a:rPr lang="en-GB" sz="1200" b="0" i="0" u="none" strike="noStrike" cap="none" dirty="0" smtClean="0">
-                <a:solidFill>
-                  <a:srgbClr val="FFFFFF"/>
-                </a:solidFill>
-                <a:latin typeface="Lato"/>
-                <a:ea typeface="Lato"/>
-                <a:cs typeface="Lato"/>
-                <a:sym typeface="Lato"/>
-              </a:rPr>
-              <a:t>                       </a:t>
-            </a:r>
-            <a:r>
-              <a:rPr lang="en-GB" sz="1200" b="0" i="0" u="none" strike="noStrike" cap="none" dirty="0">
-                <a:solidFill>
-                  <a:srgbClr val="FFFFFF"/>
-                </a:solidFill>
-                <a:latin typeface="Lato"/>
-                <a:ea typeface="Lato"/>
-                <a:cs typeface="Lato"/>
-                <a:sym typeface="Lato"/>
-              </a:rPr>
-              <a:t>KYIV 2019</a:t>
-            </a:r>
-            <a:endParaRPr dirty="0"/>
-          </a:p>
-        </p:txBody>
-      </p:sp>
-      <p:pic>
-        <p:nvPicPr>
-          <p:cNvPr id="74" name="Google Shape;74;p2"/>
-          <p:cNvPicPr preferRelativeResize="0"/>
-          <p:nvPr/>
-        </p:nvPicPr>
-        <p:blipFill rotWithShape="1">
-          <a:blip r:embed="rId4">
-            <a:alphaModFix/>
-          </a:blip>
-          <a:srcRect/>
-          <a:stretch/>
-        </p:blipFill>
-        <p:spPr>
-          <a:xfrm>
-            <a:off x="7627938" y="4324350"/>
-            <a:ext cx="573087" cy="571500"/>
-          </a:xfrm>
-          <a:prstGeom prst="rect">
-            <a:avLst/>
-          </a:prstGeom>
-          <a:noFill/>
-          <a:ln>
-            <a:noFill/>
-          </a:ln>
-        </p:spPr>
-      </p:pic>
-      <p:pic>
-        <p:nvPicPr>
-          <p:cNvPr id="75" name="Google Shape;75;p2"/>
-          <p:cNvPicPr preferRelativeResize="0"/>
-          <p:nvPr/>
-        </p:nvPicPr>
-        <p:blipFill rotWithShape="1">
-          <a:blip r:embed="rId5">
-            <a:alphaModFix/>
-          </a:blip>
-          <a:srcRect l="60010"/>
-          <a:stretch/>
-        </p:blipFill>
-        <p:spPr>
-          <a:xfrm rot="-5400000">
-            <a:off x="7863682" y="226218"/>
-            <a:ext cx="787400" cy="1319213"/>
-          </a:xfrm>
-          <a:prstGeom prst="rect">
-            <a:avLst/>
-          </a:prstGeom>
-          <a:noFill/>
-          <a:ln>
-            <a:noFill/>
-          </a:ln>
-        </p:spPr>
-      </p:pic>
-      <p:sp>
-        <p:nvSpPr>
-          <p:cNvPr id="76" name="Google Shape;76;p2"/>
-          <p:cNvSpPr txBox="1"/>
-          <p:nvPr/>
-        </p:nvSpPr>
-        <p:spPr>
-          <a:xfrm>
-            <a:off x="778427" y="1557676"/>
-            <a:ext cx="7172325" cy="1631175"/>
-          </a:xfrm>
-          <a:prstGeom prst="rect">
-            <a:avLst/>
-          </a:prstGeom>
-          <a:noFill/>
-          <a:ln>
-            <a:noFill/>
-          </a:ln>
-        </p:spPr>
-        <p:txBody>
-          <a:bodyPr spcFirstLastPara="1" wrap="square" lIns="91425" tIns="45700" rIns="91425" bIns="45700" anchor="t" anchorCtr="0">
-            <a:spAutoFit/>
-          </a:bodyPr>
-          <a:lstStyle/>
-          <a:p>
-            <a:pPr lvl="0"/>
-            <a:r>
-              <a:rPr lang="en-GB" sz="2000" dirty="0">
-                <a:hlinkClick r:id="rId6"/>
-              </a:rPr>
-              <a:t>https://blogs.cuttingedge.it/steven/posts/2011/meanwhile-on-the-command-side-of-my-architecture</a:t>
-            </a:r>
-            <a:r>
-              <a:rPr lang="en-GB" sz="2000" dirty="0" smtClean="0">
-                <a:hlinkClick r:id="rId6"/>
-              </a:rPr>
-              <a:t>/</a:t>
-            </a:r>
-            <a:endParaRPr lang="ru-RU" sz="2000" dirty="0" smtClean="0"/>
-          </a:p>
-          <a:p>
-            <a:pPr lvl="0"/>
-            <a:endParaRPr lang="ru-RU" sz="2000" b="0" i="0" u="none" strike="noStrike" cap="none" dirty="0">
-              <a:solidFill>
-                <a:srgbClr val="000000"/>
-              </a:solidFill>
-              <a:sym typeface="Arial"/>
-            </a:endParaRPr>
-          </a:p>
-          <a:p>
-            <a:pPr lvl="0"/>
-            <a:r>
-              <a:rPr lang="en-GB" sz="2000" dirty="0">
-                <a:hlinkClick r:id="rId7"/>
-              </a:rPr>
-              <a:t>https://blogs.cuttingedge.it/steven/posts/2011/meanwhile-on-the-query-side-of-my-architecture/</a:t>
-            </a:r>
-            <a:endParaRPr sz="2000" b="0" i="0" u="none" strike="noStrike" cap="none" dirty="0">
-              <a:solidFill>
-                <a:srgbClr val="000000"/>
-              </a:solidFill>
-              <a:sym typeface="Arial"/>
-            </a:endParaRPr>
-          </a:p>
-        </p:txBody>
-      </p:sp>
-    </p:spTree>
   </p:cSld>
   <p:clrMapOvr>
     <a:masterClrMapping/>
